--- a/units/3/lessons/2/resources/petascale-lesson-3.2-slides.pptx
+++ b/units/3/lessons/2/resources/petascale-lesson-3.2-slides.pptx
@@ -1,24 +1,25 @@
 
 <file path=ppt/presentation.xml><?xml version="1.0" encoding="utf-8"?>
-<p:presentation xmlns:a="http://schemas.openxmlformats.org/drawingml/2006/main" xmlns:r="http://schemas.openxmlformats.org/officeDocument/2006/relationships" xmlns:p="http://schemas.openxmlformats.org/presentationml/2006/main" xmlns:p15="http://schemas.microsoft.com/office/powerpoint/2012/main" autoCompressPictures="0" saveSubsetFonts="1">
+<p:presentation xmlns:a="http://schemas.openxmlformats.org/drawingml/2006/main" xmlns:r="http://schemas.openxmlformats.org/officeDocument/2006/relationships" xmlns:p="http://schemas.openxmlformats.org/presentationml/2006/main" saveSubsetFonts="1" autoCompressPictures="0">
   <p:sldMasterIdLst>
-    <p:sldMasterId r:id="rId1" id="2147483648"/>
+    <p:sldMasterId id="2147483648" r:id="rId1"/>
   </p:sldMasterIdLst>
   <p:notesMasterIdLst>
-    <p:notesMasterId r:id="rId13"/>
+    <p:notesMasterId r:id="rId14"/>
   </p:notesMasterIdLst>
   <p:sldIdLst>
-    <p:sldId r:id="rId2" id="256"/>
-    <p:sldId r:id="rId3" id="257"/>
-    <p:sldId r:id="rId4" id="258"/>
-    <p:sldId r:id="rId5" id="260"/>
-    <p:sldId r:id="rId6" id="261"/>
-    <p:sldId r:id="rId7" id="259"/>
-    <p:sldId r:id="rId8" id="262"/>
-    <p:sldId r:id="rId9" id="263"/>
-    <p:sldId r:id="rId10" id="264"/>
-    <p:sldId r:id="rId11" id="265"/>
-    <p:sldId r:id="rId12" id="266"/>
+    <p:sldId id="267" r:id="rId2"/>
+    <p:sldId id="268" r:id="rId3"/>
+    <p:sldId id="257" r:id="rId4"/>
+    <p:sldId id="258" r:id="rId5"/>
+    <p:sldId id="260" r:id="rId6"/>
+    <p:sldId id="261" r:id="rId7"/>
+    <p:sldId id="259" r:id="rId8"/>
+    <p:sldId id="262" r:id="rId9"/>
+    <p:sldId id="263" r:id="rId10"/>
+    <p:sldId id="264" r:id="rId11"/>
+    <p:sldId id="265" r:id="rId12"/>
+    <p:sldId id="266" r:id="rId13"/>
   </p:sldIdLst>
   <p:sldSz cx="12192000" cy="6858000"/>
   <p:notesSz cx="6858000" cy="9144000"/>
@@ -26,8 +27,8 @@
     <a:defPPr>
       <a:defRPr lang="en-US"/>
     </a:defPPr>
-    <a:lvl1pPr eaLnBrk="1" defTabSz="914400" latinLnBrk="0" rtl="0" marL="0" hangingPunct="1" algn="l">
-      <a:defRPr kern="1200" sz="1800">
+    <a:lvl1pPr marL="0" algn="l" defTabSz="914400" rtl="0" eaLnBrk="1" latinLnBrk="0" hangingPunct="1">
+      <a:defRPr sz="1800" kern="1200">
         <a:solidFill>
           <a:schemeClr val="tx1"/>
         </a:solidFill>
@@ -36,8 +37,8 @@
         <a:cs typeface="+mn-cs"/>
       </a:defRPr>
     </a:lvl1pPr>
-    <a:lvl2pPr eaLnBrk="1" defTabSz="914400" latinLnBrk="0" rtl="0" marL="457200" hangingPunct="1" algn="l">
-      <a:defRPr kern="1200" sz="1800">
+    <a:lvl2pPr marL="457200" algn="l" defTabSz="914400" rtl="0" eaLnBrk="1" latinLnBrk="0" hangingPunct="1">
+      <a:defRPr sz="1800" kern="1200">
         <a:solidFill>
           <a:schemeClr val="tx1"/>
         </a:solidFill>
@@ -46,8 +47,8 @@
         <a:cs typeface="+mn-cs"/>
       </a:defRPr>
     </a:lvl2pPr>
-    <a:lvl3pPr eaLnBrk="1" defTabSz="914400" latinLnBrk="0" rtl="0" marL="914400" hangingPunct="1" algn="l">
-      <a:defRPr kern="1200" sz="1800">
+    <a:lvl3pPr marL="914400" algn="l" defTabSz="914400" rtl="0" eaLnBrk="1" latinLnBrk="0" hangingPunct="1">
+      <a:defRPr sz="1800" kern="1200">
         <a:solidFill>
           <a:schemeClr val="tx1"/>
         </a:solidFill>
@@ -56,8 +57,8 @@
         <a:cs typeface="+mn-cs"/>
       </a:defRPr>
     </a:lvl3pPr>
-    <a:lvl4pPr eaLnBrk="1" defTabSz="914400" latinLnBrk="0" rtl="0" marL="1371600" hangingPunct="1" algn="l">
-      <a:defRPr kern="1200" sz="1800">
+    <a:lvl4pPr marL="1371600" algn="l" defTabSz="914400" rtl="0" eaLnBrk="1" latinLnBrk="0" hangingPunct="1">
+      <a:defRPr sz="1800" kern="1200">
         <a:solidFill>
           <a:schemeClr val="tx1"/>
         </a:solidFill>
@@ -66,8 +67,8 @@
         <a:cs typeface="+mn-cs"/>
       </a:defRPr>
     </a:lvl4pPr>
-    <a:lvl5pPr eaLnBrk="1" defTabSz="914400" latinLnBrk="0" rtl="0" marL="1828800" hangingPunct="1" algn="l">
-      <a:defRPr kern="1200" sz="1800">
+    <a:lvl5pPr marL="1828800" algn="l" defTabSz="914400" rtl="0" eaLnBrk="1" latinLnBrk="0" hangingPunct="1">
+      <a:defRPr sz="1800" kern="1200">
         <a:solidFill>
           <a:schemeClr val="tx1"/>
         </a:solidFill>
@@ -76,8 +77,8 @@
         <a:cs typeface="+mn-cs"/>
       </a:defRPr>
     </a:lvl5pPr>
-    <a:lvl6pPr eaLnBrk="1" defTabSz="914400" latinLnBrk="0" rtl="0" marL="2286000" hangingPunct="1" algn="l">
-      <a:defRPr kern="1200" sz="1800">
+    <a:lvl6pPr marL="2286000" algn="l" defTabSz="914400" rtl="0" eaLnBrk="1" latinLnBrk="0" hangingPunct="1">
+      <a:defRPr sz="1800" kern="1200">
         <a:solidFill>
           <a:schemeClr val="tx1"/>
         </a:solidFill>
@@ -86,8 +87,8 @@
         <a:cs typeface="+mn-cs"/>
       </a:defRPr>
     </a:lvl6pPr>
-    <a:lvl7pPr eaLnBrk="1" defTabSz="914400" latinLnBrk="0" rtl="0" marL="2743200" hangingPunct="1" algn="l">
-      <a:defRPr kern="1200" sz="1800">
+    <a:lvl7pPr marL="2743200" algn="l" defTabSz="914400" rtl="0" eaLnBrk="1" latinLnBrk="0" hangingPunct="1">
+      <a:defRPr sz="1800" kern="1200">
         <a:solidFill>
           <a:schemeClr val="tx1"/>
         </a:solidFill>
@@ -96,8 +97,8 @@
         <a:cs typeface="+mn-cs"/>
       </a:defRPr>
     </a:lvl7pPr>
-    <a:lvl8pPr eaLnBrk="1" defTabSz="914400" latinLnBrk="0" rtl="0" marL="3200400" hangingPunct="1" algn="l">
-      <a:defRPr kern="1200" sz="1800">
+    <a:lvl8pPr marL="3200400" algn="l" defTabSz="914400" rtl="0" eaLnBrk="1" latinLnBrk="0" hangingPunct="1">
+      <a:defRPr sz="1800" kern="1200">
         <a:solidFill>
           <a:schemeClr val="tx1"/>
         </a:solidFill>
@@ -106,8 +107,8 @@
         <a:cs typeface="+mn-cs"/>
       </a:defRPr>
     </a:lvl8pPr>
-    <a:lvl9pPr eaLnBrk="1" defTabSz="914400" latinLnBrk="0" rtl="0" marL="3657600" hangingPunct="1" algn="l">
-      <a:defRPr kern="1200" sz="1800">
+    <a:lvl9pPr marL="3657600" algn="l" defTabSz="914400" rtl="0" eaLnBrk="1" latinLnBrk="0" hangingPunct="1">
+      <a:defRPr sz="1800" kern="1200">
         <a:solidFill>
           <a:schemeClr val="tx1"/>
         </a:solidFill>
@@ -122,7 +123,7 @@
       <p15:sldGuideLst xmlns:p15="http://schemas.microsoft.com/office/powerpoint/2012/main"/>
     </p:ext>
     <p:ext uri="http://customooxmlschemas.google.com/">
-      <go:slidesCustomData xmlns:go="http://customooxmlschemas.google.com/" roundtripDataSignature="AMtx7miZKwWUxkAaWF5r4Rzu1Etcp9mvfw==" r:id="rId19"/>
+      <go:slidesCustomData xmlns:go="http://customooxmlschemas.google.com/" xmlns:p15="http://schemas.microsoft.com/office/powerpoint/2012/main" xmlns="" roundtripDataSignature="AMtx7miZKwWUxkAaWF5r4Rzu1Etcp9mvfw==" r:id="rId19"/>
     </p:ext>
   </p:extLst>
 </p:presentation>
@@ -130,108 +131,8 @@
 
 <file path=ppt/commentAuthors.xml><?xml version="1.0" encoding="utf-8"?>
 <p:cmAuthorLst xmlns:a="http://schemas.openxmlformats.org/drawingml/2006/main" xmlns:r="http://schemas.openxmlformats.org/officeDocument/2006/relationships" xmlns:p="http://schemas.openxmlformats.org/presentationml/2006/main">
-  <p:cmAuthor clrIdx="0" initials="" lastIdx="7" name="Anonymous" id="0"/>
+  <p:cmAuthor id="0" name="Anonymous" initials="" lastIdx="7" clrIdx="0"/>
 </p:cmAuthorLst>
-</file>
-
-<file path=ppt/comments/comment1.xml><?xml version="1.0" encoding="utf-8"?>
-<p:cmLst xmlns:a="http://schemas.openxmlformats.org/drawingml/2006/main" xmlns:r="http://schemas.openxmlformats.org/officeDocument/2006/relationships" xmlns:p="http://schemas.openxmlformats.org/presentationml/2006/main" xmlns:p15="http://schemas.microsoft.com/office/powerpoint/2012/main">
-  <p:cm dt="2020-07-08T16:31:18.439" authorId="0" idx="1">
-    <p:pos x="1747" y="3398"/>
-    <p:text>And this.</p:text>
-    <p:extLst>
-      <p:ext uri="{C676402C-5697-4E1C-873F-D02D1690AC5C}">
-        <p15:threadingInfo timeZoneBias="0"/>
-      </p:ext>
-      <p:ext uri="http://customooxmlschemas.google.com/">
-        <go:slidesCustomData xmlns:go="http://customooxmlschemas.google.com/" commentPostId="AAAAJufvoz4"/>
-      </p:ext>
-    </p:extLst>
-  </p:cm>
-  <p:cm dt="2020-06-28T17:08:52.037" authorId="0" idx="2">
-    <p:pos x="1747" y="3398"/>
-    <p:text>It looks like it is this way on several of the next slides too.</p:text>
-    <p:extLst>
-      <p:ext uri="{C676402C-5697-4E1C-873F-D02D1690AC5C}">
-        <p15:threadingInfo timeZoneBias="0">
-          <p15:parentCm authorId="0" idx="1"/>
-        </p15:threadingInfo>
-      </p:ext>
-      <p:ext uri="http://customooxmlschemas.google.com/">
-        <go:slidesCustomData xmlns:go="http://customooxmlschemas.google.com/" commentPostId="AAAAJufvo0U"/>
-      </p:ext>
-    </p:extLst>
-  </p:cm>
-  <p:cm dt="2020-07-08T16:31:18.439" authorId="0" idx="3">
-    <p:pos x="1747" y="3398"/>
-    <p:text>This is a right pointing arrow and shows fine in the PowerPoint version of the slides.  This must be a problem with Google docs - I have seen this with other Google docs versions of PowerPoint slides.  I suggest using the PowerPoint slide format.</p:text>
-    <p:extLst>
-      <p:ext uri="{C676402C-5697-4E1C-873F-D02D1690AC5C}">
-        <p15:threadingInfo timeZoneBias="0">
-          <p15:parentCm authorId="0" idx="1"/>
-        </p15:threadingInfo>
-      </p:ext>
-      <p:ext uri="http://customooxmlschemas.google.com/">
-        <go:slidesCustomData xmlns:go="http://customooxmlschemas.google.com/" commentPostId="AAAAJ9eTQCQ"/>
-      </p:ext>
-    </p:extLst>
-  </p:cm>
-  <p:cm dt="2020-06-28T17:04:16.203" authorId="0" idx="4">
-    <p:pos x="2573" y="2746"/>
-    <p:text>So is this.</p:text>
-    <p:extLst>
-      <p:ext uri="{C676402C-5697-4E1C-873F-D02D1690AC5C}">
-        <p15:threadingInfo timeZoneBias="0"/>
-      </p:ext>
-      <p:ext uri="http://customooxmlschemas.google.com/">
-        <go:slidesCustomData xmlns:go="http://customooxmlschemas.google.com/" commentPostId="AAAAJufvoz0"/>
-      </p:ext>
-    </p:extLst>
-  </p:cm>
-  <p:cm dt="2020-06-28T17:04:07.522" authorId="0" idx="5">
-    <p:pos x="643" y="1421"/>
-    <p:text>This is showing up as a question mark for me. I'm not sure what it is supposed to be...?</p:text>
-    <p:extLst>
-      <p:ext uri="{C676402C-5697-4E1C-873F-D02D1690AC5C}">
-        <p15:threadingInfo timeZoneBias="0"/>
-      </p:ext>
-      <p:ext uri="http://customooxmlschemas.google.com/">
-        <go:slidesCustomData xmlns:go="http://customooxmlschemas.google.com/" commentPostId="AAAAJufvozw"/>
-      </p:ext>
-    </p:extLst>
-  </p:cm>
-</p:cmLst>
-</file>
-
-<file path=ppt/comments/comment2.xml><?xml version="1.0" encoding="utf-8"?>
-<p:cmLst xmlns:a="http://schemas.openxmlformats.org/drawingml/2006/main" xmlns:r="http://schemas.openxmlformats.org/officeDocument/2006/relationships" xmlns:p="http://schemas.openxmlformats.org/presentationml/2006/main" xmlns:p15="http://schemas.microsoft.com/office/powerpoint/2012/main">
-  <p:cm dt="2020-07-08T16:32:32.208" authorId="0" idx="6">
-    <p:pos x="6653" y="3139"/>
-    <p:text>In general, I think you cover good material in these slides, but there are a few places that might need a bit more clarification (to make the module a bit more self contained), as sometimes I find myself needing to think a bit on what is being shown. If students were trying to follow this on their own, they might struggle a bit. I would just give it all another read through once more, and imagine that you are a student going through this material for the first time.</p:text>
-    <p:extLst>
-      <p:ext uri="{C676402C-5697-4E1C-873F-D02D1690AC5C}">
-        <p15:threadingInfo timeZoneBias="0"/>
-      </p:ext>
-      <p:ext uri="http://customooxmlschemas.google.com/">
-        <go:slidesCustomData xmlns:go="http://customooxmlschemas.google.com/" commentPostId="AAAAJufvo0s"/>
-      </p:ext>
-    </p:extLst>
-  </p:cm>
-  <p:cm dt="2020-07-08T16:32:32.208" authorId="0" idx="7">
-    <p:pos x="6653" y="3139"/>
-    <p:text>'?' marks are left pointing arrows here - again they show fine in the PowerPoint version of the slides.</p:text>
-    <p:extLst>
-      <p:ext uri="{C676402C-5697-4E1C-873F-D02D1690AC5C}">
-        <p15:threadingInfo timeZoneBias="0">
-          <p15:parentCm authorId="0" idx="6"/>
-        </p15:threadingInfo>
-      </p:ext>
-      <p:ext uri="http://customooxmlschemas.google.com/">
-        <go:slidesCustomData xmlns:go="http://customooxmlschemas.google.com/" commentPostId="AAAAJ9eTQCs"/>
-      </p:ext>
-    </p:extLst>
-  </p:cm>
-</p:cmLst>
 </file>
 
 <file path=ppt/notesMasters/notesMaster1.xml><?xml version="1.0" encoding="utf-8"?>
@@ -316,7 +217,7 @@
           <a:p>
             <a:fld id="{9D2233A4-FC15-9C45-9E8A-6539F0301A2B}" type="datetimeFigureOut">
               <a:rPr lang="en-US" smtClean="0"/>
-              <a:t>6/18/20</a:t>
+              <a:t>9/12/20</a:t>
             </a:fld>
             <a:endParaRPr lang="en-US"/>
           </a:p>
@@ -651,7 +552,7 @@
           <a:p>
             <a:fld id="{023DEB55-7E3F-D845-B65D-BB712B978BC6}" type="slidenum">
               <a:rPr lang="en-US" smtClean="0"/>
-              <a:t>4</a:t>
+              <a:t>5</a:t>
             </a:fld>
             <a:endParaRPr lang="en-US"/>
           </a:p>
@@ -738,7 +639,7 @@
           <a:p>
             <a:fld id="{023DEB55-7E3F-D845-B65D-BB712B978BC6}" type="slidenum">
               <a:rPr lang="en-US" smtClean="0"/>
-              <a:t>6</a:t>
+              <a:t>7</a:t>
             </a:fld>
             <a:endParaRPr lang="en-US"/>
           </a:p>
@@ -852,7 +753,7 @@
           <a:p>
             <a:fld id="{023DEB55-7E3F-D845-B65D-BB712B978BC6}" type="slidenum">
               <a:rPr lang="en-US" smtClean="0"/>
-              <a:t>7</a:t>
+              <a:t>8</a:t>
             </a:fld>
             <a:endParaRPr lang="en-US"/>
           </a:p>
@@ -981,7 +882,7 @@
           <a:p>
             <a:fld id="{023DEB55-7E3F-D845-B65D-BB712B978BC6}" type="slidenum">
               <a:rPr lang="en-US" smtClean="0"/>
-              <a:t>8</a:t>
+              <a:t>9</a:t>
             </a:fld>
             <a:endParaRPr lang="en-US"/>
           </a:p>
@@ -1077,7 +978,7 @@
           <a:p>
             <a:fld id="{023DEB55-7E3F-D845-B65D-BB712B978BC6}" type="slidenum">
               <a:rPr lang="en-US" smtClean="0"/>
-              <a:t>9</a:t>
+              <a:t>10</a:t>
             </a:fld>
             <a:endParaRPr lang="en-US"/>
           </a:p>
@@ -1219,7 +1120,7 @@
           <a:p>
             <a:fld id="{023DEB55-7E3F-D845-B65D-BB712B978BC6}" type="slidenum">
               <a:rPr lang="en-US" smtClean="0"/>
-              <a:t>10</a:t>
+              <a:t>11</a:t>
             </a:fld>
             <a:endParaRPr lang="en-US"/>
           </a:p>
@@ -1260,7 +1161,7 @@
           <p:cNvPr id="2" name="Title 1">
             <a:extLst>
               <a:ext uri="{FF2B5EF4-FFF2-40B4-BE49-F238E27FC236}">
-                <a16:creationId xmlns:a16="http://schemas.microsoft.com/office/drawing/2014/main" id="{C69F3E30-9DAE-B248-95F2-B196574891A9}"/>
+                <a16:creationId xmlns:a16="http://schemas.microsoft.com/office/drawing/2014/main" xmlns="" id="{C69F3E30-9DAE-B248-95F2-B196574891A9}"/>
               </a:ext>
             </a:extLst>
           </p:cNvPr>
@@ -1297,7 +1198,7 @@
           <p:cNvPr id="3" name="Subtitle 2">
             <a:extLst>
               <a:ext uri="{FF2B5EF4-FFF2-40B4-BE49-F238E27FC236}">
-                <a16:creationId xmlns:a16="http://schemas.microsoft.com/office/drawing/2014/main" id="{666C0E6C-7175-114C-AECB-287536B6694A}"/>
+                <a16:creationId xmlns:a16="http://schemas.microsoft.com/office/drawing/2014/main" xmlns="" id="{666C0E6C-7175-114C-AECB-287536B6694A}"/>
               </a:ext>
             </a:extLst>
           </p:cNvPr>
@@ -1367,7 +1268,7 @@
           <p:cNvPr id="4" name="Date Placeholder 3">
             <a:extLst>
               <a:ext uri="{FF2B5EF4-FFF2-40B4-BE49-F238E27FC236}">
-                <a16:creationId xmlns:a16="http://schemas.microsoft.com/office/drawing/2014/main" id="{A8453C2F-153D-A440-BD44-E4D2C3FA2C5C}"/>
+                <a16:creationId xmlns:a16="http://schemas.microsoft.com/office/drawing/2014/main" xmlns="" id="{A8453C2F-153D-A440-BD44-E4D2C3FA2C5C}"/>
               </a:ext>
             </a:extLst>
           </p:cNvPr>
@@ -1385,7 +1286,7 @@
           <a:p>
             <a:fld id="{0B94BCDE-ACBC-3C45-AF5C-8C9E935CDCC4}" type="datetimeFigureOut">
               <a:rPr lang="en-US" smtClean="0"/>
-              <a:t>6/18/20</a:t>
+              <a:t>9/12/20</a:t>
             </a:fld>
             <a:endParaRPr lang="en-US"/>
           </a:p>
@@ -1396,7 +1297,7 @@
           <p:cNvPr id="5" name="Footer Placeholder 4">
             <a:extLst>
               <a:ext uri="{FF2B5EF4-FFF2-40B4-BE49-F238E27FC236}">
-                <a16:creationId xmlns:a16="http://schemas.microsoft.com/office/drawing/2014/main" id="{0F4092F2-02D0-6B49-8A9C-94FAA50B2B43}"/>
+                <a16:creationId xmlns:a16="http://schemas.microsoft.com/office/drawing/2014/main" xmlns="" id="{0F4092F2-02D0-6B49-8A9C-94FAA50B2B43}"/>
               </a:ext>
             </a:extLst>
           </p:cNvPr>
@@ -1421,7 +1322,7 @@
           <p:cNvPr id="6" name="Slide Number Placeholder 5">
             <a:extLst>
               <a:ext uri="{FF2B5EF4-FFF2-40B4-BE49-F238E27FC236}">
-                <a16:creationId xmlns:a16="http://schemas.microsoft.com/office/drawing/2014/main" id="{F06E43E8-FC42-0A43-BEE8-39481ED868DB}"/>
+                <a16:creationId xmlns:a16="http://schemas.microsoft.com/office/drawing/2014/main" xmlns="" id="{F06E43E8-FC42-0A43-BEE8-39481ED868DB}"/>
               </a:ext>
             </a:extLst>
           </p:cNvPr>
@@ -1480,7 +1381,7 @@
           <p:cNvPr id="2" name="Title 1">
             <a:extLst>
               <a:ext uri="{FF2B5EF4-FFF2-40B4-BE49-F238E27FC236}">
-                <a16:creationId xmlns:a16="http://schemas.microsoft.com/office/drawing/2014/main" id="{772A89F6-AC93-F541-A552-578CE08352FC}"/>
+                <a16:creationId xmlns:a16="http://schemas.microsoft.com/office/drawing/2014/main" xmlns="" id="{772A89F6-AC93-F541-A552-578CE08352FC}"/>
               </a:ext>
             </a:extLst>
           </p:cNvPr>
@@ -1508,7 +1409,7 @@
           <p:cNvPr id="3" name="Vertical Text Placeholder 2">
             <a:extLst>
               <a:ext uri="{FF2B5EF4-FFF2-40B4-BE49-F238E27FC236}">
-                <a16:creationId xmlns:a16="http://schemas.microsoft.com/office/drawing/2014/main" id="{88F9A04B-37BB-FF47-8F71-051BDEB6392A}"/>
+                <a16:creationId xmlns:a16="http://schemas.microsoft.com/office/drawing/2014/main" xmlns="" id="{88F9A04B-37BB-FF47-8F71-051BDEB6392A}"/>
               </a:ext>
             </a:extLst>
           </p:cNvPr>
@@ -1565,7 +1466,7 @@
           <p:cNvPr id="4" name="Date Placeholder 3">
             <a:extLst>
               <a:ext uri="{FF2B5EF4-FFF2-40B4-BE49-F238E27FC236}">
-                <a16:creationId xmlns:a16="http://schemas.microsoft.com/office/drawing/2014/main" id="{3B4BE75C-32A5-3A49-B749-F4CF2DE82B55}"/>
+                <a16:creationId xmlns:a16="http://schemas.microsoft.com/office/drawing/2014/main" xmlns="" id="{3B4BE75C-32A5-3A49-B749-F4CF2DE82B55}"/>
               </a:ext>
             </a:extLst>
           </p:cNvPr>
@@ -1583,7 +1484,7 @@
           <a:p>
             <a:fld id="{0B94BCDE-ACBC-3C45-AF5C-8C9E935CDCC4}" type="datetimeFigureOut">
               <a:rPr lang="en-US" smtClean="0"/>
-              <a:t>6/18/20</a:t>
+              <a:t>9/12/20</a:t>
             </a:fld>
             <a:endParaRPr lang="en-US"/>
           </a:p>
@@ -1594,7 +1495,7 @@
           <p:cNvPr id="5" name="Footer Placeholder 4">
             <a:extLst>
               <a:ext uri="{FF2B5EF4-FFF2-40B4-BE49-F238E27FC236}">
-                <a16:creationId xmlns:a16="http://schemas.microsoft.com/office/drawing/2014/main" id="{3F6E90D6-D486-5F40-89AC-61CCC778E3A4}"/>
+                <a16:creationId xmlns:a16="http://schemas.microsoft.com/office/drawing/2014/main" xmlns="" id="{3F6E90D6-D486-5F40-89AC-61CCC778E3A4}"/>
               </a:ext>
             </a:extLst>
           </p:cNvPr>
@@ -1619,7 +1520,7 @@
           <p:cNvPr id="6" name="Slide Number Placeholder 5">
             <a:extLst>
               <a:ext uri="{FF2B5EF4-FFF2-40B4-BE49-F238E27FC236}">
-                <a16:creationId xmlns:a16="http://schemas.microsoft.com/office/drawing/2014/main" id="{7D7DFAF8-1581-8040-A4D8-0193C82806BA}"/>
+                <a16:creationId xmlns:a16="http://schemas.microsoft.com/office/drawing/2014/main" xmlns="" id="{7D7DFAF8-1581-8040-A4D8-0193C82806BA}"/>
               </a:ext>
             </a:extLst>
           </p:cNvPr>
@@ -1678,7 +1579,7 @@
           <p:cNvPr id="2" name="Vertical Title 1">
             <a:extLst>
               <a:ext uri="{FF2B5EF4-FFF2-40B4-BE49-F238E27FC236}">
-                <a16:creationId xmlns:a16="http://schemas.microsoft.com/office/drawing/2014/main" id="{4DD0EFAC-4BA5-5043-A2D3-BAB4A6CEF2AC}"/>
+                <a16:creationId xmlns:a16="http://schemas.microsoft.com/office/drawing/2014/main" xmlns="" id="{4DD0EFAC-4BA5-5043-A2D3-BAB4A6CEF2AC}"/>
               </a:ext>
             </a:extLst>
           </p:cNvPr>
@@ -1711,7 +1612,7 @@
           <p:cNvPr id="3" name="Vertical Text Placeholder 2">
             <a:extLst>
               <a:ext uri="{FF2B5EF4-FFF2-40B4-BE49-F238E27FC236}">
-                <a16:creationId xmlns:a16="http://schemas.microsoft.com/office/drawing/2014/main" id="{3F063606-9FE0-D045-9413-8F792936EEF6}"/>
+                <a16:creationId xmlns:a16="http://schemas.microsoft.com/office/drawing/2014/main" xmlns="" id="{3F063606-9FE0-D045-9413-8F792936EEF6}"/>
               </a:ext>
             </a:extLst>
           </p:cNvPr>
@@ -1773,7 +1674,7 @@
           <p:cNvPr id="4" name="Date Placeholder 3">
             <a:extLst>
               <a:ext uri="{FF2B5EF4-FFF2-40B4-BE49-F238E27FC236}">
-                <a16:creationId xmlns:a16="http://schemas.microsoft.com/office/drawing/2014/main" id="{D8A2859F-FD0C-2845-9ABD-2AC4CD7F6749}"/>
+                <a16:creationId xmlns:a16="http://schemas.microsoft.com/office/drawing/2014/main" xmlns="" id="{D8A2859F-FD0C-2845-9ABD-2AC4CD7F6749}"/>
               </a:ext>
             </a:extLst>
           </p:cNvPr>
@@ -1791,7 +1692,7 @@
           <a:p>
             <a:fld id="{0B94BCDE-ACBC-3C45-AF5C-8C9E935CDCC4}" type="datetimeFigureOut">
               <a:rPr lang="en-US" smtClean="0"/>
-              <a:t>6/18/20</a:t>
+              <a:t>9/12/20</a:t>
             </a:fld>
             <a:endParaRPr lang="en-US"/>
           </a:p>
@@ -1802,7 +1703,7 @@
           <p:cNvPr id="5" name="Footer Placeholder 4">
             <a:extLst>
               <a:ext uri="{FF2B5EF4-FFF2-40B4-BE49-F238E27FC236}">
-                <a16:creationId xmlns:a16="http://schemas.microsoft.com/office/drawing/2014/main" id="{B04C8104-4704-F546-A24E-A6034CC6C634}"/>
+                <a16:creationId xmlns:a16="http://schemas.microsoft.com/office/drawing/2014/main" xmlns="" id="{B04C8104-4704-F546-A24E-A6034CC6C634}"/>
               </a:ext>
             </a:extLst>
           </p:cNvPr>
@@ -1827,7 +1728,7 @@
           <p:cNvPr id="6" name="Slide Number Placeholder 5">
             <a:extLst>
               <a:ext uri="{FF2B5EF4-FFF2-40B4-BE49-F238E27FC236}">
-                <a16:creationId xmlns:a16="http://schemas.microsoft.com/office/drawing/2014/main" id="{B8B6131A-A591-734A-B566-F4793079EB9F}"/>
+                <a16:creationId xmlns:a16="http://schemas.microsoft.com/office/drawing/2014/main" xmlns="" id="{B8B6131A-A591-734A-B566-F4793079EB9F}"/>
               </a:ext>
             </a:extLst>
           </p:cNvPr>
@@ -1886,7 +1787,7 @@
           <p:cNvPr id="2" name="Title 1">
             <a:extLst>
               <a:ext uri="{FF2B5EF4-FFF2-40B4-BE49-F238E27FC236}">
-                <a16:creationId xmlns:a16="http://schemas.microsoft.com/office/drawing/2014/main" id="{DBCAA18C-653D-D04B-BF33-B637E88F80A7}"/>
+                <a16:creationId xmlns:a16="http://schemas.microsoft.com/office/drawing/2014/main" xmlns="" id="{DBCAA18C-653D-D04B-BF33-B637E88F80A7}"/>
               </a:ext>
             </a:extLst>
           </p:cNvPr>
@@ -1914,7 +1815,7 @@
           <p:cNvPr id="3" name="Content Placeholder 2">
             <a:extLst>
               <a:ext uri="{FF2B5EF4-FFF2-40B4-BE49-F238E27FC236}">
-                <a16:creationId xmlns:a16="http://schemas.microsoft.com/office/drawing/2014/main" id="{D3AAEBB2-354C-E34A-B4BC-EF343342A3D2}"/>
+                <a16:creationId xmlns:a16="http://schemas.microsoft.com/office/drawing/2014/main" xmlns="" id="{D3AAEBB2-354C-E34A-B4BC-EF343342A3D2}"/>
               </a:ext>
             </a:extLst>
           </p:cNvPr>
@@ -1971,7 +1872,7 @@
           <p:cNvPr id="4" name="Date Placeholder 3">
             <a:extLst>
               <a:ext uri="{FF2B5EF4-FFF2-40B4-BE49-F238E27FC236}">
-                <a16:creationId xmlns:a16="http://schemas.microsoft.com/office/drawing/2014/main" id="{7F680E58-6F3D-9E41-B6BE-815CD30C2E10}"/>
+                <a16:creationId xmlns:a16="http://schemas.microsoft.com/office/drawing/2014/main" xmlns="" id="{7F680E58-6F3D-9E41-B6BE-815CD30C2E10}"/>
               </a:ext>
             </a:extLst>
           </p:cNvPr>
@@ -1989,7 +1890,7 @@
           <a:p>
             <a:fld id="{0B94BCDE-ACBC-3C45-AF5C-8C9E935CDCC4}" type="datetimeFigureOut">
               <a:rPr lang="en-US" smtClean="0"/>
-              <a:t>6/18/20</a:t>
+              <a:t>9/12/20</a:t>
             </a:fld>
             <a:endParaRPr lang="en-US"/>
           </a:p>
@@ -2000,7 +1901,7 @@
           <p:cNvPr id="5" name="Footer Placeholder 4">
             <a:extLst>
               <a:ext uri="{FF2B5EF4-FFF2-40B4-BE49-F238E27FC236}">
-                <a16:creationId xmlns:a16="http://schemas.microsoft.com/office/drawing/2014/main" id="{0F8A6F5E-02A8-E940-AA98-96688A1B51F0}"/>
+                <a16:creationId xmlns:a16="http://schemas.microsoft.com/office/drawing/2014/main" xmlns="" id="{0F8A6F5E-02A8-E940-AA98-96688A1B51F0}"/>
               </a:ext>
             </a:extLst>
           </p:cNvPr>
@@ -2025,7 +1926,7 @@
           <p:cNvPr id="6" name="Slide Number Placeholder 5">
             <a:extLst>
               <a:ext uri="{FF2B5EF4-FFF2-40B4-BE49-F238E27FC236}">
-                <a16:creationId xmlns:a16="http://schemas.microsoft.com/office/drawing/2014/main" id="{6FDCA225-0F22-3141-B6C8-2A19482C535E}"/>
+                <a16:creationId xmlns:a16="http://schemas.microsoft.com/office/drawing/2014/main" xmlns="" id="{6FDCA225-0F22-3141-B6C8-2A19482C535E}"/>
               </a:ext>
             </a:extLst>
           </p:cNvPr>
@@ -2084,7 +1985,7 @@
           <p:cNvPr id="2" name="Title 1">
             <a:extLst>
               <a:ext uri="{FF2B5EF4-FFF2-40B4-BE49-F238E27FC236}">
-                <a16:creationId xmlns:a16="http://schemas.microsoft.com/office/drawing/2014/main" id="{731EE324-D3FF-3D48-9782-7019285704A8}"/>
+                <a16:creationId xmlns:a16="http://schemas.microsoft.com/office/drawing/2014/main" xmlns="" id="{731EE324-D3FF-3D48-9782-7019285704A8}"/>
               </a:ext>
             </a:extLst>
           </p:cNvPr>
@@ -2121,7 +2022,7 @@
           <p:cNvPr id="3" name="Text Placeholder 2">
             <a:extLst>
               <a:ext uri="{FF2B5EF4-FFF2-40B4-BE49-F238E27FC236}">
-                <a16:creationId xmlns:a16="http://schemas.microsoft.com/office/drawing/2014/main" id="{C872197E-3A32-F644-BEFA-1D95B3350BC2}"/>
+                <a16:creationId xmlns:a16="http://schemas.microsoft.com/office/drawing/2014/main" xmlns="" id="{C872197E-3A32-F644-BEFA-1D95B3350BC2}"/>
               </a:ext>
             </a:extLst>
           </p:cNvPr>
@@ -2246,7 +2147,7 @@
           <p:cNvPr id="4" name="Date Placeholder 3">
             <a:extLst>
               <a:ext uri="{FF2B5EF4-FFF2-40B4-BE49-F238E27FC236}">
-                <a16:creationId xmlns:a16="http://schemas.microsoft.com/office/drawing/2014/main" id="{FA343402-A529-5A4F-A850-BE61736CC5D5}"/>
+                <a16:creationId xmlns:a16="http://schemas.microsoft.com/office/drawing/2014/main" xmlns="" id="{FA343402-A529-5A4F-A850-BE61736CC5D5}"/>
               </a:ext>
             </a:extLst>
           </p:cNvPr>
@@ -2264,7 +2165,7 @@
           <a:p>
             <a:fld id="{0B94BCDE-ACBC-3C45-AF5C-8C9E935CDCC4}" type="datetimeFigureOut">
               <a:rPr lang="en-US" smtClean="0"/>
-              <a:t>6/18/20</a:t>
+              <a:t>9/12/20</a:t>
             </a:fld>
             <a:endParaRPr lang="en-US"/>
           </a:p>
@@ -2275,7 +2176,7 @@
           <p:cNvPr id="5" name="Footer Placeholder 4">
             <a:extLst>
               <a:ext uri="{FF2B5EF4-FFF2-40B4-BE49-F238E27FC236}">
-                <a16:creationId xmlns:a16="http://schemas.microsoft.com/office/drawing/2014/main" id="{12BFB7FA-C6DC-4446-B18D-5EEA179D2F2C}"/>
+                <a16:creationId xmlns:a16="http://schemas.microsoft.com/office/drawing/2014/main" xmlns="" id="{12BFB7FA-C6DC-4446-B18D-5EEA179D2F2C}"/>
               </a:ext>
             </a:extLst>
           </p:cNvPr>
@@ -2300,7 +2201,7 @@
           <p:cNvPr id="6" name="Slide Number Placeholder 5">
             <a:extLst>
               <a:ext uri="{FF2B5EF4-FFF2-40B4-BE49-F238E27FC236}">
-                <a16:creationId xmlns:a16="http://schemas.microsoft.com/office/drawing/2014/main" id="{34D38B42-9CF9-D943-9F06-600608872F03}"/>
+                <a16:creationId xmlns:a16="http://schemas.microsoft.com/office/drawing/2014/main" xmlns="" id="{34D38B42-9CF9-D943-9F06-600608872F03}"/>
               </a:ext>
             </a:extLst>
           </p:cNvPr>
@@ -2359,7 +2260,7 @@
           <p:cNvPr id="2" name="Title 1">
             <a:extLst>
               <a:ext uri="{FF2B5EF4-FFF2-40B4-BE49-F238E27FC236}">
-                <a16:creationId xmlns:a16="http://schemas.microsoft.com/office/drawing/2014/main" id="{9B8882A3-1350-504D-BAA4-0DAEA181E412}"/>
+                <a16:creationId xmlns:a16="http://schemas.microsoft.com/office/drawing/2014/main" xmlns="" id="{9B8882A3-1350-504D-BAA4-0DAEA181E412}"/>
               </a:ext>
             </a:extLst>
           </p:cNvPr>
@@ -2387,7 +2288,7 @@
           <p:cNvPr id="3" name="Content Placeholder 2">
             <a:extLst>
               <a:ext uri="{FF2B5EF4-FFF2-40B4-BE49-F238E27FC236}">
-                <a16:creationId xmlns:a16="http://schemas.microsoft.com/office/drawing/2014/main" id="{DDDD6B41-5D7A-FF46-A5E9-95F9738755C3}"/>
+                <a16:creationId xmlns:a16="http://schemas.microsoft.com/office/drawing/2014/main" xmlns="" id="{DDDD6B41-5D7A-FF46-A5E9-95F9738755C3}"/>
               </a:ext>
             </a:extLst>
           </p:cNvPr>
@@ -2449,7 +2350,7 @@
           <p:cNvPr id="4" name="Content Placeholder 3">
             <a:extLst>
               <a:ext uri="{FF2B5EF4-FFF2-40B4-BE49-F238E27FC236}">
-                <a16:creationId xmlns:a16="http://schemas.microsoft.com/office/drawing/2014/main" id="{54A99F4A-5C14-7444-A31B-F26609CFE39A}"/>
+                <a16:creationId xmlns:a16="http://schemas.microsoft.com/office/drawing/2014/main" xmlns="" id="{54A99F4A-5C14-7444-A31B-F26609CFE39A}"/>
               </a:ext>
             </a:extLst>
           </p:cNvPr>
@@ -2511,7 +2412,7 @@
           <p:cNvPr id="5" name="Date Placeholder 4">
             <a:extLst>
               <a:ext uri="{FF2B5EF4-FFF2-40B4-BE49-F238E27FC236}">
-                <a16:creationId xmlns:a16="http://schemas.microsoft.com/office/drawing/2014/main" id="{7139EE82-23A6-FD48-887B-373159615829}"/>
+                <a16:creationId xmlns:a16="http://schemas.microsoft.com/office/drawing/2014/main" xmlns="" id="{7139EE82-23A6-FD48-887B-373159615829}"/>
               </a:ext>
             </a:extLst>
           </p:cNvPr>
@@ -2529,7 +2430,7 @@
           <a:p>
             <a:fld id="{0B94BCDE-ACBC-3C45-AF5C-8C9E935CDCC4}" type="datetimeFigureOut">
               <a:rPr lang="en-US" smtClean="0"/>
-              <a:t>6/18/20</a:t>
+              <a:t>9/12/20</a:t>
             </a:fld>
             <a:endParaRPr lang="en-US"/>
           </a:p>
@@ -2540,7 +2441,7 @@
           <p:cNvPr id="6" name="Footer Placeholder 5">
             <a:extLst>
               <a:ext uri="{FF2B5EF4-FFF2-40B4-BE49-F238E27FC236}">
-                <a16:creationId xmlns:a16="http://schemas.microsoft.com/office/drawing/2014/main" id="{2D99A449-2547-E94E-B171-1FEC205AEB2D}"/>
+                <a16:creationId xmlns:a16="http://schemas.microsoft.com/office/drawing/2014/main" xmlns="" id="{2D99A449-2547-E94E-B171-1FEC205AEB2D}"/>
               </a:ext>
             </a:extLst>
           </p:cNvPr>
@@ -2565,7 +2466,7 @@
           <p:cNvPr id="7" name="Slide Number Placeholder 6">
             <a:extLst>
               <a:ext uri="{FF2B5EF4-FFF2-40B4-BE49-F238E27FC236}">
-                <a16:creationId xmlns:a16="http://schemas.microsoft.com/office/drawing/2014/main" id="{1D23DBD8-2E60-3147-BA9F-B8B307E8A834}"/>
+                <a16:creationId xmlns:a16="http://schemas.microsoft.com/office/drawing/2014/main" xmlns="" id="{1D23DBD8-2E60-3147-BA9F-B8B307E8A834}"/>
               </a:ext>
             </a:extLst>
           </p:cNvPr>
@@ -2624,7 +2525,7 @@
           <p:cNvPr id="2" name="Title 1">
             <a:extLst>
               <a:ext uri="{FF2B5EF4-FFF2-40B4-BE49-F238E27FC236}">
-                <a16:creationId xmlns:a16="http://schemas.microsoft.com/office/drawing/2014/main" id="{4BC46261-F9DD-A445-84FA-9C6236A52B2F}"/>
+                <a16:creationId xmlns:a16="http://schemas.microsoft.com/office/drawing/2014/main" xmlns="" id="{4BC46261-F9DD-A445-84FA-9C6236A52B2F}"/>
               </a:ext>
             </a:extLst>
           </p:cNvPr>
@@ -2657,7 +2558,7 @@
           <p:cNvPr id="3" name="Text Placeholder 2">
             <a:extLst>
               <a:ext uri="{FF2B5EF4-FFF2-40B4-BE49-F238E27FC236}">
-                <a16:creationId xmlns:a16="http://schemas.microsoft.com/office/drawing/2014/main" id="{FFD22343-72F8-2F46-B15D-6C7A697A9C02}"/>
+                <a16:creationId xmlns:a16="http://schemas.microsoft.com/office/drawing/2014/main" xmlns="" id="{FFD22343-72F8-2F46-B15D-6C7A697A9C02}"/>
               </a:ext>
             </a:extLst>
           </p:cNvPr>
@@ -2728,7 +2629,7 @@
           <p:cNvPr id="4" name="Content Placeholder 3">
             <a:extLst>
               <a:ext uri="{FF2B5EF4-FFF2-40B4-BE49-F238E27FC236}">
-                <a16:creationId xmlns:a16="http://schemas.microsoft.com/office/drawing/2014/main" id="{D397970D-8FFA-2B45-9626-56C2CF04CD6E}"/>
+                <a16:creationId xmlns:a16="http://schemas.microsoft.com/office/drawing/2014/main" xmlns="" id="{D397970D-8FFA-2B45-9626-56C2CF04CD6E}"/>
               </a:ext>
             </a:extLst>
           </p:cNvPr>
@@ -2790,7 +2691,7 @@
           <p:cNvPr id="5" name="Text Placeholder 4">
             <a:extLst>
               <a:ext uri="{FF2B5EF4-FFF2-40B4-BE49-F238E27FC236}">
-                <a16:creationId xmlns:a16="http://schemas.microsoft.com/office/drawing/2014/main" id="{36919E53-EC83-574A-A5BA-0DA193164D34}"/>
+                <a16:creationId xmlns:a16="http://schemas.microsoft.com/office/drawing/2014/main" xmlns="" id="{36919E53-EC83-574A-A5BA-0DA193164D34}"/>
               </a:ext>
             </a:extLst>
           </p:cNvPr>
@@ -2861,7 +2762,7 @@
           <p:cNvPr id="6" name="Content Placeholder 5">
             <a:extLst>
               <a:ext uri="{FF2B5EF4-FFF2-40B4-BE49-F238E27FC236}">
-                <a16:creationId xmlns:a16="http://schemas.microsoft.com/office/drawing/2014/main" id="{7BD84AA6-9D7E-4E4E-B2AE-DA6ED316264A}"/>
+                <a16:creationId xmlns:a16="http://schemas.microsoft.com/office/drawing/2014/main" xmlns="" id="{7BD84AA6-9D7E-4E4E-B2AE-DA6ED316264A}"/>
               </a:ext>
             </a:extLst>
           </p:cNvPr>
@@ -2923,7 +2824,7 @@
           <p:cNvPr id="7" name="Date Placeholder 6">
             <a:extLst>
               <a:ext uri="{FF2B5EF4-FFF2-40B4-BE49-F238E27FC236}">
-                <a16:creationId xmlns:a16="http://schemas.microsoft.com/office/drawing/2014/main" id="{22A7FB8C-B98B-D845-A363-FFE5F2DB9D68}"/>
+                <a16:creationId xmlns:a16="http://schemas.microsoft.com/office/drawing/2014/main" xmlns="" id="{22A7FB8C-B98B-D845-A363-FFE5F2DB9D68}"/>
               </a:ext>
             </a:extLst>
           </p:cNvPr>
@@ -2941,7 +2842,7 @@
           <a:p>
             <a:fld id="{0B94BCDE-ACBC-3C45-AF5C-8C9E935CDCC4}" type="datetimeFigureOut">
               <a:rPr lang="en-US" smtClean="0"/>
-              <a:t>6/18/20</a:t>
+              <a:t>9/12/20</a:t>
             </a:fld>
             <a:endParaRPr lang="en-US"/>
           </a:p>
@@ -2952,7 +2853,7 @@
           <p:cNvPr id="8" name="Footer Placeholder 7">
             <a:extLst>
               <a:ext uri="{FF2B5EF4-FFF2-40B4-BE49-F238E27FC236}">
-                <a16:creationId xmlns:a16="http://schemas.microsoft.com/office/drawing/2014/main" id="{6EA89B0A-260E-7D46-A7CB-621766105091}"/>
+                <a16:creationId xmlns:a16="http://schemas.microsoft.com/office/drawing/2014/main" xmlns="" id="{6EA89B0A-260E-7D46-A7CB-621766105091}"/>
               </a:ext>
             </a:extLst>
           </p:cNvPr>
@@ -2977,7 +2878,7 @@
           <p:cNvPr id="9" name="Slide Number Placeholder 8">
             <a:extLst>
               <a:ext uri="{FF2B5EF4-FFF2-40B4-BE49-F238E27FC236}">
-                <a16:creationId xmlns:a16="http://schemas.microsoft.com/office/drawing/2014/main" id="{E6EA5FBD-FD7C-3A48-AE57-F02883D35F1C}"/>
+                <a16:creationId xmlns:a16="http://schemas.microsoft.com/office/drawing/2014/main" xmlns="" id="{E6EA5FBD-FD7C-3A48-AE57-F02883D35F1C}"/>
               </a:ext>
             </a:extLst>
           </p:cNvPr>
@@ -3036,7 +2937,7 @@
           <p:cNvPr id="2" name="Title 1">
             <a:extLst>
               <a:ext uri="{FF2B5EF4-FFF2-40B4-BE49-F238E27FC236}">
-                <a16:creationId xmlns:a16="http://schemas.microsoft.com/office/drawing/2014/main" id="{0EE978E4-169D-324A-8596-379C3B745ED7}"/>
+                <a16:creationId xmlns:a16="http://schemas.microsoft.com/office/drawing/2014/main" xmlns="" id="{0EE978E4-169D-324A-8596-379C3B745ED7}"/>
               </a:ext>
             </a:extLst>
           </p:cNvPr>
@@ -3064,7 +2965,7 @@
           <p:cNvPr id="3" name="Date Placeholder 2">
             <a:extLst>
               <a:ext uri="{FF2B5EF4-FFF2-40B4-BE49-F238E27FC236}">
-                <a16:creationId xmlns:a16="http://schemas.microsoft.com/office/drawing/2014/main" id="{92668C29-E870-AA45-98F6-1748EC20A64E}"/>
+                <a16:creationId xmlns:a16="http://schemas.microsoft.com/office/drawing/2014/main" xmlns="" id="{92668C29-E870-AA45-98F6-1748EC20A64E}"/>
               </a:ext>
             </a:extLst>
           </p:cNvPr>
@@ -3082,7 +2983,7 @@
           <a:p>
             <a:fld id="{0B94BCDE-ACBC-3C45-AF5C-8C9E935CDCC4}" type="datetimeFigureOut">
               <a:rPr lang="en-US" smtClean="0"/>
-              <a:t>6/18/20</a:t>
+              <a:t>9/12/20</a:t>
             </a:fld>
             <a:endParaRPr lang="en-US"/>
           </a:p>
@@ -3093,7 +2994,7 @@
           <p:cNvPr id="4" name="Footer Placeholder 3">
             <a:extLst>
               <a:ext uri="{FF2B5EF4-FFF2-40B4-BE49-F238E27FC236}">
-                <a16:creationId xmlns:a16="http://schemas.microsoft.com/office/drawing/2014/main" id="{41150397-8E83-DA40-962B-4AA223EA4940}"/>
+                <a16:creationId xmlns:a16="http://schemas.microsoft.com/office/drawing/2014/main" xmlns="" id="{41150397-8E83-DA40-962B-4AA223EA4940}"/>
               </a:ext>
             </a:extLst>
           </p:cNvPr>
@@ -3118,7 +3019,7 @@
           <p:cNvPr id="5" name="Slide Number Placeholder 4">
             <a:extLst>
               <a:ext uri="{FF2B5EF4-FFF2-40B4-BE49-F238E27FC236}">
-                <a16:creationId xmlns:a16="http://schemas.microsoft.com/office/drawing/2014/main" id="{2C582006-3834-8B45-BC6F-C0F87162B0C1}"/>
+                <a16:creationId xmlns:a16="http://schemas.microsoft.com/office/drawing/2014/main" xmlns="" id="{2C582006-3834-8B45-BC6F-C0F87162B0C1}"/>
               </a:ext>
             </a:extLst>
           </p:cNvPr>
@@ -3177,7 +3078,7 @@
           <p:cNvPr id="2" name="Date Placeholder 1">
             <a:extLst>
               <a:ext uri="{FF2B5EF4-FFF2-40B4-BE49-F238E27FC236}">
-                <a16:creationId xmlns:a16="http://schemas.microsoft.com/office/drawing/2014/main" id="{3A05D788-0F32-3C49-8583-6037E0349232}"/>
+                <a16:creationId xmlns:a16="http://schemas.microsoft.com/office/drawing/2014/main" xmlns="" id="{3A05D788-0F32-3C49-8583-6037E0349232}"/>
               </a:ext>
             </a:extLst>
           </p:cNvPr>
@@ -3195,7 +3096,7 @@
           <a:p>
             <a:fld id="{0B94BCDE-ACBC-3C45-AF5C-8C9E935CDCC4}" type="datetimeFigureOut">
               <a:rPr lang="en-US" smtClean="0"/>
-              <a:t>6/18/20</a:t>
+              <a:t>9/12/20</a:t>
             </a:fld>
             <a:endParaRPr lang="en-US"/>
           </a:p>
@@ -3206,7 +3107,7 @@
           <p:cNvPr id="3" name="Footer Placeholder 2">
             <a:extLst>
               <a:ext uri="{FF2B5EF4-FFF2-40B4-BE49-F238E27FC236}">
-                <a16:creationId xmlns:a16="http://schemas.microsoft.com/office/drawing/2014/main" id="{F960BB45-33C4-364C-BC00-DDBD8C9E961C}"/>
+                <a16:creationId xmlns:a16="http://schemas.microsoft.com/office/drawing/2014/main" xmlns="" id="{F960BB45-33C4-364C-BC00-DDBD8C9E961C}"/>
               </a:ext>
             </a:extLst>
           </p:cNvPr>
@@ -3231,7 +3132,7 @@
           <p:cNvPr id="4" name="Slide Number Placeholder 3">
             <a:extLst>
               <a:ext uri="{FF2B5EF4-FFF2-40B4-BE49-F238E27FC236}">
-                <a16:creationId xmlns:a16="http://schemas.microsoft.com/office/drawing/2014/main" id="{18FE530D-9D75-3441-8838-741580BD38ED}"/>
+                <a16:creationId xmlns:a16="http://schemas.microsoft.com/office/drawing/2014/main" xmlns="" id="{18FE530D-9D75-3441-8838-741580BD38ED}"/>
               </a:ext>
             </a:extLst>
           </p:cNvPr>
@@ -3290,7 +3191,7 @@
           <p:cNvPr id="2" name="Title 1">
             <a:extLst>
               <a:ext uri="{FF2B5EF4-FFF2-40B4-BE49-F238E27FC236}">
-                <a16:creationId xmlns:a16="http://schemas.microsoft.com/office/drawing/2014/main" id="{7BBCBACF-2B18-7C49-AFD7-CD9F920F4662}"/>
+                <a16:creationId xmlns:a16="http://schemas.microsoft.com/office/drawing/2014/main" xmlns="" id="{7BBCBACF-2B18-7C49-AFD7-CD9F920F4662}"/>
               </a:ext>
             </a:extLst>
           </p:cNvPr>
@@ -3327,7 +3228,7 @@
           <p:cNvPr id="3" name="Content Placeholder 2">
             <a:extLst>
               <a:ext uri="{FF2B5EF4-FFF2-40B4-BE49-F238E27FC236}">
-                <a16:creationId xmlns:a16="http://schemas.microsoft.com/office/drawing/2014/main" id="{6E593B11-415B-BC46-AFDF-31BCBD7F0570}"/>
+                <a16:creationId xmlns:a16="http://schemas.microsoft.com/office/drawing/2014/main" xmlns="" id="{6E593B11-415B-BC46-AFDF-31BCBD7F0570}"/>
               </a:ext>
             </a:extLst>
           </p:cNvPr>
@@ -3417,7 +3318,7 @@
           <p:cNvPr id="4" name="Text Placeholder 3">
             <a:extLst>
               <a:ext uri="{FF2B5EF4-FFF2-40B4-BE49-F238E27FC236}">
-                <a16:creationId xmlns:a16="http://schemas.microsoft.com/office/drawing/2014/main" id="{A3881DFF-C913-3D4B-8DC1-BC800C95D8D7}"/>
+                <a16:creationId xmlns:a16="http://schemas.microsoft.com/office/drawing/2014/main" xmlns="" id="{A3881DFF-C913-3D4B-8DC1-BC800C95D8D7}"/>
               </a:ext>
             </a:extLst>
           </p:cNvPr>
@@ -3488,7 +3389,7 @@
           <p:cNvPr id="5" name="Date Placeholder 4">
             <a:extLst>
               <a:ext uri="{FF2B5EF4-FFF2-40B4-BE49-F238E27FC236}">
-                <a16:creationId xmlns:a16="http://schemas.microsoft.com/office/drawing/2014/main" id="{9681D8AB-5F49-B643-9DD6-7FA45DD7AA15}"/>
+                <a16:creationId xmlns:a16="http://schemas.microsoft.com/office/drawing/2014/main" xmlns="" id="{9681D8AB-5F49-B643-9DD6-7FA45DD7AA15}"/>
               </a:ext>
             </a:extLst>
           </p:cNvPr>
@@ -3506,7 +3407,7 @@
           <a:p>
             <a:fld id="{0B94BCDE-ACBC-3C45-AF5C-8C9E935CDCC4}" type="datetimeFigureOut">
               <a:rPr lang="en-US" smtClean="0"/>
-              <a:t>6/18/20</a:t>
+              <a:t>9/12/20</a:t>
             </a:fld>
             <a:endParaRPr lang="en-US"/>
           </a:p>
@@ -3517,7 +3418,7 @@
           <p:cNvPr id="6" name="Footer Placeholder 5">
             <a:extLst>
               <a:ext uri="{FF2B5EF4-FFF2-40B4-BE49-F238E27FC236}">
-                <a16:creationId xmlns:a16="http://schemas.microsoft.com/office/drawing/2014/main" id="{757B25C6-2F62-8D45-96A8-DFCA76DFE5F9}"/>
+                <a16:creationId xmlns:a16="http://schemas.microsoft.com/office/drawing/2014/main" xmlns="" id="{757B25C6-2F62-8D45-96A8-DFCA76DFE5F9}"/>
               </a:ext>
             </a:extLst>
           </p:cNvPr>
@@ -3542,7 +3443,7 @@
           <p:cNvPr id="7" name="Slide Number Placeholder 6">
             <a:extLst>
               <a:ext uri="{FF2B5EF4-FFF2-40B4-BE49-F238E27FC236}">
-                <a16:creationId xmlns:a16="http://schemas.microsoft.com/office/drawing/2014/main" id="{910272DD-D6B5-5E48-826B-408DC03ACD3C}"/>
+                <a16:creationId xmlns:a16="http://schemas.microsoft.com/office/drawing/2014/main" xmlns="" id="{910272DD-D6B5-5E48-826B-408DC03ACD3C}"/>
               </a:ext>
             </a:extLst>
           </p:cNvPr>
@@ -3601,7 +3502,7 @@
           <p:cNvPr id="2" name="Title 1">
             <a:extLst>
               <a:ext uri="{FF2B5EF4-FFF2-40B4-BE49-F238E27FC236}">
-                <a16:creationId xmlns:a16="http://schemas.microsoft.com/office/drawing/2014/main" id="{579A2E05-BCB8-304B-981F-78C9F8BDD442}"/>
+                <a16:creationId xmlns:a16="http://schemas.microsoft.com/office/drawing/2014/main" xmlns="" id="{579A2E05-BCB8-304B-981F-78C9F8BDD442}"/>
               </a:ext>
             </a:extLst>
           </p:cNvPr>
@@ -3638,7 +3539,7 @@
           <p:cNvPr id="3" name="Picture Placeholder 2">
             <a:extLst>
               <a:ext uri="{FF2B5EF4-FFF2-40B4-BE49-F238E27FC236}">
-                <a16:creationId xmlns:a16="http://schemas.microsoft.com/office/drawing/2014/main" id="{6F37C9CA-DC24-BA49-BAD0-E6A8C453ACE8}"/>
+                <a16:creationId xmlns:a16="http://schemas.microsoft.com/office/drawing/2014/main" xmlns="" id="{6F37C9CA-DC24-BA49-BAD0-E6A8C453ACE8}"/>
               </a:ext>
             </a:extLst>
           </p:cNvPr>
@@ -3705,7 +3606,7 @@
           <p:cNvPr id="4" name="Text Placeholder 3">
             <a:extLst>
               <a:ext uri="{FF2B5EF4-FFF2-40B4-BE49-F238E27FC236}">
-                <a16:creationId xmlns:a16="http://schemas.microsoft.com/office/drawing/2014/main" id="{8F325A5C-7891-AB4B-88F5-9C3B4D42FA9F}"/>
+                <a16:creationId xmlns:a16="http://schemas.microsoft.com/office/drawing/2014/main" xmlns="" id="{8F325A5C-7891-AB4B-88F5-9C3B4D42FA9F}"/>
               </a:ext>
             </a:extLst>
           </p:cNvPr>
@@ -3776,7 +3677,7 @@
           <p:cNvPr id="5" name="Date Placeholder 4">
             <a:extLst>
               <a:ext uri="{FF2B5EF4-FFF2-40B4-BE49-F238E27FC236}">
-                <a16:creationId xmlns:a16="http://schemas.microsoft.com/office/drawing/2014/main" id="{7C4E0F4E-EDC1-3C47-9479-6A027DCD3CF7}"/>
+                <a16:creationId xmlns:a16="http://schemas.microsoft.com/office/drawing/2014/main" xmlns="" id="{7C4E0F4E-EDC1-3C47-9479-6A027DCD3CF7}"/>
               </a:ext>
             </a:extLst>
           </p:cNvPr>
@@ -3794,7 +3695,7 @@
           <a:p>
             <a:fld id="{0B94BCDE-ACBC-3C45-AF5C-8C9E935CDCC4}" type="datetimeFigureOut">
               <a:rPr lang="en-US" smtClean="0"/>
-              <a:t>6/18/20</a:t>
+              <a:t>9/12/20</a:t>
             </a:fld>
             <a:endParaRPr lang="en-US"/>
           </a:p>
@@ -3805,7 +3706,7 @@
           <p:cNvPr id="6" name="Footer Placeholder 5">
             <a:extLst>
               <a:ext uri="{FF2B5EF4-FFF2-40B4-BE49-F238E27FC236}">
-                <a16:creationId xmlns:a16="http://schemas.microsoft.com/office/drawing/2014/main" id="{372D67B0-27A7-A54A-B892-50C6C806E683}"/>
+                <a16:creationId xmlns:a16="http://schemas.microsoft.com/office/drawing/2014/main" xmlns="" id="{372D67B0-27A7-A54A-B892-50C6C806E683}"/>
               </a:ext>
             </a:extLst>
           </p:cNvPr>
@@ -3830,7 +3731,7 @@
           <p:cNvPr id="7" name="Slide Number Placeholder 6">
             <a:extLst>
               <a:ext uri="{FF2B5EF4-FFF2-40B4-BE49-F238E27FC236}">
-                <a16:creationId xmlns:a16="http://schemas.microsoft.com/office/drawing/2014/main" id="{5D966DFE-1DBD-0246-9710-04C6CE7F8069}"/>
+                <a16:creationId xmlns:a16="http://schemas.microsoft.com/office/drawing/2014/main" xmlns="" id="{5D966DFE-1DBD-0246-9710-04C6CE7F8069}"/>
               </a:ext>
             </a:extLst>
           </p:cNvPr>
@@ -3894,7 +3795,7 @@
           <p:cNvPr id="2" name="Title Placeholder 1">
             <a:extLst>
               <a:ext uri="{FF2B5EF4-FFF2-40B4-BE49-F238E27FC236}">
-                <a16:creationId xmlns:a16="http://schemas.microsoft.com/office/drawing/2014/main" id="{58F00D07-9BF3-524F-9861-7EE3E64CF9D2}"/>
+                <a16:creationId xmlns:a16="http://schemas.microsoft.com/office/drawing/2014/main" xmlns="" id="{58F00D07-9BF3-524F-9861-7EE3E64CF9D2}"/>
               </a:ext>
             </a:extLst>
           </p:cNvPr>
@@ -3932,7 +3833,7 @@
           <p:cNvPr id="3" name="Text Placeholder 2">
             <a:extLst>
               <a:ext uri="{FF2B5EF4-FFF2-40B4-BE49-F238E27FC236}">
-                <a16:creationId xmlns:a16="http://schemas.microsoft.com/office/drawing/2014/main" id="{57CFC79D-B75D-E444-AFA2-2FDDE97C1537}"/>
+                <a16:creationId xmlns:a16="http://schemas.microsoft.com/office/drawing/2014/main" xmlns="" id="{57CFC79D-B75D-E444-AFA2-2FDDE97C1537}"/>
               </a:ext>
             </a:extLst>
           </p:cNvPr>
@@ -3999,7 +3900,7 @@
           <p:cNvPr id="4" name="Date Placeholder 3">
             <a:extLst>
               <a:ext uri="{FF2B5EF4-FFF2-40B4-BE49-F238E27FC236}">
-                <a16:creationId xmlns:a16="http://schemas.microsoft.com/office/drawing/2014/main" id="{BCCC52BE-7B36-C045-B5BD-1AB9A7669974}"/>
+                <a16:creationId xmlns:a16="http://schemas.microsoft.com/office/drawing/2014/main" xmlns="" id="{BCCC52BE-7B36-C045-B5BD-1AB9A7669974}"/>
               </a:ext>
             </a:extLst>
           </p:cNvPr>
@@ -4035,7 +3936,7 @@
           <a:p>
             <a:fld id="{0B94BCDE-ACBC-3C45-AF5C-8C9E935CDCC4}" type="datetimeFigureOut">
               <a:rPr lang="en-US" smtClean="0"/>
-              <a:t>6/18/20</a:t>
+              <a:t>9/12/20</a:t>
             </a:fld>
             <a:endParaRPr lang="en-US"/>
           </a:p>
@@ -4046,7 +3947,7 @@
           <p:cNvPr id="5" name="Footer Placeholder 4">
             <a:extLst>
               <a:ext uri="{FF2B5EF4-FFF2-40B4-BE49-F238E27FC236}">
-                <a16:creationId xmlns:a16="http://schemas.microsoft.com/office/drawing/2014/main" id="{42214A43-0FEC-9648-AD3E-30891DC69DC9}"/>
+                <a16:creationId xmlns:a16="http://schemas.microsoft.com/office/drawing/2014/main" xmlns="" id="{42214A43-0FEC-9648-AD3E-30891DC69DC9}"/>
               </a:ext>
             </a:extLst>
           </p:cNvPr>
@@ -4089,7 +3990,7 @@
           <p:cNvPr id="6" name="Slide Number Placeholder 5">
             <a:extLst>
               <a:ext uri="{FF2B5EF4-FFF2-40B4-BE49-F238E27FC236}">
-                <a16:creationId xmlns:a16="http://schemas.microsoft.com/office/drawing/2014/main" id="{89295203-819E-0841-8B19-575BD76C8610}"/>
+                <a16:creationId xmlns:a16="http://schemas.microsoft.com/office/drawing/2014/main" xmlns="" id="{89295203-819E-0841-8B19-575BD76C8610}"/>
               </a:ext>
             </a:extLst>
           </p:cNvPr>
@@ -4454,13 +4355,7 @@
       </p:grpSpPr>
       <p:sp>
         <p:nvSpPr>
-          <p:cNvPr id="2" name="Title 1">
-            <a:extLst>
-              <a:ext uri="{FF2B5EF4-FFF2-40B4-BE49-F238E27FC236}">
-                <a16:creationId xmlns:a16="http://schemas.microsoft.com/office/drawing/2014/main" id="{6AE01CBE-2487-3145-9684-0B744D3BE0D9}"/>
-              </a:ext>
-            </a:extLst>
-          </p:cNvPr>
+          <p:cNvPr id="2" name="Title 1"/>
           <p:cNvSpPr>
             <a:spLocks noGrp="1"/>
           </p:cNvSpPr>
@@ -4468,56 +4363,143 @@
             <p:ph type="ctrTitle"/>
           </p:nvPr>
         </p:nvSpPr>
-        <p:spPr/>
-        <p:txBody>
-          <a:bodyPr/>
-          <a:lstStyle/>
-          <a:p>
-            <a:r>
-              <a:rPr lang="en-US" dirty="0"/>
-              <a:t>Parallel Architecture 2</a:t>
-            </a:r>
-          </a:p>
-        </p:txBody>
-      </p:sp>
-      <p:sp>
-        <p:nvSpPr>
-          <p:cNvPr id="3" name="Subtitle 2">
-            <a:extLst>
-              <a:ext uri="{FF2B5EF4-FFF2-40B4-BE49-F238E27FC236}">
-                <a16:creationId xmlns:a16="http://schemas.microsoft.com/office/drawing/2014/main" id="{16045B2F-F06C-364E-8CC6-26FA8DE89644}"/>
-              </a:ext>
-            </a:extLst>
-          </p:cNvPr>
-          <p:cNvSpPr>
-            <a:spLocks noGrp="1"/>
-          </p:cNvSpPr>
-          <p:nvPr>
-            <p:ph type="subTitle" idx="1"/>
-          </p:nvPr>
-        </p:nvSpPr>
-        <p:spPr/>
-        <p:txBody>
-          <a:bodyPr/>
-          <a:lstStyle/>
-          <a:p>
-            <a:r>
-              <a:rPr lang="en-US" dirty="0"/>
-              <a:t>Module 3.2</a:t>
-            </a:r>
-          </a:p>
-          <a:p>
-            <a:r>
-              <a:rPr lang="en-US" dirty="0"/>
-              <a:t>Peter J. Hawrylak</a:t>
-            </a:r>
+        <p:spPr>
+          <a:xfrm>
+            <a:off x="754744" y="0"/>
+            <a:ext cx="10682515" cy="6858000"/>
+          </a:xfrm>
+        </p:spPr>
+        <p:txBody>
+          <a:bodyPr anchor="ctr">
+            <a:noAutofit/>
+          </a:bodyPr>
+          <a:lstStyle/>
+          <a:p>
+            <a:pPr algn="l" fontAlgn="ctr">
+              <a:lnSpc>
+                <a:spcPct val="150000"/>
+              </a:lnSpc>
+            </a:pPr>
+            <a:r>
+              <a:rPr lang="en-US" sz="3600" b="1" dirty="0">
+                <a:latin typeface="Times New Roman" charset="0"/>
+                <a:ea typeface="Times New Roman" charset="0"/>
+                <a:cs typeface="Times New Roman" charset="0"/>
+              </a:rPr>
+              <a:t>Blue Waters Petascale</a:t>
+            </a:r>
+            <a:r>
+              <a:rPr lang="en-US" sz="3600" b="1" dirty="0">
+                <a:latin typeface="Times New Roman" charset="0"/>
+                <a:ea typeface="Times New Roman" charset="0"/>
+                <a:cs typeface="Times New Roman" charset="0"/>
+              </a:rPr>
+              <a:t> Semester Curriculum v1.0</a:t>
+            </a:r>
+            <a:r>
+              <a:rPr lang="en-US" sz="3600" dirty="0">
+                <a:latin typeface="Times New Roman" charset="0"/>
+                <a:ea typeface="Times New Roman" charset="0"/>
+                <a:cs typeface="Times New Roman" charset="0"/>
+              </a:rPr>
+              <a:t/>
+            </a:r>
+            <a:br>
+              <a:rPr lang="en-US" sz="3600" dirty="0">
+                <a:latin typeface="Times New Roman" charset="0"/>
+                <a:ea typeface="Times New Roman" charset="0"/>
+                <a:cs typeface="Times New Roman" charset="0"/>
+              </a:rPr>
+            </a:br>
+            <a:r>
+              <a:rPr lang="en-US" sz="3600" b="1" dirty="0">
+                <a:latin typeface="Times New Roman" charset="0"/>
+                <a:ea typeface="Times New Roman" charset="0"/>
+                <a:cs typeface="Times New Roman" charset="0"/>
+              </a:rPr>
+              <a:t>Unit 3: Using a Cluster</a:t>
+            </a:r>
+            <a:r>
+              <a:rPr lang="en-US" sz="3600" dirty="0">
+                <a:latin typeface="Times New Roman" charset="0"/>
+                <a:ea typeface="Times New Roman" charset="0"/>
+                <a:cs typeface="Times New Roman" charset="0"/>
+              </a:rPr>
+              <a:t/>
+            </a:r>
+            <a:br>
+              <a:rPr lang="en-US" sz="3600" dirty="0">
+                <a:latin typeface="Times New Roman" charset="0"/>
+                <a:ea typeface="Times New Roman" charset="0"/>
+                <a:cs typeface="Times New Roman" charset="0"/>
+              </a:rPr>
+            </a:br>
+            <a:r>
+              <a:rPr lang="en-US" sz="3600" b="1" dirty="0">
+                <a:latin typeface="Times New Roman" charset="0"/>
+                <a:ea typeface="Times New Roman" charset="0"/>
+                <a:cs typeface="Times New Roman" charset="0"/>
+              </a:rPr>
+              <a:t>Lesson 2: Parallel Architecture 2</a:t>
+            </a:r>
+            <a:br>
+              <a:rPr lang="en-US" sz="3600" b="1" dirty="0">
+                <a:latin typeface="Times New Roman" charset="0"/>
+                <a:ea typeface="Times New Roman" charset="0"/>
+                <a:cs typeface="Times New Roman" charset="0"/>
+              </a:rPr>
+            </a:br>
+            <a:r>
+              <a:rPr lang="en-US" sz="3600" i="1" dirty="0">
+                <a:latin typeface="Times New Roman" charset="0"/>
+                <a:ea typeface="Times New Roman" charset="0"/>
+                <a:cs typeface="Times New Roman" charset="0"/>
+              </a:rPr>
+              <a:t>Developed by Peter J. </a:t>
+            </a:r>
+            <a:r>
+              <a:rPr lang="en-US" sz="3600" i="1" dirty="0" err="1">
+                <a:latin typeface="Times New Roman" charset="0"/>
+                <a:ea typeface="Times New Roman" charset="0"/>
+                <a:cs typeface="Times New Roman" charset="0"/>
+              </a:rPr>
+              <a:t>Hawrylak</a:t>
+            </a:r>
+            <a:r>
+              <a:rPr lang="en-US" sz="3600" i="1" dirty="0">
+                <a:latin typeface="Times New Roman" charset="0"/>
+                <a:ea typeface="Times New Roman" charset="0"/>
+                <a:cs typeface="Times New Roman" charset="0"/>
+              </a:rPr>
+              <a:t/>
+            </a:r>
+            <a:br>
+              <a:rPr lang="en-US" sz="3600" i="1" dirty="0">
+                <a:latin typeface="Times New Roman" charset="0"/>
+                <a:ea typeface="Times New Roman" charset="0"/>
+                <a:cs typeface="Times New Roman" charset="0"/>
+              </a:rPr>
+            </a:br>
+            <a:r>
+              <a:rPr lang="en-US" sz="3600" i="1" dirty="0">
+                <a:latin typeface="Times New Roman" charset="0"/>
+                <a:ea typeface="Times New Roman" charset="0"/>
+                <a:cs typeface="Times New Roman" charset="0"/>
+              </a:rPr>
+              <a:t>for the Shodor Education Foundation, Inc.</a:t>
+            </a:r>
+            <a:endParaRPr lang="en-US" sz="3600" i="1" dirty="0">
+              <a:latin typeface="Times New Roman" charset="0"/>
+              <a:ea typeface="Times New Roman" charset="0"/>
+              <a:cs typeface="Times New Roman" charset="0"/>
+            </a:endParaRPr>
           </a:p>
         </p:txBody>
       </p:sp>
     </p:spTree>
     <p:extLst>
       <p:ext uri="{BB962C8B-B14F-4D97-AF65-F5344CB8AC3E}">
-        <p14:creationId xmlns:p14="http://schemas.microsoft.com/office/powerpoint/2010/main" val="589671556"/>
+        <p14:creationId xmlns:p14="http://schemas.microsoft.com/office/powerpoint/2010/main" val="1100970214"/>
       </p:ext>
     </p:extLst>
   </p:cSld>
@@ -4549,7 +4531,7 @@
           <p:cNvPr id="2" name="Title 1">
             <a:extLst>
               <a:ext uri="{FF2B5EF4-FFF2-40B4-BE49-F238E27FC236}">
-                <a16:creationId xmlns:a16="http://schemas.microsoft.com/office/drawing/2014/main" id="{1338DCB2-012A-234F-AB76-62D1EDB80C0A}"/>
+                <a16:creationId xmlns:a16="http://schemas.microsoft.com/office/drawing/2014/main" xmlns="" id="{1338DCB2-012A-234F-AB76-62D1EDB80C0A}"/>
               </a:ext>
             </a:extLst>
           </p:cNvPr>
@@ -4567,7 +4549,7 @@
           <a:p>
             <a:r>
               <a:rPr lang="en-US" dirty="0"/>
-              <a:t>Employing Foster’s Methodology (4)</a:t>
+              <a:t>Employing Foster’s Methodology (3)</a:t>
             </a:r>
           </a:p>
         </p:txBody>
@@ -4577,7 +4559,7 @@
           <p:cNvPr id="5" name="Content Placeholder 4">
             <a:extLst>
               <a:ext uri="{FF2B5EF4-FFF2-40B4-BE49-F238E27FC236}">
-                <a16:creationId xmlns:a16="http://schemas.microsoft.com/office/drawing/2014/main" id="{F3A71BD2-D0B2-414D-B1FF-45412EF619E2}"/>
+                <a16:creationId xmlns:a16="http://schemas.microsoft.com/office/drawing/2014/main" xmlns="" id="{F3A71BD2-D0B2-414D-B1FF-45412EF619E2}"/>
               </a:ext>
             </a:extLst>
           </p:cNvPr>
@@ -4617,21 +4599,21 @@
           <a:p>
             <a:r>
               <a:rPr lang="en-US" dirty="0"/>
-              <a:t>Step 4: Mapping</a:t>
+              <a:t>Step 3: Agglomeration</a:t>
             </a:r>
           </a:p>
           <a:p>
             <a:pPr lvl="1"/>
             <a:r>
               <a:rPr lang="en-US" dirty="0"/>
-              <a:t>How will you map processes to processing elements?</a:t>
+              <a:t>What architecture(s) would be well suited for this problem?</a:t>
             </a:r>
           </a:p>
           <a:p>
             <a:pPr lvl="1"/>
             <a:r>
               <a:rPr lang="en-US" dirty="0"/>
-              <a:t>Are concurrent operations on different processing elements?</a:t>
+              <a:t>How will you map tasks to processes?</a:t>
             </a:r>
           </a:p>
           <a:p>
@@ -4645,7 +4627,7 @@
             <a:pPr lvl="1"/>
             <a:r>
               <a:rPr lang="en-US" dirty="0"/>
-              <a:t>What are the costs of communication and manager processes?  Can these be reduced?</a:t>
+              <a:t>Can the approach easily adapt to different numbers of processing elements?  If not, what can be done to make it more adaptable?</a:t>
             </a:r>
           </a:p>
           <a:p>
@@ -4666,7 +4648,7 @@
     </p:spTree>
     <p:extLst>
       <p:ext uri="{BB962C8B-B14F-4D97-AF65-F5344CB8AC3E}">
-        <p14:creationId xmlns:p14="http://schemas.microsoft.com/office/powerpoint/2010/main" val="2175007503"/>
+        <p14:creationId xmlns:p14="http://schemas.microsoft.com/office/powerpoint/2010/main" val="624568426"/>
       </p:ext>
     </p:extLst>
   </p:cSld>
@@ -4698,7 +4680,7 @@
           <p:cNvPr id="2" name="Title 1">
             <a:extLst>
               <a:ext uri="{FF2B5EF4-FFF2-40B4-BE49-F238E27FC236}">
-                <a16:creationId xmlns:a16="http://schemas.microsoft.com/office/drawing/2014/main" id="{9310BD6E-7AF8-3E40-B0C8-3A167857CE3F}"/>
+                <a16:creationId xmlns:a16="http://schemas.microsoft.com/office/drawing/2014/main" xmlns="" id="{1338DCB2-012A-234F-AB76-62D1EDB80C0A}"/>
               </a:ext>
             </a:extLst>
           </p:cNvPr>
@@ -4716,6 +4698,155 @@
           <a:p>
             <a:r>
               <a:rPr lang="en-US" dirty="0"/>
+              <a:t>Employing Foster’s Methodology (4)</a:t>
+            </a:r>
+          </a:p>
+        </p:txBody>
+      </p:sp>
+      <p:sp>
+        <p:nvSpPr>
+          <p:cNvPr id="5" name="Content Placeholder 4">
+            <a:extLst>
+              <a:ext uri="{FF2B5EF4-FFF2-40B4-BE49-F238E27FC236}">
+                <a16:creationId xmlns:a16="http://schemas.microsoft.com/office/drawing/2014/main" xmlns="" id="{F3A71BD2-D0B2-414D-B1FF-45412EF619E2}"/>
+              </a:ext>
+            </a:extLst>
+          </p:cNvPr>
+          <p:cNvSpPr>
+            <a:spLocks noGrp="1"/>
+          </p:cNvSpPr>
+          <p:nvPr>
+            <p:ph idx="1"/>
+          </p:nvPr>
+        </p:nvSpPr>
+        <p:spPr/>
+        <p:txBody>
+          <a:bodyPr>
+            <a:normAutofit/>
+          </a:bodyPr>
+          <a:lstStyle/>
+          <a:p>
+            <a:r>
+              <a:rPr lang="en-US" dirty="0"/>
+              <a:t>Parallelize matrix multiplication</a:t>
+            </a:r>
+          </a:p>
+          <a:p>
+            <a:pPr lvl="1"/>
+            <a:r>
+              <a:rPr lang="en-US" dirty="0"/>
+              <a:t>Multiply 2, N x N matrices, A </a:t>
+            </a:r>
+            <a:r>
+              <a:rPr lang="en-US" dirty="0">
+                <a:sym typeface="Wingdings" pitchFamily="2" charset="2"/>
+              </a:rPr>
+              <a:t> B x C</a:t>
+            </a:r>
+            <a:endParaRPr lang="en-US" dirty="0"/>
+          </a:p>
+          <a:p>
+            <a:r>
+              <a:rPr lang="en-US" dirty="0"/>
+              <a:t>Step 4: Mapping</a:t>
+            </a:r>
+          </a:p>
+          <a:p>
+            <a:pPr lvl="1"/>
+            <a:r>
+              <a:rPr lang="en-US" dirty="0"/>
+              <a:t>How will you map processes to processing elements?</a:t>
+            </a:r>
+          </a:p>
+          <a:p>
+            <a:pPr lvl="1"/>
+            <a:r>
+              <a:rPr lang="en-US" dirty="0"/>
+              <a:t>Are concurrent operations on different processing elements?</a:t>
+            </a:r>
+          </a:p>
+          <a:p>
+            <a:pPr lvl="1"/>
+            <a:r>
+              <a:rPr lang="en-US" dirty="0"/>
+              <a:t>What are the data sharing and communication needs with the grouping?</a:t>
+            </a:r>
+          </a:p>
+          <a:p>
+            <a:pPr lvl="1"/>
+            <a:r>
+              <a:rPr lang="en-US" dirty="0"/>
+              <a:t>What are the costs of communication and manager processes?  Can these be reduced?</a:t>
+            </a:r>
+          </a:p>
+          <a:p>
+            <a:endParaRPr lang="en-US" dirty="0"/>
+          </a:p>
+          <a:p>
+            <a:r>
+              <a:rPr lang="en-US" dirty="0"/>
+              <a:t>Develop an agglomeration strategy for this problem.</a:t>
+            </a:r>
+          </a:p>
+          <a:p>
+            <a:pPr lvl="1"/>
+            <a:endParaRPr lang="en-US" dirty="0"/>
+          </a:p>
+        </p:txBody>
+      </p:sp>
+    </p:spTree>
+    <p:extLst>
+      <p:ext uri="{BB962C8B-B14F-4D97-AF65-F5344CB8AC3E}">
+        <p14:creationId xmlns:p14="http://schemas.microsoft.com/office/powerpoint/2010/main" val="2175007503"/>
+      </p:ext>
+    </p:extLst>
+  </p:cSld>
+  <p:clrMapOvr>
+    <a:masterClrMapping/>
+  </p:clrMapOvr>
+</p:sld>
+</file>
+
+<file path=ppt/slides/slide12.xml><?xml version="1.0" encoding="utf-8"?>
+<p:sld xmlns:a="http://schemas.openxmlformats.org/drawingml/2006/main" xmlns:r="http://schemas.openxmlformats.org/officeDocument/2006/relationships" xmlns:p="http://schemas.openxmlformats.org/presentationml/2006/main">
+  <p:cSld>
+    <p:spTree>
+      <p:nvGrpSpPr>
+        <p:cNvPr id="1" name=""/>
+        <p:cNvGrpSpPr/>
+        <p:nvPr/>
+      </p:nvGrpSpPr>
+      <p:grpSpPr>
+        <a:xfrm>
+          <a:off x="0" y="0"/>
+          <a:ext cx="0" cy="0"/>
+          <a:chOff x="0" y="0"/>
+          <a:chExt cx="0" cy="0"/>
+        </a:xfrm>
+      </p:grpSpPr>
+      <p:sp>
+        <p:nvSpPr>
+          <p:cNvPr id="2" name="Title 1">
+            <a:extLst>
+              <a:ext uri="{FF2B5EF4-FFF2-40B4-BE49-F238E27FC236}">
+                <a16:creationId xmlns:a16="http://schemas.microsoft.com/office/drawing/2014/main" xmlns="" id="{9310BD6E-7AF8-3E40-B0C8-3A167857CE3F}"/>
+              </a:ext>
+            </a:extLst>
+          </p:cNvPr>
+          <p:cNvSpPr>
+            <a:spLocks noGrp="1"/>
+          </p:cNvSpPr>
+          <p:nvPr>
+            <p:ph type="title"/>
+          </p:nvPr>
+        </p:nvSpPr>
+        <p:spPr/>
+        <p:txBody>
+          <a:bodyPr/>
+          <a:lstStyle/>
+          <a:p>
+            <a:r>
+              <a:rPr lang="en-US" dirty="0"/>
               <a:t>Summary</a:t>
             </a:r>
           </a:p>
@@ -4726,7 +4857,7 @@
           <p:cNvPr id="3" name="Content Placeholder 2">
             <a:extLst>
               <a:ext uri="{FF2B5EF4-FFF2-40B4-BE49-F238E27FC236}">
-                <a16:creationId xmlns:a16="http://schemas.microsoft.com/office/drawing/2014/main" id="{78C9C2F7-DE85-7142-ACE9-D3F7C3D9044A}"/>
+                <a16:creationId xmlns:a16="http://schemas.microsoft.com/office/drawing/2014/main" xmlns="" id="{78C9C2F7-DE85-7142-ACE9-D3F7C3D9044A}"/>
               </a:ext>
             </a:extLst>
           </p:cNvPr>
@@ -4815,100 +4946,227 @@
       </p:grpSpPr>
       <p:sp>
         <p:nvSpPr>
-          <p:cNvPr id="2" name="Title 1">
-            <a:extLst>
-              <a:ext uri="{FF2B5EF4-FFF2-40B4-BE49-F238E27FC236}">
-                <a16:creationId xmlns:a16="http://schemas.microsoft.com/office/drawing/2014/main" id="{A71F8772-E007-2744-AB36-55986D9C1ED0}"/>
-              </a:ext>
-            </a:extLst>
-          </p:cNvPr>
-          <p:cNvSpPr>
-            <a:spLocks noGrp="1"/>
-          </p:cNvSpPr>
-          <p:nvPr>
-            <p:ph type="title"/>
-          </p:nvPr>
-        </p:nvSpPr>
-        <p:spPr/>
-        <p:txBody>
-          <a:bodyPr/>
-          <a:lstStyle/>
-          <a:p>
-            <a:r>
-              <a:rPr lang="en-US" dirty="0"/>
-              <a:t>Module Learning Objectives</a:t>
-            </a:r>
-          </a:p>
-        </p:txBody>
-      </p:sp>
-      <p:sp>
-        <p:nvSpPr>
-          <p:cNvPr id="3" name="Content Placeholder 2">
-            <a:extLst>
-              <a:ext uri="{FF2B5EF4-FFF2-40B4-BE49-F238E27FC236}">
-                <a16:creationId xmlns:a16="http://schemas.microsoft.com/office/drawing/2014/main" id="{20A868BF-350B-1C42-A701-F0A0A1201787}"/>
-              </a:ext>
-            </a:extLst>
-          </p:cNvPr>
-          <p:cNvSpPr>
-            <a:spLocks noGrp="1"/>
-          </p:cNvSpPr>
-          <p:nvPr>
-            <p:ph idx="1"/>
-          </p:nvPr>
-        </p:nvSpPr>
-        <p:spPr/>
-        <p:txBody>
-          <a:bodyPr/>
-          <a:lstStyle/>
-          <a:p>
-            <a:r>
-              <a:rPr lang="en-US" dirty="0"/>
-              <a:t>Evaluate a loop to see if it is a candidate for parallelization using a vector architecture.</a:t>
-            </a:r>
-          </a:p>
-          <a:p>
-            <a:r>
-              <a:rPr lang="en-US" dirty="0"/>
-              <a:t>Employ Foster’s methodology (see: Designing and Building Parallel Programs, by Ian Foster, available at: https://</a:t>
-            </a:r>
-            <a:r>
-              <a:rPr lang="en-US" dirty="0" err="1"/>
-              <a:t>www.mcs.anl.gov</a:t>
-            </a:r>
-            <a:r>
-              <a:rPr lang="en-US" dirty="0"/>
-              <a:t>/~</a:t>
-            </a:r>
-            <a:r>
-              <a:rPr lang="en-US" dirty="0" err="1"/>
-              <a:t>itf</a:t>
-            </a:r>
-            <a:r>
-              <a:rPr lang="en-US" dirty="0"/>
-              <a:t>/</a:t>
-            </a:r>
-            <a:r>
-              <a:rPr lang="en-US" dirty="0" err="1"/>
-              <a:t>dbpp</a:t>
-            </a:r>
-            <a:r>
-              <a:rPr lang="en-US" dirty="0"/>
-              <a:t>/ ) for designing parallel programs for a given architecture.</a:t>
-            </a:r>
-          </a:p>
-          <a:p>
-            <a:endParaRPr lang="en-US" dirty="0"/>
-          </a:p>
-          <a:p>
-            <a:endParaRPr lang="en-US" dirty="0"/>
+          <p:cNvPr id="2" name="Title 1"/>
+          <p:cNvSpPr>
+            <a:spLocks noGrp="1"/>
+          </p:cNvSpPr>
+          <p:nvPr>
+            <p:ph type="ctrTitle"/>
+          </p:nvPr>
+        </p:nvSpPr>
+        <p:spPr>
+          <a:xfrm>
+            <a:off x="754744" y="0"/>
+            <a:ext cx="10682515" cy="6858000"/>
+          </a:xfrm>
+        </p:spPr>
+        <p:txBody>
+          <a:bodyPr anchor="ctr">
+            <a:noAutofit/>
+          </a:bodyPr>
+          <a:lstStyle/>
+          <a:p>
+            <a:pPr algn="l" fontAlgn="ctr"/>
+            <a:r>
+              <a:rPr lang="en-US" sz="2800" dirty="0">
+                <a:latin typeface="Times New Roman" charset="0"/>
+                <a:ea typeface="Times New Roman" charset="0"/>
+                <a:cs typeface="Times New Roman" charset="0"/>
+              </a:rPr>
+              <a:t>Except where otherwise noted, this work by</a:t>
+            </a:r>
+            <a:br>
+              <a:rPr lang="en-US" sz="2800" dirty="0">
+                <a:latin typeface="Times New Roman" charset="0"/>
+                <a:ea typeface="Times New Roman" charset="0"/>
+                <a:cs typeface="Times New Roman" charset="0"/>
+              </a:rPr>
+            </a:br>
+            <a:r>
+              <a:rPr lang="en-US" sz="2800" dirty="0">
+                <a:latin typeface="Times New Roman" charset="0"/>
+                <a:ea typeface="Times New Roman" charset="0"/>
+                <a:cs typeface="Times New Roman" charset="0"/>
+              </a:rPr>
+              <a:t>The Shodor Education Foundation, Inc. is licensed under</a:t>
+            </a:r>
+            <a:br>
+              <a:rPr lang="en-US" sz="2800" dirty="0">
+                <a:latin typeface="Times New Roman" charset="0"/>
+                <a:ea typeface="Times New Roman" charset="0"/>
+                <a:cs typeface="Times New Roman" charset="0"/>
+              </a:rPr>
+            </a:br>
+            <a:r>
+              <a:rPr lang="en-US" sz="2800" dirty="0">
+                <a:latin typeface="Times New Roman" charset="0"/>
+                <a:ea typeface="Times New Roman" charset="0"/>
+                <a:cs typeface="Times New Roman" charset="0"/>
+              </a:rPr>
+              <a:t>CC BY-NC 4.0. To view a copy of this license, visit </a:t>
+            </a:r>
+            <a:r>
+              <a:rPr lang="en-US" sz="2800" dirty="0">
+                <a:latin typeface="Times New Roman" charset="0"/>
+                <a:ea typeface="Times New Roman" charset="0"/>
+                <a:cs typeface="Times New Roman" charset="0"/>
+                <a:hlinkClick r:id="rId2"/>
+              </a:rPr>
+              <a:t>https://creativecommons.org/licenses/by-nc/4.0</a:t>
+            </a:r>
+            <a:r>
+              <a:rPr lang="en-US" sz="2800" dirty="0">
+                <a:latin typeface="Times New Roman" charset="0"/>
+                <a:ea typeface="Times New Roman" charset="0"/>
+                <a:cs typeface="Times New Roman" charset="0"/>
+              </a:rPr>
+              <a:t/>
+            </a:r>
+            <a:br>
+              <a:rPr lang="en-US" sz="2800" dirty="0">
+                <a:latin typeface="Times New Roman" charset="0"/>
+                <a:ea typeface="Times New Roman" charset="0"/>
+                <a:cs typeface="Times New Roman" charset="0"/>
+              </a:rPr>
+            </a:br>
+            <a:r>
+              <a:rPr lang="en-US" sz="2800" dirty="0">
+                <a:latin typeface="Times New Roman" charset="0"/>
+                <a:ea typeface="Times New Roman" charset="0"/>
+                <a:cs typeface="Times New Roman" charset="0"/>
+              </a:rPr>
+              <a:t/>
+            </a:r>
+            <a:br>
+              <a:rPr lang="en-US" sz="2800" dirty="0">
+                <a:latin typeface="Times New Roman" charset="0"/>
+                <a:ea typeface="Times New Roman" charset="0"/>
+                <a:cs typeface="Times New Roman" charset="0"/>
+              </a:rPr>
+            </a:br>
+            <a:r>
+              <a:rPr lang="en-US" sz="2800" dirty="0">
+                <a:latin typeface="Times New Roman" charset="0"/>
+                <a:ea typeface="Times New Roman" charset="0"/>
+                <a:cs typeface="Times New Roman" charset="0"/>
+              </a:rPr>
+              <a:t>Browse and search the full curriculum at </a:t>
+            </a:r>
+            <a:r>
+              <a:rPr lang="en-US" sz="2800" dirty="0">
+                <a:latin typeface="Times New Roman" charset="0"/>
+                <a:ea typeface="Times New Roman" charset="0"/>
+                <a:cs typeface="Times New Roman" charset="0"/>
+                <a:hlinkClick r:id="rId3"/>
+              </a:rPr>
+              <a:t>http://shodor.org/petascale/materials/semester-curriculum</a:t>
+            </a:r>
+            <a:r>
+              <a:rPr lang="en-US" sz="2800" dirty="0">
+                <a:latin typeface="Times New Roman" charset="0"/>
+                <a:ea typeface="Times New Roman" charset="0"/>
+                <a:cs typeface="Times New Roman" charset="0"/>
+              </a:rPr>
+              <a:t/>
+            </a:r>
+            <a:br>
+              <a:rPr lang="en-US" sz="2800" dirty="0">
+                <a:latin typeface="Times New Roman" charset="0"/>
+                <a:ea typeface="Times New Roman" charset="0"/>
+                <a:cs typeface="Times New Roman" charset="0"/>
+              </a:rPr>
+            </a:br>
+            <a:r>
+              <a:rPr lang="en-US" sz="2800" dirty="0">
+                <a:latin typeface="Times New Roman" charset="0"/>
+                <a:ea typeface="Times New Roman" charset="0"/>
+                <a:cs typeface="Times New Roman" charset="0"/>
+              </a:rPr>
+              <a:t/>
+            </a:r>
+            <a:br>
+              <a:rPr lang="en-US" sz="2800" dirty="0">
+                <a:latin typeface="Times New Roman" charset="0"/>
+                <a:ea typeface="Times New Roman" charset="0"/>
+                <a:cs typeface="Times New Roman" charset="0"/>
+              </a:rPr>
+            </a:br>
+            <a:r>
+              <a:rPr lang="en-US" sz="2800" dirty="0">
+                <a:latin typeface="Times New Roman" charset="0"/>
+                <a:ea typeface="Times New Roman" charset="0"/>
+                <a:cs typeface="Times New Roman" charset="0"/>
+              </a:rPr>
+              <a:t>We welcome your improvements! You can submit your proposed changes to this material and the rest of the curriculum in our GitHub repository at </a:t>
+            </a:r>
+            <a:r>
+              <a:rPr lang="en-US" sz="2800" dirty="0">
+                <a:latin typeface="Times New Roman" charset="0"/>
+                <a:ea typeface="Times New Roman" charset="0"/>
+                <a:cs typeface="Times New Roman" charset="0"/>
+                <a:hlinkClick r:id="rId4"/>
+              </a:rPr>
+              <a:t>https://github.com/shodor-education/petascale-semester-curriculum</a:t>
+            </a:r>
+            <a:r>
+              <a:rPr lang="en-US" sz="2800" dirty="0">
+                <a:latin typeface="Times New Roman" charset="0"/>
+                <a:ea typeface="Times New Roman" charset="0"/>
+                <a:cs typeface="Times New Roman" charset="0"/>
+              </a:rPr>
+              <a:t/>
+            </a:r>
+            <a:br>
+              <a:rPr lang="en-US" sz="2800" dirty="0">
+                <a:latin typeface="Times New Roman" charset="0"/>
+                <a:ea typeface="Times New Roman" charset="0"/>
+                <a:cs typeface="Times New Roman" charset="0"/>
+              </a:rPr>
+            </a:br>
+            <a:r>
+              <a:rPr lang="en-US" sz="2800" dirty="0">
+                <a:latin typeface="Times New Roman" charset="0"/>
+                <a:ea typeface="Times New Roman" charset="0"/>
+                <a:cs typeface="Times New Roman" charset="0"/>
+              </a:rPr>
+              <a:t/>
+            </a:r>
+            <a:br>
+              <a:rPr lang="en-US" sz="2800" dirty="0">
+                <a:latin typeface="Times New Roman" charset="0"/>
+                <a:ea typeface="Times New Roman" charset="0"/>
+                <a:cs typeface="Times New Roman" charset="0"/>
+              </a:rPr>
+            </a:br>
+            <a:r>
+              <a:rPr lang="en-US" sz="2800" dirty="0">
+                <a:latin typeface="Times New Roman" charset="0"/>
+                <a:ea typeface="Times New Roman" charset="0"/>
+                <a:cs typeface="Times New Roman" charset="0"/>
+              </a:rPr>
+              <a:t>We want to hear from you! Please let us know your experiences using this material by sending email to </a:t>
+            </a:r>
+            <a:r>
+              <a:rPr lang="en-US" sz="2800" dirty="0">
+                <a:latin typeface="Times New Roman" charset="0"/>
+                <a:ea typeface="Times New Roman" charset="0"/>
+                <a:cs typeface="Times New Roman" charset="0"/>
+                <a:hlinkClick r:id="rId5"/>
+              </a:rPr>
+              <a:t>petascale@shodor.org</a:t>
+            </a:r>
+            <a:endParaRPr lang="en-US" sz="3600" dirty="0">
+              <a:latin typeface="Times New Roman" charset="0"/>
+              <a:ea typeface="Times New Roman" charset="0"/>
+              <a:cs typeface="Times New Roman" charset="0"/>
+            </a:endParaRPr>
           </a:p>
         </p:txBody>
       </p:sp>
     </p:spTree>
     <p:extLst>
       <p:ext uri="{BB962C8B-B14F-4D97-AF65-F5344CB8AC3E}">
-        <p14:creationId xmlns:p14="http://schemas.microsoft.com/office/powerpoint/2010/main" val="55914442"/>
+        <p14:creationId xmlns:p14="http://schemas.microsoft.com/office/powerpoint/2010/main" val="1287284146"/>
       </p:ext>
     </p:extLst>
   </p:cSld>
@@ -4940,7 +5198,7 @@
           <p:cNvPr id="2" name="Title 1">
             <a:extLst>
               <a:ext uri="{FF2B5EF4-FFF2-40B4-BE49-F238E27FC236}">
-                <a16:creationId xmlns:a16="http://schemas.microsoft.com/office/drawing/2014/main" id="{78C2C170-0F45-0E41-A92F-6CB104E6F64D}"/>
+                <a16:creationId xmlns:a16="http://schemas.microsoft.com/office/drawing/2014/main" xmlns="" id="{A71F8772-E007-2744-AB36-55986D9C1ED0}"/>
               </a:ext>
             </a:extLst>
           </p:cNvPr>
@@ -4957,6 +5215,132 @@
           <a:lstStyle/>
           <a:p>
             <a:r>
+              <a:rPr lang="en-US" smtClean="0"/>
+              <a:t>Lesson Learning </a:t>
+            </a:r>
+            <a:r>
+              <a:rPr lang="en-US" dirty="0"/>
+              <a:t>Objectives</a:t>
+            </a:r>
+          </a:p>
+        </p:txBody>
+      </p:sp>
+      <p:sp>
+        <p:nvSpPr>
+          <p:cNvPr id="3" name="Content Placeholder 2">
+            <a:extLst>
+              <a:ext uri="{FF2B5EF4-FFF2-40B4-BE49-F238E27FC236}">
+                <a16:creationId xmlns:a16="http://schemas.microsoft.com/office/drawing/2014/main" xmlns="" id="{20A868BF-350B-1C42-A701-F0A0A1201787}"/>
+              </a:ext>
+            </a:extLst>
+          </p:cNvPr>
+          <p:cNvSpPr>
+            <a:spLocks noGrp="1"/>
+          </p:cNvSpPr>
+          <p:nvPr>
+            <p:ph idx="1"/>
+          </p:nvPr>
+        </p:nvSpPr>
+        <p:spPr/>
+        <p:txBody>
+          <a:bodyPr/>
+          <a:lstStyle/>
+          <a:p>
+            <a:r>
+              <a:rPr lang="en-US" dirty="0"/>
+              <a:t>Evaluate a loop to see if it is a candidate for parallelization using a vector architecture.</a:t>
+            </a:r>
+          </a:p>
+          <a:p>
+            <a:r>
+              <a:rPr lang="en-US" dirty="0"/>
+              <a:t>Employ Foster’s methodology (see: Designing and Building Parallel Programs, by Ian Foster, available at: https://</a:t>
+            </a:r>
+            <a:r>
+              <a:rPr lang="en-US" dirty="0" err="1"/>
+              <a:t>www.mcs.anl.gov</a:t>
+            </a:r>
+            <a:r>
+              <a:rPr lang="en-US" dirty="0"/>
+              <a:t>/~</a:t>
+            </a:r>
+            <a:r>
+              <a:rPr lang="en-US" dirty="0" err="1"/>
+              <a:t>itf</a:t>
+            </a:r>
+            <a:r>
+              <a:rPr lang="en-US" dirty="0"/>
+              <a:t>/</a:t>
+            </a:r>
+            <a:r>
+              <a:rPr lang="en-US" dirty="0" err="1"/>
+              <a:t>dbpp</a:t>
+            </a:r>
+            <a:r>
+              <a:rPr lang="en-US" dirty="0"/>
+              <a:t>/ ) for designing parallel programs for a given architecture.</a:t>
+            </a:r>
+          </a:p>
+          <a:p>
+            <a:endParaRPr lang="en-US" dirty="0"/>
+          </a:p>
+          <a:p>
+            <a:endParaRPr lang="en-US" dirty="0"/>
+          </a:p>
+        </p:txBody>
+      </p:sp>
+    </p:spTree>
+    <p:extLst>
+      <p:ext uri="{BB962C8B-B14F-4D97-AF65-F5344CB8AC3E}">
+        <p14:creationId xmlns:p14="http://schemas.microsoft.com/office/powerpoint/2010/main" val="55914442"/>
+      </p:ext>
+    </p:extLst>
+  </p:cSld>
+  <p:clrMapOvr>
+    <a:masterClrMapping/>
+  </p:clrMapOvr>
+</p:sld>
+</file>
+
+<file path=ppt/slides/slide4.xml><?xml version="1.0" encoding="utf-8"?>
+<p:sld xmlns:a="http://schemas.openxmlformats.org/drawingml/2006/main" xmlns:r="http://schemas.openxmlformats.org/officeDocument/2006/relationships" xmlns:p="http://schemas.openxmlformats.org/presentationml/2006/main">
+  <p:cSld>
+    <p:spTree>
+      <p:nvGrpSpPr>
+        <p:cNvPr id="1" name=""/>
+        <p:cNvGrpSpPr/>
+        <p:nvPr/>
+      </p:nvGrpSpPr>
+      <p:grpSpPr>
+        <a:xfrm>
+          <a:off x="0" y="0"/>
+          <a:ext cx="0" cy="0"/>
+          <a:chOff x="0" y="0"/>
+          <a:chExt cx="0" cy="0"/>
+        </a:xfrm>
+      </p:grpSpPr>
+      <p:sp>
+        <p:nvSpPr>
+          <p:cNvPr id="2" name="Title 1">
+            <a:extLst>
+              <a:ext uri="{FF2B5EF4-FFF2-40B4-BE49-F238E27FC236}">
+                <a16:creationId xmlns:a16="http://schemas.microsoft.com/office/drawing/2014/main" xmlns="" id="{78C2C170-0F45-0E41-A92F-6CB104E6F64D}"/>
+              </a:ext>
+            </a:extLst>
+          </p:cNvPr>
+          <p:cNvSpPr>
+            <a:spLocks noGrp="1"/>
+          </p:cNvSpPr>
+          <p:nvPr>
+            <p:ph type="title"/>
+          </p:nvPr>
+        </p:nvSpPr>
+        <p:spPr/>
+        <p:txBody>
+          <a:bodyPr/>
+          <a:lstStyle/>
+          <a:p>
+            <a:r>
               <a:rPr lang="en-US" dirty="0"/>
               <a:t>Vector Architecture Review</a:t>
             </a:r>
@@ -4968,7 +5352,7 @@
           <p:cNvPr id="3" name="Content Placeholder 2">
             <a:extLst>
               <a:ext uri="{FF2B5EF4-FFF2-40B4-BE49-F238E27FC236}">
-                <a16:creationId xmlns:a16="http://schemas.microsoft.com/office/drawing/2014/main" id="{FF79AF44-FAAA-9B4B-8E76-94FBECECE87E}"/>
+                <a16:creationId xmlns:a16="http://schemas.microsoft.com/office/drawing/2014/main" xmlns="" id="{FF79AF44-FAAA-9B4B-8E76-94FBECECE87E}"/>
               </a:ext>
             </a:extLst>
           </p:cNvPr>
@@ -5057,7 +5441,7 @@
           <p:cNvPr id="4" name="image10.png">
             <a:extLst>
               <a:ext uri="{FF2B5EF4-FFF2-40B4-BE49-F238E27FC236}">
-                <a16:creationId xmlns:a16="http://schemas.microsoft.com/office/drawing/2014/main" id="{DD18FBAE-2B5B-F746-B5E5-D8873A01C80D}"/>
+                <a16:creationId xmlns:a16="http://schemas.microsoft.com/office/drawing/2014/main" xmlns="" id="{DD18FBAE-2B5B-F746-B5E5-D8873A01C80D}"/>
               </a:ext>
             </a:extLst>
           </p:cNvPr>
@@ -5095,7 +5479,7 @@
 </p:sld>
 </file>
 
-<file path=ppt/slides/slide4.xml><?xml version="1.0" encoding="utf-8"?>
+<file path=ppt/slides/slide5.xml><?xml version="1.0" encoding="utf-8"?>
 <p:sld xmlns:a="http://schemas.openxmlformats.org/drawingml/2006/main" xmlns:r="http://schemas.openxmlformats.org/officeDocument/2006/relationships" xmlns:p="http://schemas.openxmlformats.org/presentationml/2006/main">
   <p:cSld>
     <p:spTree>
@@ -5117,7 +5501,7 @@
           <p:cNvPr id="2" name="Title 1">
             <a:extLst>
               <a:ext uri="{FF2B5EF4-FFF2-40B4-BE49-F238E27FC236}">
-                <a16:creationId xmlns:a16="http://schemas.microsoft.com/office/drawing/2014/main" id="{63DE7F6F-B83D-8C4C-A065-D0236CFAEE17}"/>
+                <a16:creationId xmlns:a16="http://schemas.microsoft.com/office/drawing/2014/main" xmlns="" id="{63DE7F6F-B83D-8C4C-A065-D0236CFAEE17}"/>
               </a:ext>
             </a:extLst>
           </p:cNvPr>
@@ -5145,7 +5529,7 @@
           <p:cNvPr id="3" name="Content Placeholder 2">
             <a:extLst>
               <a:ext uri="{FF2B5EF4-FFF2-40B4-BE49-F238E27FC236}">
-                <a16:creationId xmlns:a16="http://schemas.microsoft.com/office/drawing/2014/main" id="{4FD7A7DA-FA83-4949-94FB-1B37170BE315}"/>
+                <a16:creationId xmlns:a16="http://schemas.microsoft.com/office/drawing/2014/main" xmlns="" id="{4FD7A7DA-FA83-4949-94FB-1B37170BE315}"/>
               </a:ext>
             </a:extLst>
           </p:cNvPr>
@@ -5212,7 +5596,7 @@
           <p:cNvPr id="4" name="TextBox 3">
             <a:extLst>
               <a:ext uri="{FF2B5EF4-FFF2-40B4-BE49-F238E27FC236}">
-                <a16:creationId xmlns:a16="http://schemas.microsoft.com/office/drawing/2014/main" id="{EDE8A923-DC5E-2B4C-9ED7-BC202E5D21FA}"/>
+                <a16:creationId xmlns:a16="http://schemas.microsoft.com/office/drawing/2014/main" xmlns="" id="{EDE8A923-DC5E-2B4C-9ED7-BC202E5D21FA}"/>
               </a:ext>
             </a:extLst>
           </p:cNvPr>
@@ -5286,7 +5670,7 @@
           <p:cNvPr id="5" name="TextBox 4">
             <a:extLst>
               <a:ext uri="{FF2B5EF4-FFF2-40B4-BE49-F238E27FC236}">
-                <a16:creationId xmlns:a16="http://schemas.microsoft.com/office/drawing/2014/main" id="{6740D997-29F7-3647-9844-0224187D8916}"/>
+                <a16:creationId xmlns:a16="http://schemas.microsoft.com/office/drawing/2014/main" xmlns="" id="{6740D997-29F7-3647-9844-0224187D8916}"/>
               </a:ext>
             </a:extLst>
           </p:cNvPr>
@@ -5372,7 +5756,7 @@
           <p:cNvPr id="6" name="Right Arrow 5">
             <a:extLst>
               <a:ext uri="{FF2B5EF4-FFF2-40B4-BE49-F238E27FC236}">
-                <a16:creationId xmlns:a16="http://schemas.microsoft.com/office/drawing/2014/main" id="{FB07F196-5E58-1648-B1BB-D8994EEB300F}"/>
+                <a16:creationId xmlns:a16="http://schemas.microsoft.com/office/drawing/2014/main" xmlns="" id="{FB07F196-5E58-1648-B1BB-D8994EEB300F}"/>
               </a:ext>
             </a:extLst>
           </p:cNvPr>
@@ -5427,317 +5811,6 @@
     <p:extLst>
       <p:ext uri="{BB962C8B-B14F-4D97-AF65-F5344CB8AC3E}">
         <p14:creationId xmlns:p14="http://schemas.microsoft.com/office/powerpoint/2010/main" val="1663877207"/>
-      </p:ext>
-    </p:extLst>
-  </p:cSld>
-  <p:clrMapOvr>
-    <a:masterClrMapping/>
-  </p:clrMapOvr>
-</p:sld>
-</file>
-
-<file path=ppt/slides/slide5.xml><?xml version="1.0" encoding="utf-8"?>
-<p:sld xmlns:a="http://schemas.openxmlformats.org/drawingml/2006/main" xmlns:r="http://schemas.openxmlformats.org/officeDocument/2006/relationships" xmlns:p="http://schemas.openxmlformats.org/presentationml/2006/main">
-  <p:cSld>
-    <p:spTree>
-      <p:nvGrpSpPr>
-        <p:cNvPr id="1" name=""/>
-        <p:cNvGrpSpPr/>
-        <p:nvPr/>
-      </p:nvGrpSpPr>
-      <p:grpSpPr>
-        <a:xfrm>
-          <a:off x="0" y="0"/>
-          <a:ext cx="0" cy="0"/>
-          <a:chOff x="0" y="0"/>
-          <a:chExt cx="0" cy="0"/>
-        </a:xfrm>
-      </p:grpSpPr>
-      <p:sp>
-        <p:nvSpPr>
-          <p:cNvPr id="2" name="Title 1">
-            <a:extLst>
-              <a:ext uri="{FF2B5EF4-FFF2-40B4-BE49-F238E27FC236}">
-                <a16:creationId xmlns:a16="http://schemas.microsoft.com/office/drawing/2014/main" id="{922D3471-0360-C044-B6BA-991BFA3939A9}"/>
-              </a:ext>
-            </a:extLst>
-          </p:cNvPr>
-          <p:cNvSpPr>
-            <a:spLocks noGrp="1"/>
-          </p:cNvSpPr>
-          <p:nvPr>
-            <p:ph type="title"/>
-          </p:nvPr>
-        </p:nvSpPr>
-        <p:spPr/>
-        <p:txBody>
-          <a:bodyPr/>
-          <a:lstStyle/>
-          <a:p>
-            <a:r>
-              <a:rPr lang="en-US" dirty="0"/>
-              <a:t>Why unroll a loop?</a:t>
-            </a:r>
-          </a:p>
-        </p:txBody>
-      </p:sp>
-      <p:sp>
-        <p:nvSpPr>
-          <p:cNvPr id="3" name="Content Placeholder 2">
-            <a:extLst>
-              <a:ext uri="{FF2B5EF4-FFF2-40B4-BE49-F238E27FC236}">
-                <a16:creationId xmlns:a16="http://schemas.microsoft.com/office/drawing/2014/main" id="{54E14010-9FBB-D64A-8108-3DB661BB5F45}"/>
-              </a:ext>
-            </a:extLst>
-          </p:cNvPr>
-          <p:cNvSpPr>
-            <a:spLocks noGrp="1"/>
-          </p:cNvSpPr>
-          <p:nvPr>
-            <p:ph sz="half" idx="1"/>
-          </p:nvPr>
-        </p:nvSpPr>
-        <p:spPr>
-          <a:xfrm>
-            <a:off x="838199" y="1825625"/>
-            <a:ext cx="6625281" cy="4351338"/>
-          </a:xfrm>
-        </p:spPr>
-        <p:txBody>
-          <a:bodyPr>
-            <a:normAutofit lnSpcReduction="10000"/>
-          </a:bodyPr>
-          <a:lstStyle/>
-          <a:p>
-            <a:r>
-              <a:rPr lang="en-US" dirty="0"/>
-              <a:t>Reduce/eliminate loop overhead</a:t>
-            </a:r>
-          </a:p>
-          <a:p>
-            <a:pPr lvl="1"/>
-            <a:r>
-              <a:rPr lang="en-US" dirty="0"/>
-              <a:t>Instructions to update loop counters </a:t>
-            </a:r>
-            <a:r>
-              <a:rPr lang="en-US" dirty="0">
-                <a:sym typeface="Wingdings" pitchFamily="2" charset="2"/>
-              </a:rPr>
-              <a:t> x in the example</a:t>
-            </a:r>
-          </a:p>
-          <a:p>
-            <a:pPr lvl="1"/>
-            <a:r>
-              <a:rPr lang="en-US" dirty="0"/>
-              <a:t>Instructions to check loop exit or continue conditions </a:t>
-            </a:r>
-            <a:r>
-              <a:rPr lang="en-US" dirty="0">
-                <a:sym typeface="Wingdings" pitchFamily="2" charset="2"/>
-              </a:rPr>
-              <a:t> Is x less than n/2?</a:t>
-            </a:r>
-          </a:p>
-          <a:p>
-            <a:pPr lvl="2"/>
-            <a:r>
-              <a:rPr lang="en-US" dirty="0">
-                <a:sym typeface="Wingdings" pitchFamily="2" charset="2"/>
-              </a:rPr>
-              <a:t>Conditional Branches are VERY COSTLY in terms of hardware and performance</a:t>
-            </a:r>
-          </a:p>
-          <a:p>
-            <a:r>
-              <a:rPr lang="en-US" dirty="0">
-                <a:sym typeface="Wingdings" pitchFamily="2" charset="2"/>
-              </a:rPr>
-              <a:t>Excellent fit for SIMD architectures --&gt; GPUs</a:t>
-            </a:r>
-          </a:p>
-          <a:p>
-            <a:pPr lvl="1"/>
-            <a:r>
-              <a:rPr lang="en-US" dirty="0">
-                <a:sym typeface="Wingdings" pitchFamily="2" charset="2"/>
-              </a:rPr>
-              <a:t>Many math-based problems fall into this category</a:t>
-            </a:r>
-          </a:p>
-          <a:p>
-            <a:pPr lvl="1"/>
-            <a:r>
-              <a:rPr lang="en-US" dirty="0">
-                <a:sym typeface="Wingdings" pitchFamily="2" charset="2"/>
-              </a:rPr>
-              <a:t>Do not forget vector instructions on CPUs</a:t>
-            </a:r>
-            <a:endParaRPr lang="en-US" dirty="0"/>
-          </a:p>
-        </p:txBody>
-      </p:sp>
-      <p:sp>
-        <p:nvSpPr>
-          <p:cNvPr id="5" name="TextBox 4">
-            <a:extLst>
-              <a:ext uri="{FF2B5EF4-FFF2-40B4-BE49-F238E27FC236}">
-                <a16:creationId xmlns:a16="http://schemas.microsoft.com/office/drawing/2014/main" id="{9D469FC4-2A24-A841-9FF3-4557BA4C03C3}"/>
-              </a:ext>
-            </a:extLst>
-          </p:cNvPr>
-          <p:cNvSpPr txBox="1"/>
-          <p:nvPr/>
-        </p:nvSpPr>
-        <p:spPr>
-          <a:xfrm>
-            <a:off x="8193560" y="1027906"/>
-            <a:ext cx="3348681" cy="2031325"/>
-          </a:xfrm>
-          <a:prstGeom prst="rect">
-            <a:avLst/>
-          </a:prstGeom>
-          <a:noFill/>
-        </p:spPr>
-        <p:txBody>
-          <a:bodyPr wrap="square" rtlCol="0">
-            <a:spAutoFit/>
-          </a:bodyPr>
-          <a:lstStyle/>
-          <a:p>
-            <a:r>
-              <a:rPr lang="en-US" b="1" dirty="0"/>
-              <a:t>Original code - loop not unrolled</a:t>
-            </a:r>
-          </a:p>
-          <a:p>
-            <a:endParaRPr lang="en-US" dirty="0"/>
-          </a:p>
-          <a:p>
-            <a:r>
-              <a:rPr lang="en-US" dirty="0"/>
-              <a:t>Array y is an array of integers</a:t>
-            </a:r>
-          </a:p>
-          <a:p>
-            <a:endParaRPr lang="en-US" dirty="0"/>
-          </a:p>
-          <a:p>
-            <a:r>
-              <a:rPr lang="en-US" dirty="0"/>
-              <a:t>FOR x = 1 to n </a:t>
-            </a:r>
-          </a:p>
-          <a:p>
-            <a:r>
-              <a:rPr lang="en-US" dirty="0"/>
-              <a:t>	y[x] </a:t>
-            </a:r>
-            <a:r>
-              <a:rPr lang="en-US" dirty="0">
-                <a:sym typeface="Wingdings" pitchFamily="2" charset="2"/>
-              </a:rPr>
-              <a:t> y[x] * 7</a:t>
-            </a:r>
-          </a:p>
-          <a:p>
-            <a:r>
-              <a:rPr lang="en-US" dirty="0">
-                <a:sym typeface="Wingdings" pitchFamily="2" charset="2"/>
-              </a:rPr>
-              <a:t>END FOR</a:t>
-            </a:r>
-            <a:endParaRPr lang="en-US" dirty="0"/>
-          </a:p>
-        </p:txBody>
-      </p:sp>
-      <p:sp>
-        <p:nvSpPr>
-          <p:cNvPr id="6" name="TextBox 5">
-            <a:extLst>
-              <a:ext uri="{FF2B5EF4-FFF2-40B4-BE49-F238E27FC236}">
-                <a16:creationId xmlns:a16="http://schemas.microsoft.com/office/drawing/2014/main" id="{5CF569F4-0E58-8140-BBA2-9F6A0D71CFC3}"/>
-              </a:ext>
-            </a:extLst>
-          </p:cNvPr>
-          <p:cNvSpPr txBox="1"/>
-          <p:nvPr/>
-        </p:nvSpPr>
-        <p:spPr>
-          <a:xfrm>
-            <a:off x="8193559" y="3719717"/>
-            <a:ext cx="3348681" cy="2308324"/>
-          </a:xfrm>
-          <a:prstGeom prst="rect">
-            <a:avLst/>
-          </a:prstGeom>
-          <a:noFill/>
-        </p:spPr>
-        <p:txBody>
-          <a:bodyPr wrap="square" rtlCol="0">
-            <a:spAutoFit/>
-          </a:bodyPr>
-          <a:lstStyle/>
-          <a:p>
-            <a:r>
-              <a:rPr lang="en-US" b="1" dirty="0"/>
-              <a:t>Loop unrolled 1 time</a:t>
-            </a:r>
-          </a:p>
-          <a:p>
-            <a:endParaRPr lang="en-US" dirty="0"/>
-          </a:p>
-          <a:p>
-            <a:r>
-              <a:rPr lang="en-US" dirty="0"/>
-              <a:t>Array y is an array of integers</a:t>
-            </a:r>
-          </a:p>
-          <a:p>
-            <a:endParaRPr lang="en-US" dirty="0"/>
-          </a:p>
-          <a:p>
-            <a:r>
-              <a:rPr lang="en-US" dirty="0"/>
-              <a:t>FOR x = 1 to n/2 </a:t>
-            </a:r>
-          </a:p>
-          <a:p>
-            <a:r>
-              <a:rPr lang="en-US" dirty="0"/>
-              <a:t>    y[x] </a:t>
-            </a:r>
-            <a:r>
-              <a:rPr lang="en-US" dirty="0">
-                <a:sym typeface="Wingdings" pitchFamily="2" charset="2"/>
-              </a:rPr>
-              <a:t> y[x] * 7</a:t>
-            </a:r>
-          </a:p>
-          <a:p>
-            <a:r>
-              <a:rPr lang="en-US" dirty="0">
-                <a:sym typeface="Wingdings" pitchFamily="2" charset="2"/>
-              </a:rPr>
-              <a:t>    y[x+(n/2)]  y[x+(n/2)] * 7</a:t>
-            </a:r>
-          </a:p>
-          <a:p>
-            <a:r>
-              <a:rPr lang="en-US" dirty="0">
-                <a:sym typeface="Wingdings" pitchFamily="2" charset="2"/>
-              </a:rPr>
-              <a:t>END FOR</a:t>
-            </a:r>
-            <a:endParaRPr lang="en-US" dirty="0"/>
-          </a:p>
-        </p:txBody>
-      </p:sp>
-    </p:spTree>
-    <p:extLst>
-      <p:ext uri="{BB962C8B-B14F-4D97-AF65-F5344CB8AC3E}">
-        <p14:creationId xmlns:p14="http://schemas.microsoft.com/office/powerpoint/2010/main" val="3719610131"/>
       </p:ext>
     </p:extLst>
   </p:cSld>
@@ -5769,7 +5842,7 @@
           <p:cNvPr id="2" name="Title 1">
             <a:extLst>
               <a:ext uri="{FF2B5EF4-FFF2-40B4-BE49-F238E27FC236}">
-                <a16:creationId xmlns:a16="http://schemas.microsoft.com/office/drawing/2014/main" id="{DCAB9D5F-399F-2447-8D5B-C6492D2B212C}"/>
+                <a16:creationId xmlns:a16="http://schemas.microsoft.com/office/drawing/2014/main" xmlns="" id="{922D3471-0360-C044-B6BA-991BFA3939A9}"/>
               </a:ext>
             </a:extLst>
           </p:cNvPr>
@@ -5787,7 +5860,7 @@
           <a:p>
             <a:r>
               <a:rPr lang="en-US" dirty="0"/>
-              <a:t>Loop Carried Dependencies</a:t>
+              <a:t>Why unroll a loop?</a:t>
             </a:r>
           </a:p>
         </p:txBody>
@@ -5797,7 +5870,7 @@
           <p:cNvPr id="3" name="Content Placeholder 2">
             <a:extLst>
               <a:ext uri="{FF2B5EF4-FFF2-40B4-BE49-F238E27FC236}">
-                <a16:creationId xmlns:a16="http://schemas.microsoft.com/office/drawing/2014/main" id="{F8FBDEEA-28B8-344C-B93C-39C5553D4EA3}"/>
+                <a16:creationId xmlns:a16="http://schemas.microsoft.com/office/drawing/2014/main" xmlns="" id="{54E14010-9FBB-D64A-8108-3DB661BB5F45}"/>
               </a:ext>
             </a:extLst>
           </p:cNvPr>
@@ -5808,63 +5881,73 @@
             <p:ph sz="half" idx="1"/>
           </p:nvPr>
         </p:nvSpPr>
-        <p:spPr/>
+        <p:spPr>
+          <a:xfrm>
+            <a:off x="838199" y="1825625"/>
+            <a:ext cx="6625281" cy="4351338"/>
+          </a:xfrm>
+        </p:spPr>
         <p:txBody>
           <a:bodyPr>
-            <a:normAutofit fontScale="85000" lnSpcReduction="20000"/>
+            <a:normAutofit lnSpcReduction="10000"/>
           </a:bodyPr>
           <a:lstStyle/>
           <a:p>
             <a:r>
               <a:rPr lang="en-US" dirty="0"/>
-              <a:t>Iteration X depends on data from iteration (X-1)</a:t>
+              <a:t>Reduce/eliminate loop overhead</a:t>
             </a:r>
           </a:p>
           <a:p>
             <a:pPr lvl="1"/>
             <a:r>
               <a:rPr lang="en-US" dirty="0"/>
-              <a:t>Serialization is enforced </a:t>
+              <a:t>Instructions to update loop counters </a:t>
             </a:r>
             <a:r>
               <a:rPr lang="en-US" dirty="0">
                 <a:sym typeface="Wingdings" pitchFamily="2" charset="2"/>
               </a:rPr>
-              <a:t> previous iterations must finish first</a:t>
+              <a:t> x in the example</a:t>
             </a:r>
           </a:p>
           <a:p>
             <a:pPr lvl="1"/>
+            <a:r>
+              <a:rPr lang="en-US" dirty="0"/>
+              <a:t>Instructions to check loop exit or continue conditions </a:t>
+            </a:r>
             <a:r>
               <a:rPr lang="en-US" dirty="0">
                 <a:sym typeface="Wingdings" pitchFamily="2" charset="2"/>
               </a:rPr>
-              <a:t>Parallelizing this will yield incorrect results</a:t>
-            </a:r>
-          </a:p>
-          <a:p>
+              <a:t> Is x less than n/2?</a:t>
+            </a:r>
+          </a:p>
+          <a:p>
+            <a:pPr lvl="2"/>
             <a:r>
               <a:rPr lang="en-US" dirty="0">
                 <a:sym typeface="Wingdings" pitchFamily="2" charset="2"/>
               </a:rPr>
-              <a:t>Parallel code MUST yield the SAME result as the serial code</a:t>
-            </a:r>
-          </a:p>
-          <a:p>
-            <a:pPr lvl="1"/>
+              <a:t>Conditional Branches are VERY COSTLY in terms of hardware and performance</a:t>
+            </a:r>
+          </a:p>
+          <a:p>
             <a:r>
               <a:rPr lang="en-US" dirty="0">
                 <a:sym typeface="Wingdings" pitchFamily="2" charset="2"/>
               </a:rPr>
-              <a:t>It must be correct</a:t>
-            </a:r>
-          </a:p>
-          <a:p>
+              <a:t>Excellent fit for SIMD architectures --&gt; GPUs</a:t>
+            </a:r>
+          </a:p>
+          <a:p>
+            <a:pPr lvl="1"/>
             <a:r>
               <a:rPr lang="en-US" dirty="0">
                 <a:sym typeface="Wingdings" pitchFamily="2" charset="2"/>
               </a:rPr>
-              <a:t>Compilers are getting better at identifying these cases and not parallelizing the loop</a:t>
+              <a:t>Many math-based problems fall into this category</a:t>
             </a:r>
           </a:p>
           <a:p>
@@ -5873,130 +5956,172 @@
               <a:rPr lang="en-US" dirty="0">
                 <a:sym typeface="Wingdings" pitchFamily="2" charset="2"/>
               </a:rPr>
-              <a:t>Not all cases can be identified</a:t>
-            </a:r>
-          </a:p>
-          <a:p>
-            <a:pPr lvl="1"/>
-            <a:r>
-              <a:rPr lang="en-US" dirty="0"/>
-              <a:t>Not all compilers support this</a:t>
-            </a:r>
-          </a:p>
-        </p:txBody>
-      </p:sp>
-      <p:sp>
-        <p:nvSpPr>
-          <p:cNvPr id="4" name="Content Placeholder 3">
-            <a:extLst>
-              <a:ext uri="{FF2B5EF4-FFF2-40B4-BE49-F238E27FC236}">
-                <a16:creationId xmlns:a16="http://schemas.microsoft.com/office/drawing/2014/main" id="{2C4912CA-C88B-6647-81CF-AF64FBD53C9F}"/>
-              </a:ext>
-            </a:extLst>
-          </p:cNvPr>
-          <p:cNvSpPr>
-            <a:spLocks noGrp="1"/>
-          </p:cNvSpPr>
-          <p:nvPr>
-            <p:ph sz="half" idx="2"/>
-          </p:nvPr>
-        </p:nvSpPr>
-        <p:spPr/>
-        <p:txBody>
-          <a:bodyPr>
-            <a:normAutofit fontScale="85000" lnSpcReduction="20000"/>
+              <a:t>Do not forget vector instructions on CPUs</a:t>
+            </a:r>
+            <a:endParaRPr lang="en-US" dirty="0"/>
+          </a:p>
+        </p:txBody>
+      </p:sp>
+      <p:sp>
+        <p:nvSpPr>
+          <p:cNvPr id="5" name="TextBox 4">
+            <a:extLst>
+              <a:ext uri="{FF2B5EF4-FFF2-40B4-BE49-F238E27FC236}">
+                <a16:creationId xmlns:a16="http://schemas.microsoft.com/office/drawing/2014/main" xmlns="" id="{9D469FC4-2A24-A841-9FF3-4557BA4C03C3}"/>
+              </a:ext>
+            </a:extLst>
+          </p:cNvPr>
+          <p:cNvSpPr txBox="1"/>
+          <p:nvPr/>
+        </p:nvSpPr>
+        <p:spPr>
+          <a:xfrm>
+            <a:off x="8193560" y="1027906"/>
+            <a:ext cx="3348681" cy="2031325"/>
+          </a:xfrm>
+          <a:prstGeom prst="rect">
+            <a:avLst/>
+          </a:prstGeom>
+          <a:noFill/>
+        </p:spPr>
+        <p:txBody>
+          <a:bodyPr wrap="square" rtlCol="0">
+            <a:spAutoFit/>
           </a:bodyPr>
           <a:lstStyle/>
           <a:p>
-            <a:pPr marL="0" indent="0">
-              <a:buNone/>
-            </a:pPr>
-            <a:r>
-              <a:rPr lang="en-US" dirty="0"/>
-              <a:t>Loop Carried Dependency Example:</a:t>
-            </a:r>
-          </a:p>
-          <a:p>
-            <a:pPr marL="0" indent="0">
-              <a:buNone/>
-            </a:pPr>
+            <a:r>
+              <a:rPr lang="en-US" b="1" dirty="0"/>
+              <a:t>Original code - loop not unrolled</a:t>
+            </a:r>
+          </a:p>
+          <a:p>
             <a:endParaRPr lang="en-US" dirty="0"/>
           </a:p>
           <a:p>
-            <a:pPr marL="0" indent="0">
-              <a:buNone/>
-            </a:pPr>
+            <a:r>
+              <a:rPr lang="en-US" dirty="0"/>
+              <a:t>Array y is an array of integers</a:t>
+            </a:r>
+          </a:p>
+          <a:p>
+            <a:endParaRPr lang="en-US" dirty="0"/>
+          </a:p>
+          <a:p>
+            <a:r>
+              <a:rPr lang="en-US" dirty="0"/>
+              <a:t>FOR x = 1 to n </a:t>
+            </a:r>
+          </a:p>
+          <a:p>
+            <a:r>
+              <a:rPr lang="en-US" dirty="0"/>
+              <a:t>	y[x] </a:t>
+            </a:r>
+            <a:r>
+              <a:rPr lang="en-US" dirty="0">
+                <a:sym typeface="Wingdings" pitchFamily="2" charset="2"/>
+              </a:rPr>
+              <a:t> y[x] * 7</a:t>
+            </a:r>
+          </a:p>
+          <a:p>
+            <a:r>
+              <a:rPr lang="en-US" dirty="0">
+                <a:sym typeface="Wingdings" pitchFamily="2" charset="2"/>
+              </a:rPr>
+              <a:t>END FOR</a:t>
+            </a:r>
+            <a:endParaRPr lang="en-US" dirty="0"/>
+          </a:p>
+        </p:txBody>
+      </p:sp>
+      <p:sp>
+        <p:nvSpPr>
+          <p:cNvPr id="6" name="TextBox 5">
+            <a:extLst>
+              <a:ext uri="{FF2B5EF4-FFF2-40B4-BE49-F238E27FC236}">
+                <a16:creationId xmlns:a16="http://schemas.microsoft.com/office/drawing/2014/main" xmlns="" id="{5CF569F4-0E58-8140-BBA2-9F6A0D71CFC3}"/>
+              </a:ext>
+            </a:extLst>
+          </p:cNvPr>
+          <p:cNvSpPr txBox="1"/>
+          <p:nvPr/>
+        </p:nvSpPr>
+        <p:spPr>
+          <a:xfrm>
+            <a:off x="8193559" y="3719717"/>
+            <a:ext cx="3348681" cy="2308324"/>
+          </a:xfrm>
+          <a:prstGeom prst="rect">
+            <a:avLst/>
+          </a:prstGeom>
+          <a:noFill/>
+        </p:spPr>
+        <p:txBody>
+          <a:bodyPr wrap="square" rtlCol="0">
+            <a:spAutoFit/>
+          </a:bodyPr>
+          <a:lstStyle/>
+          <a:p>
             <a:r>
               <a:rPr lang="en-US" b="1" dirty="0"/>
+              <a:t>Loop unrolled 1 time</a:t>
+            </a:r>
+          </a:p>
+          <a:p>
+            <a:endParaRPr lang="en-US" dirty="0"/>
+          </a:p>
+          <a:p>
+            <a:r>
+              <a:rPr lang="en-US" dirty="0"/>
               <a:t>Array y is an array of integers</a:t>
             </a:r>
           </a:p>
           <a:p>
-            <a:pPr marL="0" indent="0">
-              <a:buNone/>
-            </a:pPr>
-            <a:r>
-              <a:rPr lang="en-US" b="1" dirty="0"/>
-              <a:t>FOR x = 1 to n </a:t>
-            </a:r>
-          </a:p>
-          <a:p>
-            <a:pPr marL="0" indent="0">
-              <a:buNone/>
-            </a:pPr>
-            <a:r>
-              <a:rPr lang="en-US" b="1" dirty="0"/>
-              <a:t>	y[x] </a:t>
-            </a:r>
-            <a:r>
-              <a:rPr lang="en-US" b="1" dirty="0">
+            <a:endParaRPr lang="en-US" dirty="0"/>
+          </a:p>
+          <a:p>
+            <a:r>
+              <a:rPr lang="en-US" dirty="0"/>
+              <a:t>FOR x = 1 to n/2 </a:t>
+            </a:r>
+          </a:p>
+          <a:p>
+            <a:r>
+              <a:rPr lang="en-US" dirty="0"/>
+              <a:t>    y[x] </a:t>
+            </a:r>
+            <a:r>
+              <a:rPr lang="en-US" dirty="0">
                 <a:sym typeface="Wingdings" pitchFamily="2" charset="2"/>
               </a:rPr>
-              <a:t> y[x-1]*y[x]</a:t>
-            </a:r>
-          </a:p>
-          <a:p>
-            <a:pPr marL="0" indent="0">
-              <a:buNone/>
-            </a:pPr>
-            <a:r>
-              <a:rPr lang="en-US" b="1" dirty="0">
+              <a:t> y[x] * 7</a:t>
+            </a:r>
+          </a:p>
+          <a:p>
+            <a:r>
+              <a:rPr lang="en-US" dirty="0">
                 <a:sym typeface="Wingdings" pitchFamily="2" charset="2"/>
               </a:rPr>
+              <a:t>    y[x+(n/2)]  y[x+(n/2)] * 7</a:t>
+            </a:r>
+          </a:p>
+          <a:p>
+            <a:r>
+              <a:rPr lang="en-US" dirty="0">
+                <a:sym typeface="Wingdings" pitchFamily="2" charset="2"/>
+              </a:rPr>
               <a:t>END FOR</a:t>
             </a:r>
-            <a:endParaRPr lang="en-US" b="1" dirty="0"/>
-          </a:p>
-          <a:p>
-            <a:pPr marL="0" indent="0">
-              <a:buNone/>
-            </a:pPr>
-            <a:r>
-              <a:rPr lang="en-US" dirty="0"/>
-              <a:t>	</a:t>
-            </a:r>
-          </a:p>
-          <a:p>
-            <a:pPr marL="0" indent="0">
-              <a:buNone/>
-            </a:pPr>
             <a:endParaRPr lang="en-US" dirty="0"/>
-          </a:p>
-          <a:p>
-            <a:pPr marL="0" indent="0">
-              <a:buNone/>
-            </a:pPr>
-            <a:r>
-              <a:rPr lang="en-US" dirty="0"/>
-              <a:t>Note: Dependencies may be multi-level and difficult to spot for the compiler and the human (coder)</a:t>
-            </a:r>
           </a:p>
         </p:txBody>
       </p:sp>
     </p:spTree>
     <p:extLst>
       <p:ext uri="{BB962C8B-B14F-4D97-AF65-F5344CB8AC3E}">
-        <p14:creationId xmlns:p14="http://schemas.microsoft.com/office/powerpoint/2010/main" val="3557354615"/>
+        <p14:creationId xmlns:p14="http://schemas.microsoft.com/office/powerpoint/2010/main" val="3719610131"/>
       </p:ext>
     </p:extLst>
   </p:cSld>
@@ -6028,7 +6153,7 @@
           <p:cNvPr id="2" name="Title 1">
             <a:extLst>
               <a:ext uri="{FF2B5EF4-FFF2-40B4-BE49-F238E27FC236}">
-                <a16:creationId xmlns:a16="http://schemas.microsoft.com/office/drawing/2014/main" id="{1338DCB2-012A-234F-AB76-62D1EDB80C0A}"/>
+                <a16:creationId xmlns:a16="http://schemas.microsoft.com/office/drawing/2014/main" xmlns="" id="{DCAB9D5F-399F-2447-8D5B-C6492D2B212C}"/>
               </a:ext>
             </a:extLst>
           </p:cNvPr>
@@ -6046,97 +6171,216 @@
           <a:p>
             <a:r>
               <a:rPr lang="en-US" dirty="0"/>
-              <a:t>Employing Foster’s Methodology (1)</a:t>
-            </a:r>
-          </a:p>
-        </p:txBody>
-      </p:sp>
-      <p:sp>
-        <p:nvSpPr>
-          <p:cNvPr id="5" name="Content Placeholder 4">
-            <a:extLst>
-              <a:ext uri="{FF2B5EF4-FFF2-40B4-BE49-F238E27FC236}">
-                <a16:creationId xmlns:a16="http://schemas.microsoft.com/office/drawing/2014/main" id="{F3A71BD2-D0B2-414D-B1FF-45412EF619E2}"/>
-              </a:ext>
-            </a:extLst>
-          </p:cNvPr>
-          <p:cNvSpPr>
-            <a:spLocks noGrp="1"/>
-          </p:cNvSpPr>
-          <p:nvPr>
-            <p:ph idx="1"/>
-          </p:nvPr>
-        </p:nvSpPr>
-        <p:spPr/>
-        <p:txBody>
-          <a:bodyPr/>
-          <a:lstStyle/>
-          <a:p>
-            <a:r>
-              <a:rPr lang="en-US" dirty="0"/>
-              <a:t>Parallelize matrix multiplication</a:t>
+              <a:t>Loop Carried Dependencies</a:t>
+            </a:r>
+          </a:p>
+        </p:txBody>
+      </p:sp>
+      <p:sp>
+        <p:nvSpPr>
+          <p:cNvPr id="3" name="Content Placeholder 2">
+            <a:extLst>
+              <a:ext uri="{FF2B5EF4-FFF2-40B4-BE49-F238E27FC236}">
+                <a16:creationId xmlns:a16="http://schemas.microsoft.com/office/drawing/2014/main" xmlns="" id="{F8FBDEEA-28B8-344C-B93C-39C5553D4EA3}"/>
+              </a:ext>
+            </a:extLst>
+          </p:cNvPr>
+          <p:cNvSpPr>
+            <a:spLocks noGrp="1"/>
+          </p:cNvSpPr>
+          <p:nvPr>
+            <p:ph sz="half" idx="1"/>
+          </p:nvPr>
+        </p:nvSpPr>
+        <p:spPr/>
+        <p:txBody>
+          <a:bodyPr>
+            <a:normAutofit fontScale="92500" lnSpcReduction="20000"/>
+          </a:bodyPr>
+          <a:lstStyle/>
+          <a:p>
+            <a:r>
+              <a:rPr lang="en-US" dirty="0"/>
+              <a:t>Iteration X depends on data from iteration (X-1)</a:t>
             </a:r>
           </a:p>
           <a:p>
             <a:pPr lvl="1"/>
             <a:r>
               <a:rPr lang="en-US" dirty="0"/>
-              <a:t>Multiply 2, N x N matrices, A </a:t>
+              <a:t>Serialization is enforced </a:t>
             </a:r>
             <a:r>
               <a:rPr lang="en-US" dirty="0">
                 <a:sym typeface="Wingdings" pitchFamily="2" charset="2"/>
               </a:rPr>
-              <a:t> B x C</a:t>
-            </a:r>
+              <a:t> previous iterations must finish first</a:t>
+            </a:r>
+          </a:p>
+          <a:p>
+            <a:pPr lvl="1"/>
+            <a:r>
+              <a:rPr lang="en-US" dirty="0">
+                <a:sym typeface="Wingdings" pitchFamily="2" charset="2"/>
+              </a:rPr>
+              <a:t>Parallelizing this will yield incorrect results</a:t>
+            </a:r>
+          </a:p>
+          <a:p>
+            <a:r>
+              <a:rPr lang="en-US" dirty="0">
+                <a:sym typeface="Wingdings" pitchFamily="2" charset="2"/>
+              </a:rPr>
+              <a:t>Parallel code MUST yield the SAME result as the serial code</a:t>
+            </a:r>
+          </a:p>
+          <a:p>
+            <a:pPr lvl="1"/>
+            <a:r>
+              <a:rPr lang="en-US" dirty="0">
+                <a:sym typeface="Wingdings" pitchFamily="2" charset="2"/>
+              </a:rPr>
+              <a:t>It must be correct</a:t>
+            </a:r>
+          </a:p>
+          <a:p>
+            <a:r>
+              <a:rPr lang="en-US" dirty="0">
+                <a:sym typeface="Wingdings" pitchFamily="2" charset="2"/>
+              </a:rPr>
+              <a:t>Compilers are getting better at identifying these cases and not parallelizing the loop</a:t>
+            </a:r>
+          </a:p>
+          <a:p>
+            <a:pPr lvl="1"/>
+            <a:r>
+              <a:rPr lang="en-US" dirty="0">
+                <a:sym typeface="Wingdings" pitchFamily="2" charset="2"/>
+              </a:rPr>
+              <a:t>Not all cases can be identified</a:t>
+            </a:r>
+          </a:p>
+          <a:p>
+            <a:pPr lvl="1"/>
+            <a:r>
+              <a:rPr lang="en-US" dirty="0"/>
+              <a:t>Not all compilers support this</a:t>
+            </a:r>
+          </a:p>
+        </p:txBody>
+      </p:sp>
+      <p:sp>
+        <p:nvSpPr>
+          <p:cNvPr id="4" name="Content Placeholder 3">
+            <a:extLst>
+              <a:ext uri="{FF2B5EF4-FFF2-40B4-BE49-F238E27FC236}">
+                <a16:creationId xmlns:a16="http://schemas.microsoft.com/office/drawing/2014/main" xmlns="" id="{2C4912CA-C88B-6647-81CF-AF64FBD53C9F}"/>
+              </a:ext>
+            </a:extLst>
+          </p:cNvPr>
+          <p:cNvSpPr>
+            <a:spLocks noGrp="1"/>
+          </p:cNvSpPr>
+          <p:nvPr>
+            <p:ph sz="half" idx="2"/>
+          </p:nvPr>
+        </p:nvSpPr>
+        <p:spPr/>
+        <p:txBody>
+          <a:bodyPr>
+            <a:normAutofit fontScale="92500" lnSpcReduction="20000"/>
+          </a:bodyPr>
+          <a:lstStyle/>
+          <a:p>
+            <a:pPr marL="0" indent="0">
+              <a:buNone/>
+            </a:pPr>
+            <a:r>
+              <a:rPr lang="en-US" dirty="0"/>
+              <a:t>Loop Carried Dependency Example:</a:t>
+            </a:r>
+          </a:p>
+          <a:p>
+            <a:pPr marL="0" indent="0">
+              <a:buNone/>
+            </a:pPr>
             <a:endParaRPr lang="en-US" dirty="0"/>
           </a:p>
           <a:p>
-            <a:r>
-              <a:rPr lang="en-US" dirty="0"/>
-              <a:t>Step 1: Partitioning</a:t>
-            </a:r>
-          </a:p>
-          <a:p>
-            <a:pPr lvl="1"/>
-            <a:r>
-              <a:rPr lang="en-US" dirty="0"/>
-              <a:t>Domain or Functional Decomposition? Both?</a:t>
-            </a:r>
-          </a:p>
-          <a:p>
-            <a:pPr lvl="2"/>
-            <a:r>
-              <a:rPr lang="en-US" dirty="0"/>
-              <a:t>1) Multiply row of B by a column of C</a:t>
-            </a:r>
-          </a:p>
-          <a:p>
-            <a:pPr lvl="2"/>
-            <a:r>
-              <a:rPr lang="en-US" dirty="0"/>
-              <a:t>2) Sum the product vector together to get 1 element of A</a:t>
-            </a:r>
-          </a:p>
-          <a:p>
+            <a:pPr marL="0" indent="0">
+              <a:buNone/>
+            </a:pPr>
+            <a:r>
+              <a:rPr lang="en-US" b="1" dirty="0"/>
+              <a:t>Array y is an array of integers</a:t>
+            </a:r>
+          </a:p>
+          <a:p>
+            <a:pPr marL="0" indent="0">
+              <a:buNone/>
+            </a:pPr>
+            <a:r>
+              <a:rPr lang="en-US" b="1" dirty="0"/>
+              <a:t>FOR x = 1 to n </a:t>
+            </a:r>
+          </a:p>
+          <a:p>
+            <a:pPr marL="0" indent="0">
+              <a:buNone/>
+            </a:pPr>
+            <a:r>
+              <a:rPr lang="en-US" b="1" dirty="0"/>
+              <a:t>	y[x] </a:t>
+            </a:r>
+            <a:r>
+              <a:rPr lang="en-US" b="1" dirty="0">
+                <a:sym typeface="Wingdings" pitchFamily="2" charset="2"/>
+              </a:rPr>
+              <a:t> y[x-1]*y[x]</a:t>
+            </a:r>
+          </a:p>
+          <a:p>
+            <a:pPr marL="0" indent="0">
+              <a:buNone/>
+            </a:pPr>
+            <a:r>
+              <a:rPr lang="en-US" b="1" dirty="0">
+                <a:sym typeface="Wingdings" pitchFamily="2" charset="2"/>
+              </a:rPr>
+              <a:t>END FOR</a:t>
+            </a:r>
+            <a:endParaRPr lang="en-US" b="1" dirty="0"/>
+          </a:p>
+          <a:p>
+            <a:pPr marL="0" indent="0">
+              <a:buNone/>
+            </a:pPr>
+            <a:r>
+              <a:rPr lang="en-US" dirty="0"/>
+              <a:t>	</a:t>
+            </a:r>
+          </a:p>
+          <a:p>
+            <a:pPr marL="0" indent="0">
+              <a:buNone/>
+            </a:pPr>
             <a:endParaRPr lang="en-US" dirty="0"/>
           </a:p>
           <a:p>
-            <a:r>
-              <a:rPr lang="en-US" dirty="0"/>
-              <a:t>Develop a partitioning strategy for this problem.</a:t>
-            </a:r>
-          </a:p>
-          <a:p>
-            <a:pPr lvl="1"/>
-            <a:endParaRPr lang="en-US" dirty="0"/>
+            <a:pPr marL="0" indent="0">
+              <a:buNone/>
+            </a:pPr>
+            <a:r>
+              <a:rPr lang="en-US" dirty="0"/>
+              <a:t>Note: Dependencies may be multi-level and difficult to spot for the compiler and the human (coder)</a:t>
+            </a:r>
           </a:p>
         </p:txBody>
       </p:sp>
     </p:spTree>
     <p:extLst>
       <p:ext uri="{BB962C8B-B14F-4D97-AF65-F5344CB8AC3E}">
-        <p14:creationId xmlns:p14="http://schemas.microsoft.com/office/powerpoint/2010/main" val="3239219653"/>
+        <p14:creationId xmlns:p14="http://schemas.microsoft.com/office/powerpoint/2010/main" val="3557354615"/>
       </p:ext>
     </p:extLst>
   </p:cSld>
@@ -6168,7 +6412,7 @@
           <p:cNvPr id="2" name="Title 1">
             <a:extLst>
               <a:ext uri="{FF2B5EF4-FFF2-40B4-BE49-F238E27FC236}">
-                <a16:creationId xmlns:a16="http://schemas.microsoft.com/office/drawing/2014/main" id="{1338DCB2-012A-234F-AB76-62D1EDB80C0A}"/>
+                <a16:creationId xmlns:a16="http://schemas.microsoft.com/office/drawing/2014/main" xmlns="" id="{1338DCB2-012A-234F-AB76-62D1EDB80C0A}"/>
               </a:ext>
             </a:extLst>
           </p:cNvPr>
@@ -6186,7 +6430,7 @@
           <a:p>
             <a:r>
               <a:rPr lang="en-US" dirty="0"/>
-              <a:t>Employing Foster’s Methodology (2)</a:t>
+              <a:t>Employing Foster’s Methodology (1)</a:t>
             </a:r>
           </a:p>
         </p:txBody>
@@ -6196,7 +6440,7 @@
           <p:cNvPr id="5" name="Content Placeholder 4">
             <a:extLst>
               <a:ext uri="{FF2B5EF4-FFF2-40B4-BE49-F238E27FC236}">
-                <a16:creationId xmlns:a16="http://schemas.microsoft.com/office/drawing/2014/main" id="{F3A71BD2-D0B2-414D-B1FF-45412EF619E2}"/>
+                <a16:creationId xmlns:a16="http://schemas.microsoft.com/office/drawing/2014/main" xmlns="" id="{F3A71BD2-D0B2-414D-B1FF-45412EF619E2}"/>
               </a:ext>
             </a:extLst>
           </p:cNvPr>
@@ -6209,9 +6453,7 @@
         </p:nvSpPr>
         <p:spPr/>
         <p:txBody>
-          <a:bodyPr>
-            <a:normAutofit/>
-          </a:bodyPr>
+          <a:bodyPr/>
           <a:lstStyle/>
           <a:p>
             <a:r>
@@ -6236,42 +6478,28 @@
           <a:p>
             <a:r>
               <a:rPr lang="en-US" dirty="0"/>
-              <a:t>Step 2: Communication</a:t>
+              <a:t>Step 1: Partitioning</a:t>
             </a:r>
           </a:p>
           <a:p>
             <a:pPr lvl="1"/>
             <a:r>
               <a:rPr lang="en-US" dirty="0"/>
-              <a:t>What messages must be communicated between tasks?</a:t>
-            </a:r>
-          </a:p>
-          <a:p>
-            <a:pPr lvl="1"/>
-            <a:r>
-              <a:rPr lang="en-US" dirty="0"/>
-              <a:t>What data must be shared?</a:t>
-            </a:r>
-          </a:p>
-          <a:p>
-            <a:pPr lvl="1"/>
-            <a:r>
-              <a:rPr lang="en-US" dirty="0"/>
-              <a:t>Is communication overhead too large?</a:t>
-            </a:r>
-          </a:p>
-          <a:p>
-            <a:pPr lvl="1"/>
-            <a:r>
-              <a:rPr lang="en-US" dirty="0"/>
-              <a:t>Can communication overhead be reduced/minimized?  If so, how?</a:t>
+              <a:t>Domain or Functional Decomposition? Both?</a:t>
             </a:r>
           </a:p>
           <a:p>
             <a:pPr lvl="2"/>
             <a:r>
               <a:rPr lang="en-US" dirty="0"/>
-              <a:t>Look at other methods for computing the product of 2 matrices.</a:t>
+              <a:t>1) Multiply row of B by a column of C</a:t>
+            </a:r>
+          </a:p>
+          <a:p>
+            <a:pPr lvl="2"/>
+            <a:r>
+              <a:rPr lang="en-US" dirty="0"/>
+              <a:t>2) Sum the product vector together to get 1 element of A</a:t>
             </a:r>
           </a:p>
           <a:p>
@@ -6280,7 +6508,7 @@
           <a:p>
             <a:r>
               <a:rPr lang="en-US" dirty="0"/>
-              <a:t>Develop a communication strategy for this problem.</a:t>
+              <a:t>Develop a partitioning strategy for this problem.</a:t>
             </a:r>
           </a:p>
           <a:p>
@@ -6292,7 +6520,7 @@
     </p:spTree>
     <p:extLst>
       <p:ext uri="{BB962C8B-B14F-4D97-AF65-F5344CB8AC3E}">
-        <p14:creationId xmlns:p14="http://schemas.microsoft.com/office/powerpoint/2010/main" val="1943512692"/>
+        <p14:creationId xmlns:p14="http://schemas.microsoft.com/office/powerpoint/2010/main" val="3239219653"/>
       </p:ext>
     </p:extLst>
   </p:cSld>
@@ -6324,7 +6552,7 @@
           <p:cNvPr id="2" name="Title 1">
             <a:extLst>
               <a:ext uri="{FF2B5EF4-FFF2-40B4-BE49-F238E27FC236}">
-                <a16:creationId xmlns:a16="http://schemas.microsoft.com/office/drawing/2014/main" id="{1338DCB2-012A-234F-AB76-62D1EDB80C0A}"/>
+                <a16:creationId xmlns:a16="http://schemas.microsoft.com/office/drawing/2014/main" xmlns="" id="{1338DCB2-012A-234F-AB76-62D1EDB80C0A}"/>
               </a:ext>
             </a:extLst>
           </p:cNvPr>
@@ -6342,7 +6570,7 @@
           <a:p>
             <a:r>
               <a:rPr lang="en-US" dirty="0"/>
-              <a:t>Employing Foster’s Methodology (3)</a:t>
+              <a:t>Employing Foster’s Methodology (2)</a:t>
             </a:r>
           </a:p>
         </p:txBody>
@@ -6352,7 +6580,7 @@
           <p:cNvPr id="5" name="Content Placeholder 4">
             <a:extLst>
               <a:ext uri="{FF2B5EF4-FFF2-40B4-BE49-F238E27FC236}">
-                <a16:creationId xmlns:a16="http://schemas.microsoft.com/office/drawing/2014/main" id="{F3A71BD2-D0B2-414D-B1FF-45412EF619E2}"/>
+                <a16:creationId xmlns:a16="http://schemas.microsoft.com/office/drawing/2014/main" xmlns="" id="{F3A71BD2-D0B2-414D-B1FF-45412EF619E2}"/>
               </a:ext>
             </a:extLst>
           </p:cNvPr>
@@ -6392,35 +6620,42 @@
           <a:p>
             <a:r>
               <a:rPr lang="en-US" dirty="0"/>
-              <a:t>Step 3: Agglomeration</a:t>
+              <a:t>Step 2: Communication</a:t>
             </a:r>
           </a:p>
           <a:p>
             <a:pPr lvl="1"/>
             <a:r>
               <a:rPr lang="en-US" dirty="0"/>
-              <a:t>What architecture(s) would be well suited for this problem?</a:t>
+              <a:t>What messages must be communicated between tasks?</a:t>
             </a:r>
           </a:p>
           <a:p>
             <a:pPr lvl="1"/>
             <a:r>
               <a:rPr lang="en-US" dirty="0"/>
-              <a:t>How will you map tasks to processes?</a:t>
+              <a:t>What data must be shared?</a:t>
             </a:r>
           </a:p>
           <a:p>
             <a:pPr lvl="1"/>
             <a:r>
               <a:rPr lang="en-US" dirty="0"/>
-              <a:t>What are the data sharing and communication needs with the grouping?</a:t>
+              <a:t>Is communication overhead too large?</a:t>
             </a:r>
           </a:p>
           <a:p>
             <a:pPr lvl="1"/>
             <a:r>
               <a:rPr lang="en-US" dirty="0"/>
-              <a:t>Can the approach easily adapt to different numbers of processing elements?  If not, what can be done to make it more adaptable?</a:t>
+              <a:t>Can communication overhead be reduced/minimized?  If so, how?</a:t>
+            </a:r>
+          </a:p>
+          <a:p>
+            <a:pPr lvl="2"/>
+            <a:r>
+              <a:rPr lang="en-US" dirty="0"/>
+              <a:t>Look at other methods for computing the product of 2 matrices.</a:t>
             </a:r>
           </a:p>
           <a:p>
@@ -6429,7 +6664,7 @@
           <a:p>
             <a:r>
               <a:rPr lang="en-US" dirty="0"/>
-              <a:t>Develop an agglomeration strategy for this problem.</a:t>
+              <a:t>Develop a communication strategy for this problem.</a:t>
             </a:r>
           </a:p>
           <a:p>
@@ -6441,7 +6676,7 @@
     </p:spTree>
     <p:extLst>
       <p:ext uri="{BB962C8B-B14F-4D97-AF65-F5344CB8AC3E}">
-        <p14:creationId xmlns:p14="http://schemas.microsoft.com/office/powerpoint/2010/main" val="624568426"/>
+        <p14:creationId xmlns:p14="http://schemas.microsoft.com/office/powerpoint/2010/main" val="1943512692"/>
       </p:ext>
     </p:extLst>
   </p:cSld>

--- a/units/3/lessons/2/resources/petascale-lesson-3.2-slides.pptx
+++ b/units/3/lessons/2/resources/petascale-lesson-3.2-slides.pptx
@@ -9,7 +9,7 @@
   </p:notesMasterIdLst>
   <p:sldIdLst>
     <p:sldId id="267" r:id="rId2"/>
-    <p:sldId id="268" r:id="rId3"/>
+    <p:sldId id="269" r:id="rId3"/>
     <p:sldId id="257" r:id="rId4"/>
     <p:sldId id="258" r:id="rId5"/>
     <p:sldId id="260" r:id="rId6"/>
@@ -123,7 +123,7 @@
       <p15:sldGuideLst xmlns:p15="http://schemas.microsoft.com/office/powerpoint/2012/main"/>
     </p:ext>
     <p:ext uri="http://customooxmlschemas.google.com/">
-      <go:slidesCustomData xmlns:go="http://customooxmlschemas.google.com/" xmlns:p15="http://schemas.microsoft.com/office/powerpoint/2012/main" xmlns="" roundtripDataSignature="AMtx7miZKwWUxkAaWF5r4Rzu1Etcp9mvfw==" r:id="rId19"/>
+      <go:slidesCustomData xmlns="" xmlns:p15="http://schemas.microsoft.com/office/powerpoint/2012/main" xmlns:go="http://customooxmlschemas.google.com/" roundtripDataSignature="AMtx7miZKwWUxkAaWF5r4Rzu1Etcp9mvfw==" r:id="rId19"/>
     </p:ext>
   </p:extLst>
 </p:presentation>
@@ -217,7 +217,7 @@
           <a:p>
             <a:fld id="{9D2233A4-FC15-9C45-9E8A-6539F0301A2B}" type="datetimeFigureOut">
               <a:rPr lang="en-US" smtClean="0"/>
-              <a:t>9/12/20</a:t>
+              <a:t>10/11/20</a:t>
             </a:fld>
             <a:endParaRPr lang="en-US"/>
           </a:p>
@@ -1161,7 +1161,7 @@
           <p:cNvPr id="2" name="Title 1">
             <a:extLst>
               <a:ext uri="{FF2B5EF4-FFF2-40B4-BE49-F238E27FC236}">
-                <a16:creationId xmlns:a16="http://schemas.microsoft.com/office/drawing/2014/main" xmlns="" id="{C69F3E30-9DAE-B248-95F2-B196574891A9}"/>
+                <a16:creationId xmlns="" xmlns:a16="http://schemas.microsoft.com/office/drawing/2014/main" id="{C69F3E30-9DAE-B248-95F2-B196574891A9}"/>
               </a:ext>
             </a:extLst>
           </p:cNvPr>
@@ -1198,7 +1198,7 @@
           <p:cNvPr id="3" name="Subtitle 2">
             <a:extLst>
               <a:ext uri="{FF2B5EF4-FFF2-40B4-BE49-F238E27FC236}">
-                <a16:creationId xmlns:a16="http://schemas.microsoft.com/office/drawing/2014/main" xmlns="" id="{666C0E6C-7175-114C-AECB-287536B6694A}"/>
+                <a16:creationId xmlns="" xmlns:a16="http://schemas.microsoft.com/office/drawing/2014/main" id="{666C0E6C-7175-114C-AECB-287536B6694A}"/>
               </a:ext>
             </a:extLst>
           </p:cNvPr>
@@ -1268,7 +1268,7 @@
           <p:cNvPr id="4" name="Date Placeholder 3">
             <a:extLst>
               <a:ext uri="{FF2B5EF4-FFF2-40B4-BE49-F238E27FC236}">
-                <a16:creationId xmlns:a16="http://schemas.microsoft.com/office/drawing/2014/main" xmlns="" id="{A8453C2F-153D-A440-BD44-E4D2C3FA2C5C}"/>
+                <a16:creationId xmlns="" xmlns:a16="http://schemas.microsoft.com/office/drawing/2014/main" id="{A8453C2F-153D-A440-BD44-E4D2C3FA2C5C}"/>
               </a:ext>
             </a:extLst>
           </p:cNvPr>
@@ -1286,7 +1286,7 @@
           <a:p>
             <a:fld id="{0B94BCDE-ACBC-3C45-AF5C-8C9E935CDCC4}" type="datetimeFigureOut">
               <a:rPr lang="en-US" smtClean="0"/>
-              <a:t>9/12/20</a:t>
+              <a:t>10/11/20</a:t>
             </a:fld>
             <a:endParaRPr lang="en-US"/>
           </a:p>
@@ -1297,7 +1297,7 @@
           <p:cNvPr id="5" name="Footer Placeholder 4">
             <a:extLst>
               <a:ext uri="{FF2B5EF4-FFF2-40B4-BE49-F238E27FC236}">
-                <a16:creationId xmlns:a16="http://schemas.microsoft.com/office/drawing/2014/main" xmlns="" id="{0F4092F2-02D0-6B49-8A9C-94FAA50B2B43}"/>
+                <a16:creationId xmlns="" xmlns:a16="http://schemas.microsoft.com/office/drawing/2014/main" id="{0F4092F2-02D0-6B49-8A9C-94FAA50B2B43}"/>
               </a:ext>
             </a:extLst>
           </p:cNvPr>
@@ -1322,7 +1322,7 @@
           <p:cNvPr id="6" name="Slide Number Placeholder 5">
             <a:extLst>
               <a:ext uri="{FF2B5EF4-FFF2-40B4-BE49-F238E27FC236}">
-                <a16:creationId xmlns:a16="http://schemas.microsoft.com/office/drawing/2014/main" xmlns="" id="{F06E43E8-FC42-0A43-BEE8-39481ED868DB}"/>
+                <a16:creationId xmlns="" xmlns:a16="http://schemas.microsoft.com/office/drawing/2014/main" id="{F06E43E8-FC42-0A43-BEE8-39481ED868DB}"/>
               </a:ext>
             </a:extLst>
           </p:cNvPr>
@@ -1381,7 +1381,7 @@
           <p:cNvPr id="2" name="Title 1">
             <a:extLst>
               <a:ext uri="{FF2B5EF4-FFF2-40B4-BE49-F238E27FC236}">
-                <a16:creationId xmlns:a16="http://schemas.microsoft.com/office/drawing/2014/main" xmlns="" id="{772A89F6-AC93-F541-A552-578CE08352FC}"/>
+                <a16:creationId xmlns="" xmlns:a16="http://schemas.microsoft.com/office/drawing/2014/main" id="{772A89F6-AC93-F541-A552-578CE08352FC}"/>
               </a:ext>
             </a:extLst>
           </p:cNvPr>
@@ -1409,7 +1409,7 @@
           <p:cNvPr id="3" name="Vertical Text Placeholder 2">
             <a:extLst>
               <a:ext uri="{FF2B5EF4-FFF2-40B4-BE49-F238E27FC236}">
-                <a16:creationId xmlns:a16="http://schemas.microsoft.com/office/drawing/2014/main" xmlns="" id="{88F9A04B-37BB-FF47-8F71-051BDEB6392A}"/>
+                <a16:creationId xmlns="" xmlns:a16="http://schemas.microsoft.com/office/drawing/2014/main" id="{88F9A04B-37BB-FF47-8F71-051BDEB6392A}"/>
               </a:ext>
             </a:extLst>
           </p:cNvPr>
@@ -1466,7 +1466,7 @@
           <p:cNvPr id="4" name="Date Placeholder 3">
             <a:extLst>
               <a:ext uri="{FF2B5EF4-FFF2-40B4-BE49-F238E27FC236}">
-                <a16:creationId xmlns:a16="http://schemas.microsoft.com/office/drawing/2014/main" xmlns="" id="{3B4BE75C-32A5-3A49-B749-F4CF2DE82B55}"/>
+                <a16:creationId xmlns="" xmlns:a16="http://schemas.microsoft.com/office/drawing/2014/main" id="{3B4BE75C-32A5-3A49-B749-F4CF2DE82B55}"/>
               </a:ext>
             </a:extLst>
           </p:cNvPr>
@@ -1484,7 +1484,7 @@
           <a:p>
             <a:fld id="{0B94BCDE-ACBC-3C45-AF5C-8C9E935CDCC4}" type="datetimeFigureOut">
               <a:rPr lang="en-US" smtClean="0"/>
-              <a:t>9/12/20</a:t>
+              <a:t>10/11/20</a:t>
             </a:fld>
             <a:endParaRPr lang="en-US"/>
           </a:p>
@@ -1495,7 +1495,7 @@
           <p:cNvPr id="5" name="Footer Placeholder 4">
             <a:extLst>
               <a:ext uri="{FF2B5EF4-FFF2-40B4-BE49-F238E27FC236}">
-                <a16:creationId xmlns:a16="http://schemas.microsoft.com/office/drawing/2014/main" xmlns="" id="{3F6E90D6-D486-5F40-89AC-61CCC778E3A4}"/>
+                <a16:creationId xmlns="" xmlns:a16="http://schemas.microsoft.com/office/drawing/2014/main" id="{3F6E90D6-D486-5F40-89AC-61CCC778E3A4}"/>
               </a:ext>
             </a:extLst>
           </p:cNvPr>
@@ -1520,7 +1520,7 @@
           <p:cNvPr id="6" name="Slide Number Placeholder 5">
             <a:extLst>
               <a:ext uri="{FF2B5EF4-FFF2-40B4-BE49-F238E27FC236}">
-                <a16:creationId xmlns:a16="http://schemas.microsoft.com/office/drawing/2014/main" xmlns="" id="{7D7DFAF8-1581-8040-A4D8-0193C82806BA}"/>
+                <a16:creationId xmlns="" xmlns:a16="http://schemas.microsoft.com/office/drawing/2014/main" id="{7D7DFAF8-1581-8040-A4D8-0193C82806BA}"/>
               </a:ext>
             </a:extLst>
           </p:cNvPr>
@@ -1579,7 +1579,7 @@
           <p:cNvPr id="2" name="Vertical Title 1">
             <a:extLst>
               <a:ext uri="{FF2B5EF4-FFF2-40B4-BE49-F238E27FC236}">
-                <a16:creationId xmlns:a16="http://schemas.microsoft.com/office/drawing/2014/main" xmlns="" id="{4DD0EFAC-4BA5-5043-A2D3-BAB4A6CEF2AC}"/>
+                <a16:creationId xmlns="" xmlns:a16="http://schemas.microsoft.com/office/drawing/2014/main" id="{4DD0EFAC-4BA5-5043-A2D3-BAB4A6CEF2AC}"/>
               </a:ext>
             </a:extLst>
           </p:cNvPr>
@@ -1612,7 +1612,7 @@
           <p:cNvPr id="3" name="Vertical Text Placeholder 2">
             <a:extLst>
               <a:ext uri="{FF2B5EF4-FFF2-40B4-BE49-F238E27FC236}">
-                <a16:creationId xmlns:a16="http://schemas.microsoft.com/office/drawing/2014/main" xmlns="" id="{3F063606-9FE0-D045-9413-8F792936EEF6}"/>
+                <a16:creationId xmlns="" xmlns:a16="http://schemas.microsoft.com/office/drawing/2014/main" id="{3F063606-9FE0-D045-9413-8F792936EEF6}"/>
               </a:ext>
             </a:extLst>
           </p:cNvPr>
@@ -1674,7 +1674,7 @@
           <p:cNvPr id="4" name="Date Placeholder 3">
             <a:extLst>
               <a:ext uri="{FF2B5EF4-FFF2-40B4-BE49-F238E27FC236}">
-                <a16:creationId xmlns:a16="http://schemas.microsoft.com/office/drawing/2014/main" xmlns="" id="{D8A2859F-FD0C-2845-9ABD-2AC4CD7F6749}"/>
+                <a16:creationId xmlns="" xmlns:a16="http://schemas.microsoft.com/office/drawing/2014/main" id="{D8A2859F-FD0C-2845-9ABD-2AC4CD7F6749}"/>
               </a:ext>
             </a:extLst>
           </p:cNvPr>
@@ -1692,7 +1692,7 @@
           <a:p>
             <a:fld id="{0B94BCDE-ACBC-3C45-AF5C-8C9E935CDCC4}" type="datetimeFigureOut">
               <a:rPr lang="en-US" smtClean="0"/>
-              <a:t>9/12/20</a:t>
+              <a:t>10/11/20</a:t>
             </a:fld>
             <a:endParaRPr lang="en-US"/>
           </a:p>
@@ -1703,7 +1703,7 @@
           <p:cNvPr id="5" name="Footer Placeholder 4">
             <a:extLst>
               <a:ext uri="{FF2B5EF4-FFF2-40B4-BE49-F238E27FC236}">
-                <a16:creationId xmlns:a16="http://schemas.microsoft.com/office/drawing/2014/main" xmlns="" id="{B04C8104-4704-F546-A24E-A6034CC6C634}"/>
+                <a16:creationId xmlns="" xmlns:a16="http://schemas.microsoft.com/office/drawing/2014/main" id="{B04C8104-4704-F546-A24E-A6034CC6C634}"/>
               </a:ext>
             </a:extLst>
           </p:cNvPr>
@@ -1728,7 +1728,7 @@
           <p:cNvPr id="6" name="Slide Number Placeholder 5">
             <a:extLst>
               <a:ext uri="{FF2B5EF4-FFF2-40B4-BE49-F238E27FC236}">
-                <a16:creationId xmlns:a16="http://schemas.microsoft.com/office/drawing/2014/main" xmlns="" id="{B8B6131A-A591-734A-B566-F4793079EB9F}"/>
+                <a16:creationId xmlns="" xmlns:a16="http://schemas.microsoft.com/office/drawing/2014/main" id="{B8B6131A-A591-734A-B566-F4793079EB9F}"/>
               </a:ext>
             </a:extLst>
           </p:cNvPr>
@@ -1787,7 +1787,7 @@
           <p:cNvPr id="2" name="Title 1">
             <a:extLst>
               <a:ext uri="{FF2B5EF4-FFF2-40B4-BE49-F238E27FC236}">
-                <a16:creationId xmlns:a16="http://schemas.microsoft.com/office/drawing/2014/main" xmlns="" id="{DBCAA18C-653D-D04B-BF33-B637E88F80A7}"/>
+                <a16:creationId xmlns="" xmlns:a16="http://schemas.microsoft.com/office/drawing/2014/main" id="{DBCAA18C-653D-D04B-BF33-B637E88F80A7}"/>
               </a:ext>
             </a:extLst>
           </p:cNvPr>
@@ -1815,7 +1815,7 @@
           <p:cNvPr id="3" name="Content Placeholder 2">
             <a:extLst>
               <a:ext uri="{FF2B5EF4-FFF2-40B4-BE49-F238E27FC236}">
-                <a16:creationId xmlns:a16="http://schemas.microsoft.com/office/drawing/2014/main" xmlns="" id="{D3AAEBB2-354C-E34A-B4BC-EF343342A3D2}"/>
+                <a16:creationId xmlns="" xmlns:a16="http://schemas.microsoft.com/office/drawing/2014/main" id="{D3AAEBB2-354C-E34A-B4BC-EF343342A3D2}"/>
               </a:ext>
             </a:extLst>
           </p:cNvPr>
@@ -1872,7 +1872,7 @@
           <p:cNvPr id="4" name="Date Placeholder 3">
             <a:extLst>
               <a:ext uri="{FF2B5EF4-FFF2-40B4-BE49-F238E27FC236}">
-                <a16:creationId xmlns:a16="http://schemas.microsoft.com/office/drawing/2014/main" xmlns="" id="{7F680E58-6F3D-9E41-B6BE-815CD30C2E10}"/>
+                <a16:creationId xmlns="" xmlns:a16="http://schemas.microsoft.com/office/drawing/2014/main" id="{7F680E58-6F3D-9E41-B6BE-815CD30C2E10}"/>
               </a:ext>
             </a:extLst>
           </p:cNvPr>
@@ -1890,7 +1890,7 @@
           <a:p>
             <a:fld id="{0B94BCDE-ACBC-3C45-AF5C-8C9E935CDCC4}" type="datetimeFigureOut">
               <a:rPr lang="en-US" smtClean="0"/>
-              <a:t>9/12/20</a:t>
+              <a:t>10/11/20</a:t>
             </a:fld>
             <a:endParaRPr lang="en-US"/>
           </a:p>
@@ -1901,7 +1901,7 @@
           <p:cNvPr id="5" name="Footer Placeholder 4">
             <a:extLst>
               <a:ext uri="{FF2B5EF4-FFF2-40B4-BE49-F238E27FC236}">
-                <a16:creationId xmlns:a16="http://schemas.microsoft.com/office/drawing/2014/main" xmlns="" id="{0F8A6F5E-02A8-E940-AA98-96688A1B51F0}"/>
+                <a16:creationId xmlns="" xmlns:a16="http://schemas.microsoft.com/office/drawing/2014/main" id="{0F8A6F5E-02A8-E940-AA98-96688A1B51F0}"/>
               </a:ext>
             </a:extLst>
           </p:cNvPr>
@@ -1926,7 +1926,7 @@
           <p:cNvPr id="6" name="Slide Number Placeholder 5">
             <a:extLst>
               <a:ext uri="{FF2B5EF4-FFF2-40B4-BE49-F238E27FC236}">
-                <a16:creationId xmlns:a16="http://schemas.microsoft.com/office/drawing/2014/main" xmlns="" id="{6FDCA225-0F22-3141-B6C8-2A19482C535E}"/>
+                <a16:creationId xmlns="" xmlns:a16="http://schemas.microsoft.com/office/drawing/2014/main" id="{6FDCA225-0F22-3141-B6C8-2A19482C535E}"/>
               </a:ext>
             </a:extLst>
           </p:cNvPr>
@@ -1985,7 +1985,7 @@
           <p:cNvPr id="2" name="Title 1">
             <a:extLst>
               <a:ext uri="{FF2B5EF4-FFF2-40B4-BE49-F238E27FC236}">
-                <a16:creationId xmlns:a16="http://schemas.microsoft.com/office/drawing/2014/main" xmlns="" id="{731EE324-D3FF-3D48-9782-7019285704A8}"/>
+                <a16:creationId xmlns="" xmlns:a16="http://schemas.microsoft.com/office/drawing/2014/main" id="{731EE324-D3FF-3D48-9782-7019285704A8}"/>
               </a:ext>
             </a:extLst>
           </p:cNvPr>
@@ -2022,7 +2022,7 @@
           <p:cNvPr id="3" name="Text Placeholder 2">
             <a:extLst>
               <a:ext uri="{FF2B5EF4-FFF2-40B4-BE49-F238E27FC236}">
-                <a16:creationId xmlns:a16="http://schemas.microsoft.com/office/drawing/2014/main" xmlns="" id="{C872197E-3A32-F644-BEFA-1D95B3350BC2}"/>
+                <a16:creationId xmlns="" xmlns:a16="http://schemas.microsoft.com/office/drawing/2014/main" id="{C872197E-3A32-F644-BEFA-1D95B3350BC2}"/>
               </a:ext>
             </a:extLst>
           </p:cNvPr>
@@ -2147,7 +2147,7 @@
           <p:cNvPr id="4" name="Date Placeholder 3">
             <a:extLst>
               <a:ext uri="{FF2B5EF4-FFF2-40B4-BE49-F238E27FC236}">
-                <a16:creationId xmlns:a16="http://schemas.microsoft.com/office/drawing/2014/main" xmlns="" id="{FA343402-A529-5A4F-A850-BE61736CC5D5}"/>
+                <a16:creationId xmlns="" xmlns:a16="http://schemas.microsoft.com/office/drawing/2014/main" id="{FA343402-A529-5A4F-A850-BE61736CC5D5}"/>
               </a:ext>
             </a:extLst>
           </p:cNvPr>
@@ -2165,7 +2165,7 @@
           <a:p>
             <a:fld id="{0B94BCDE-ACBC-3C45-AF5C-8C9E935CDCC4}" type="datetimeFigureOut">
               <a:rPr lang="en-US" smtClean="0"/>
-              <a:t>9/12/20</a:t>
+              <a:t>10/11/20</a:t>
             </a:fld>
             <a:endParaRPr lang="en-US"/>
           </a:p>
@@ -2176,7 +2176,7 @@
           <p:cNvPr id="5" name="Footer Placeholder 4">
             <a:extLst>
               <a:ext uri="{FF2B5EF4-FFF2-40B4-BE49-F238E27FC236}">
-                <a16:creationId xmlns:a16="http://schemas.microsoft.com/office/drawing/2014/main" xmlns="" id="{12BFB7FA-C6DC-4446-B18D-5EEA179D2F2C}"/>
+                <a16:creationId xmlns="" xmlns:a16="http://schemas.microsoft.com/office/drawing/2014/main" id="{12BFB7FA-C6DC-4446-B18D-5EEA179D2F2C}"/>
               </a:ext>
             </a:extLst>
           </p:cNvPr>
@@ -2201,7 +2201,7 @@
           <p:cNvPr id="6" name="Slide Number Placeholder 5">
             <a:extLst>
               <a:ext uri="{FF2B5EF4-FFF2-40B4-BE49-F238E27FC236}">
-                <a16:creationId xmlns:a16="http://schemas.microsoft.com/office/drawing/2014/main" xmlns="" id="{34D38B42-9CF9-D943-9F06-600608872F03}"/>
+                <a16:creationId xmlns="" xmlns:a16="http://schemas.microsoft.com/office/drawing/2014/main" id="{34D38B42-9CF9-D943-9F06-600608872F03}"/>
               </a:ext>
             </a:extLst>
           </p:cNvPr>
@@ -2260,7 +2260,7 @@
           <p:cNvPr id="2" name="Title 1">
             <a:extLst>
               <a:ext uri="{FF2B5EF4-FFF2-40B4-BE49-F238E27FC236}">
-                <a16:creationId xmlns:a16="http://schemas.microsoft.com/office/drawing/2014/main" xmlns="" id="{9B8882A3-1350-504D-BAA4-0DAEA181E412}"/>
+                <a16:creationId xmlns="" xmlns:a16="http://schemas.microsoft.com/office/drawing/2014/main" id="{9B8882A3-1350-504D-BAA4-0DAEA181E412}"/>
               </a:ext>
             </a:extLst>
           </p:cNvPr>
@@ -2288,7 +2288,7 @@
           <p:cNvPr id="3" name="Content Placeholder 2">
             <a:extLst>
               <a:ext uri="{FF2B5EF4-FFF2-40B4-BE49-F238E27FC236}">
-                <a16:creationId xmlns:a16="http://schemas.microsoft.com/office/drawing/2014/main" xmlns="" id="{DDDD6B41-5D7A-FF46-A5E9-95F9738755C3}"/>
+                <a16:creationId xmlns="" xmlns:a16="http://schemas.microsoft.com/office/drawing/2014/main" id="{DDDD6B41-5D7A-FF46-A5E9-95F9738755C3}"/>
               </a:ext>
             </a:extLst>
           </p:cNvPr>
@@ -2350,7 +2350,7 @@
           <p:cNvPr id="4" name="Content Placeholder 3">
             <a:extLst>
               <a:ext uri="{FF2B5EF4-FFF2-40B4-BE49-F238E27FC236}">
-                <a16:creationId xmlns:a16="http://schemas.microsoft.com/office/drawing/2014/main" xmlns="" id="{54A99F4A-5C14-7444-A31B-F26609CFE39A}"/>
+                <a16:creationId xmlns="" xmlns:a16="http://schemas.microsoft.com/office/drawing/2014/main" id="{54A99F4A-5C14-7444-A31B-F26609CFE39A}"/>
               </a:ext>
             </a:extLst>
           </p:cNvPr>
@@ -2412,7 +2412,7 @@
           <p:cNvPr id="5" name="Date Placeholder 4">
             <a:extLst>
               <a:ext uri="{FF2B5EF4-FFF2-40B4-BE49-F238E27FC236}">
-                <a16:creationId xmlns:a16="http://schemas.microsoft.com/office/drawing/2014/main" xmlns="" id="{7139EE82-23A6-FD48-887B-373159615829}"/>
+                <a16:creationId xmlns="" xmlns:a16="http://schemas.microsoft.com/office/drawing/2014/main" id="{7139EE82-23A6-FD48-887B-373159615829}"/>
               </a:ext>
             </a:extLst>
           </p:cNvPr>
@@ -2430,7 +2430,7 @@
           <a:p>
             <a:fld id="{0B94BCDE-ACBC-3C45-AF5C-8C9E935CDCC4}" type="datetimeFigureOut">
               <a:rPr lang="en-US" smtClean="0"/>
-              <a:t>9/12/20</a:t>
+              <a:t>10/11/20</a:t>
             </a:fld>
             <a:endParaRPr lang="en-US"/>
           </a:p>
@@ -2441,7 +2441,7 @@
           <p:cNvPr id="6" name="Footer Placeholder 5">
             <a:extLst>
               <a:ext uri="{FF2B5EF4-FFF2-40B4-BE49-F238E27FC236}">
-                <a16:creationId xmlns:a16="http://schemas.microsoft.com/office/drawing/2014/main" xmlns="" id="{2D99A449-2547-E94E-B171-1FEC205AEB2D}"/>
+                <a16:creationId xmlns="" xmlns:a16="http://schemas.microsoft.com/office/drawing/2014/main" id="{2D99A449-2547-E94E-B171-1FEC205AEB2D}"/>
               </a:ext>
             </a:extLst>
           </p:cNvPr>
@@ -2466,7 +2466,7 @@
           <p:cNvPr id="7" name="Slide Number Placeholder 6">
             <a:extLst>
               <a:ext uri="{FF2B5EF4-FFF2-40B4-BE49-F238E27FC236}">
-                <a16:creationId xmlns:a16="http://schemas.microsoft.com/office/drawing/2014/main" xmlns="" id="{1D23DBD8-2E60-3147-BA9F-B8B307E8A834}"/>
+                <a16:creationId xmlns="" xmlns:a16="http://schemas.microsoft.com/office/drawing/2014/main" id="{1D23DBD8-2E60-3147-BA9F-B8B307E8A834}"/>
               </a:ext>
             </a:extLst>
           </p:cNvPr>
@@ -2525,7 +2525,7 @@
           <p:cNvPr id="2" name="Title 1">
             <a:extLst>
               <a:ext uri="{FF2B5EF4-FFF2-40B4-BE49-F238E27FC236}">
-                <a16:creationId xmlns:a16="http://schemas.microsoft.com/office/drawing/2014/main" xmlns="" id="{4BC46261-F9DD-A445-84FA-9C6236A52B2F}"/>
+                <a16:creationId xmlns="" xmlns:a16="http://schemas.microsoft.com/office/drawing/2014/main" id="{4BC46261-F9DD-A445-84FA-9C6236A52B2F}"/>
               </a:ext>
             </a:extLst>
           </p:cNvPr>
@@ -2558,7 +2558,7 @@
           <p:cNvPr id="3" name="Text Placeholder 2">
             <a:extLst>
               <a:ext uri="{FF2B5EF4-FFF2-40B4-BE49-F238E27FC236}">
-                <a16:creationId xmlns:a16="http://schemas.microsoft.com/office/drawing/2014/main" xmlns="" id="{FFD22343-72F8-2F46-B15D-6C7A697A9C02}"/>
+                <a16:creationId xmlns="" xmlns:a16="http://schemas.microsoft.com/office/drawing/2014/main" id="{FFD22343-72F8-2F46-B15D-6C7A697A9C02}"/>
               </a:ext>
             </a:extLst>
           </p:cNvPr>
@@ -2629,7 +2629,7 @@
           <p:cNvPr id="4" name="Content Placeholder 3">
             <a:extLst>
               <a:ext uri="{FF2B5EF4-FFF2-40B4-BE49-F238E27FC236}">
-                <a16:creationId xmlns:a16="http://schemas.microsoft.com/office/drawing/2014/main" xmlns="" id="{D397970D-8FFA-2B45-9626-56C2CF04CD6E}"/>
+                <a16:creationId xmlns="" xmlns:a16="http://schemas.microsoft.com/office/drawing/2014/main" id="{D397970D-8FFA-2B45-9626-56C2CF04CD6E}"/>
               </a:ext>
             </a:extLst>
           </p:cNvPr>
@@ -2691,7 +2691,7 @@
           <p:cNvPr id="5" name="Text Placeholder 4">
             <a:extLst>
               <a:ext uri="{FF2B5EF4-FFF2-40B4-BE49-F238E27FC236}">
-                <a16:creationId xmlns:a16="http://schemas.microsoft.com/office/drawing/2014/main" xmlns="" id="{36919E53-EC83-574A-A5BA-0DA193164D34}"/>
+                <a16:creationId xmlns="" xmlns:a16="http://schemas.microsoft.com/office/drawing/2014/main" id="{36919E53-EC83-574A-A5BA-0DA193164D34}"/>
               </a:ext>
             </a:extLst>
           </p:cNvPr>
@@ -2762,7 +2762,7 @@
           <p:cNvPr id="6" name="Content Placeholder 5">
             <a:extLst>
               <a:ext uri="{FF2B5EF4-FFF2-40B4-BE49-F238E27FC236}">
-                <a16:creationId xmlns:a16="http://schemas.microsoft.com/office/drawing/2014/main" xmlns="" id="{7BD84AA6-9D7E-4E4E-B2AE-DA6ED316264A}"/>
+                <a16:creationId xmlns="" xmlns:a16="http://schemas.microsoft.com/office/drawing/2014/main" id="{7BD84AA6-9D7E-4E4E-B2AE-DA6ED316264A}"/>
               </a:ext>
             </a:extLst>
           </p:cNvPr>
@@ -2824,7 +2824,7 @@
           <p:cNvPr id="7" name="Date Placeholder 6">
             <a:extLst>
               <a:ext uri="{FF2B5EF4-FFF2-40B4-BE49-F238E27FC236}">
-                <a16:creationId xmlns:a16="http://schemas.microsoft.com/office/drawing/2014/main" xmlns="" id="{22A7FB8C-B98B-D845-A363-FFE5F2DB9D68}"/>
+                <a16:creationId xmlns="" xmlns:a16="http://schemas.microsoft.com/office/drawing/2014/main" id="{22A7FB8C-B98B-D845-A363-FFE5F2DB9D68}"/>
               </a:ext>
             </a:extLst>
           </p:cNvPr>
@@ -2842,7 +2842,7 @@
           <a:p>
             <a:fld id="{0B94BCDE-ACBC-3C45-AF5C-8C9E935CDCC4}" type="datetimeFigureOut">
               <a:rPr lang="en-US" smtClean="0"/>
-              <a:t>9/12/20</a:t>
+              <a:t>10/11/20</a:t>
             </a:fld>
             <a:endParaRPr lang="en-US"/>
           </a:p>
@@ -2853,7 +2853,7 @@
           <p:cNvPr id="8" name="Footer Placeholder 7">
             <a:extLst>
               <a:ext uri="{FF2B5EF4-FFF2-40B4-BE49-F238E27FC236}">
-                <a16:creationId xmlns:a16="http://schemas.microsoft.com/office/drawing/2014/main" xmlns="" id="{6EA89B0A-260E-7D46-A7CB-621766105091}"/>
+                <a16:creationId xmlns="" xmlns:a16="http://schemas.microsoft.com/office/drawing/2014/main" id="{6EA89B0A-260E-7D46-A7CB-621766105091}"/>
               </a:ext>
             </a:extLst>
           </p:cNvPr>
@@ -2878,7 +2878,7 @@
           <p:cNvPr id="9" name="Slide Number Placeholder 8">
             <a:extLst>
               <a:ext uri="{FF2B5EF4-FFF2-40B4-BE49-F238E27FC236}">
-                <a16:creationId xmlns:a16="http://schemas.microsoft.com/office/drawing/2014/main" xmlns="" id="{E6EA5FBD-FD7C-3A48-AE57-F02883D35F1C}"/>
+                <a16:creationId xmlns="" xmlns:a16="http://schemas.microsoft.com/office/drawing/2014/main" id="{E6EA5FBD-FD7C-3A48-AE57-F02883D35F1C}"/>
               </a:ext>
             </a:extLst>
           </p:cNvPr>
@@ -2937,7 +2937,7 @@
           <p:cNvPr id="2" name="Title 1">
             <a:extLst>
               <a:ext uri="{FF2B5EF4-FFF2-40B4-BE49-F238E27FC236}">
-                <a16:creationId xmlns:a16="http://schemas.microsoft.com/office/drawing/2014/main" xmlns="" id="{0EE978E4-169D-324A-8596-379C3B745ED7}"/>
+                <a16:creationId xmlns="" xmlns:a16="http://schemas.microsoft.com/office/drawing/2014/main" id="{0EE978E4-169D-324A-8596-379C3B745ED7}"/>
               </a:ext>
             </a:extLst>
           </p:cNvPr>
@@ -2965,7 +2965,7 @@
           <p:cNvPr id="3" name="Date Placeholder 2">
             <a:extLst>
               <a:ext uri="{FF2B5EF4-FFF2-40B4-BE49-F238E27FC236}">
-                <a16:creationId xmlns:a16="http://schemas.microsoft.com/office/drawing/2014/main" xmlns="" id="{92668C29-E870-AA45-98F6-1748EC20A64E}"/>
+                <a16:creationId xmlns="" xmlns:a16="http://schemas.microsoft.com/office/drawing/2014/main" id="{92668C29-E870-AA45-98F6-1748EC20A64E}"/>
               </a:ext>
             </a:extLst>
           </p:cNvPr>
@@ -2983,7 +2983,7 @@
           <a:p>
             <a:fld id="{0B94BCDE-ACBC-3C45-AF5C-8C9E935CDCC4}" type="datetimeFigureOut">
               <a:rPr lang="en-US" smtClean="0"/>
-              <a:t>9/12/20</a:t>
+              <a:t>10/11/20</a:t>
             </a:fld>
             <a:endParaRPr lang="en-US"/>
           </a:p>
@@ -2994,7 +2994,7 @@
           <p:cNvPr id="4" name="Footer Placeholder 3">
             <a:extLst>
               <a:ext uri="{FF2B5EF4-FFF2-40B4-BE49-F238E27FC236}">
-                <a16:creationId xmlns:a16="http://schemas.microsoft.com/office/drawing/2014/main" xmlns="" id="{41150397-8E83-DA40-962B-4AA223EA4940}"/>
+                <a16:creationId xmlns="" xmlns:a16="http://schemas.microsoft.com/office/drawing/2014/main" id="{41150397-8E83-DA40-962B-4AA223EA4940}"/>
               </a:ext>
             </a:extLst>
           </p:cNvPr>
@@ -3019,7 +3019,7 @@
           <p:cNvPr id="5" name="Slide Number Placeholder 4">
             <a:extLst>
               <a:ext uri="{FF2B5EF4-FFF2-40B4-BE49-F238E27FC236}">
-                <a16:creationId xmlns:a16="http://schemas.microsoft.com/office/drawing/2014/main" xmlns="" id="{2C582006-3834-8B45-BC6F-C0F87162B0C1}"/>
+                <a16:creationId xmlns="" xmlns:a16="http://schemas.microsoft.com/office/drawing/2014/main" id="{2C582006-3834-8B45-BC6F-C0F87162B0C1}"/>
               </a:ext>
             </a:extLst>
           </p:cNvPr>
@@ -3078,7 +3078,7 @@
           <p:cNvPr id="2" name="Date Placeholder 1">
             <a:extLst>
               <a:ext uri="{FF2B5EF4-FFF2-40B4-BE49-F238E27FC236}">
-                <a16:creationId xmlns:a16="http://schemas.microsoft.com/office/drawing/2014/main" xmlns="" id="{3A05D788-0F32-3C49-8583-6037E0349232}"/>
+                <a16:creationId xmlns="" xmlns:a16="http://schemas.microsoft.com/office/drawing/2014/main" id="{3A05D788-0F32-3C49-8583-6037E0349232}"/>
               </a:ext>
             </a:extLst>
           </p:cNvPr>
@@ -3096,7 +3096,7 @@
           <a:p>
             <a:fld id="{0B94BCDE-ACBC-3C45-AF5C-8C9E935CDCC4}" type="datetimeFigureOut">
               <a:rPr lang="en-US" smtClean="0"/>
-              <a:t>9/12/20</a:t>
+              <a:t>10/11/20</a:t>
             </a:fld>
             <a:endParaRPr lang="en-US"/>
           </a:p>
@@ -3107,7 +3107,7 @@
           <p:cNvPr id="3" name="Footer Placeholder 2">
             <a:extLst>
               <a:ext uri="{FF2B5EF4-FFF2-40B4-BE49-F238E27FC236}">
-                <a16:creationId xmlns:a16="http://schemas.microsoft.com/office/drawing/2014/main" xmlns="" id="{F960BB45-33C4-364C-BC00-DDBD8C9E961C}"/>
+                <a16:creationId xmlns="" xmlns:a16="http://schemas.microsoft.com/office/drawing/2014/main" id="{F960BB45-33C4-364C-BC00-DDBD8C9E961C}"/>
               </a:ext>
             </a:extLst>
           </p:cNvPr>
@@ -3132,7 +3132,7 @@
           <p:cNvPr id="4" name="Slide Number Placeholder 3">
             <a:extLst>
               <a:ext uri="{FF2B5EF4-FFF2-40B4-BE49-F238E27FC236}">
-                <a16:creationId xmlns:a16="http://schemas.microsoft.com/office/drawing/2014/main" xmlns="" id="{18FE530D-9D75-3441-8838-741580BD38ED}"/>
+                <a16:creationId xmlns="" xmlns:a16="http://schemas.microsoft.com/office/drawing/2014/main" id="{18FE530D-9D75-3441-8838-741580BD38ED}"/>
               </a:ext>
             </a:extLst>
           </p:cNvPr>
@@ -3191,7 +3191,7 @@
           <p:cNvPr id="2" name="Title 1">
             <a:extLst>
               <a:ext uri="{FF2B5EF4-FFF2-40B4-BE49-F238E27FC236}">
-                <a16:creationId xmlns:a16="http://schemas.microsoft.com/office/drawing/2014/main" xmlns="" id="{7BBCBACF-2B18-7C49-AFD7-CD9F920F4662}"/>
+                <a16:creationId xmlns="" xmlns:a16="http://schemas.microsoft.com/office/drawing/2014/main" id="{7BBCBACF-2B18-7C49-AFD7-CD9F920F4662}"/>
               </a:ext>
             </a:extLst>
           </p:cNvPr>
@@ -3228,7 +3228,7 @@
           <p:cNvPr id="3" name="Content Placeholder 2">
             <a:extLst>
               <a:ext uri="{FF2B5EF4-FFF2-40B4-BE49-F238E27FC236}">
-                <a16:creationId xmlns:a16="http://schemas.microsoft.com/office/drawing/2014/main" xmlns="" id="{6E593B11-415B-BC46-AFDF-31BCBD7F0570}"/>
+                <a16:creationId xmlns="" xmlns:a16="http://schemas.microsoft.com/office/drawing/2014/main" id="{6E593B11-415B-BC46-AFDF-31BCBD7F0570}"/>
               </a:ext>
             </a:extLst>
           </p:cNvPr>
@@ -3318,7 +3318,7 @@
           <p:cNvPr id="4" name="Text Placeholder 3">
             <a:extLst>
               <a:ext uri="{FF2B5EF4-FFF2-40B4-BE49-F238E27FC236}">
-                <a16:creationId xmlns:a16="http://schemas.microsoft.com/office/drawing/2014/main" xmlns="" id="{A3881DFF-C913-3D4B-8DC1-BC800C95D8D7}"/>
+                <a16:creationId xmlns="" xmlns:a16="http://schemas.microsoft.com/office/drawing/2014/main" id="{A3881DFF-C913-3D4B-8DC1-BC800C95D8D7}"/>
               </a:ext>
             </a:extLst>
           </p:cNvPr>
@@ -3389,7 +3389,7 @@
           <p:cNvPr id="5" name="Date Placeholder 4">
             <a:extLst>
               <a:ext uri="{FF2B5EF4-FFF2-40B4-BE49-F238E27FC236}">
-                <a16:creationId xmlns:a16="http://schemas.microsoft.com/office/drawing/2014/main" xmlns="" id="{9681D8AB-5F49-B643-9DD6-7FA45DD7AA15}"/>
+                <a16:creationId xmlns="" xmlns:a16="http://schemas.microsoft.com/office/drawing/2014/main" id="{9681D8AB-5F49-B643-9DD6-7FA45DD7AA15}"/>
               </a:ext>
             </a:extLst>
           </p:cNvPr>
@@ -3407,7 +3407,7 @@
           <a:p>
             <a:fld id="{0B94BCDE-ACBC-3C45-AF5C-8C9E935CDCC4}" type="datetimeFigureOut">
               <a:rPr lang="en-US" smtClean="0"/>
-              <a:t>9/12/20</a:t>
+              <a:t>10/11/20</a:t>
             </a:fld>
             <a:endParaRPr lang="en-US"/>
           </a:p>
@@ -3418,7 +3418,7 @@
           <p:cNvPr id="6" name="Footer Placeholder 5">
             <a:extLst>
               <a:ext uri="{FF2B5EF4-FFF2-40B4-BE49-F238E27FC236}">
-                <a16:creationId xmlns:a16="http://schemas.microsoft.com/office/drawing/2014/main" xmlns="" id="{757B25C6-2F62-8D45-96A8-DFCA76DFE5F9}"/>
+                <a16:creationId xmlns="" xmlns:a16="http://schemas.microsoft.com/office/drawing/2014/main" id="{757B25C6-2F62-8D45-96A8-DFCA76DFE5F9}"/>
               </a:ext>
             </a:extLst>
           </p:cNvPr>
@@ -3443,7 +3443,7 @@
           <p:cNvPr id="7" name="Slide Number Placeholder 6">
             <a:extLst>
               <a:ext uri="{FF2B5EF4-FFF2-40B4-BE49-F238E27FC236}">
-                <a16:creationId xmlns:a16="http://schemas.microsoft.com/office/drawing/2014/main" xmlns="" id="{910272DD-D6B5-5E48-826B-408DC03ACD3C}"/>
+                <a16:creationId xmlns="" xmlns:a16="http://schemas.microsoft.com/office/drawing/2014/main" id="{910272DD-D6B5-5E48-826B-408DC03ACD3C}"/>
               </a:ext>
             </a:extLst>
           </p:cNvPr>
@@ -3502,7 +3502,7 @@
           <p:cNvPr id="2" name="Title 1">
             <a:extLst>
               <a:ext uri="{FF2B5EF4-FFF2-40B4-BE49-F238E27FC236}">
-                <a16:creationId xmlns:a16="http://schemas.microsoft.com/office/drawing/2014/main" xmlns="" id="{579A2E05-BCB8-304B-981F-78C9F8BDD442}"/>
+                <a16:creationId xmlns="" xmlns:a16="http://schemas.microsoft.com/office/drawing/2014/main" id="{579A2E05-BCB8-304B-981F-78C9F8BDD442}"/>
               </a:ext>
             </a:extLst>
           </p:cNvPr>
@@ -3539,7 +3539,7 @@
           <p:cNvPr id="3" name="Picture Placeholder 2">
             <a:extLst>
               <a:ext uri="{FF2B5EF4-FFF2-40B4-BE49-F238E27FC236}">
-                <a16:creationId xmlns:a16="http://schemas.microsoft.com/office/drawing/2014/main" xmlns="" id="{6F37C9CA-DC24-BA49-BAD0-E6A8C453ACE8}"/>
+                <a16:creationId xmlns="" xmlns:a16="http://schemas.microsoft.com/office/drawing/2014/main" id="{6F37C9CA-DC24-BA49-BAD0-E6A8C453ACE8}"/>
               </a:ext>
             </a:extLst>
           </p:cNvPr>
@@ -3606,7 +3606,7 @@
           <p:cNvPr id="4" name="Text Placeholder 3">
             <a:extLst>
               <a:ext uri="{FF2B5EF4-FFF2-40B4-BE49-F238E27FC236}">
-                <a16:creationId xmlns:a16="http://schemas.microsoft.com/office/drawing/2014/main" xmlns="" id="{8F325A5C-7891-AB4B-88F5-9C3B4D42FA9F}"/>
+                <a16:creationId xmlns="" xmlns:a16="http://schemas.microsoft.com/office/drawing/2014/main" id="{8F325A5C-7891-AB4B-88F5-9C3B4D42FA9F}"/>
               </a:ext>
             </a:extLst>
           </p:cNvPr>
@@ -3677,7 +3677,7 @@
           <p:cNvPr id="5" name="Date Placeholder 4">
             <a:extLst>
               <a:ext uri="{FF2B5EF4-FFF2-40B4-BE49-F238E27FC236}">
-                <a16:creationId xmlns:a16="http://schemas.microsoft.com/office/drawing/2014/main" xmlns="" id="{7C4E0F4E-EDC1-3C47-9479-6A027DCD3CF7}"/>
+                <a16:creationId xmlns="" xmlns:a16="http://schemas.microsoft.com/office/drawing/2014/main" id="{7C4E0F4E-EDC1-3C47-9479-6A027DCD3CF7}"/>
               </a:ext>
             </a:extLst>
           </p:cNvPr>
@@ -3695,7 +3695,7 @@
           <a:p>
             <a:fld id="{0B94BCDE-ACBC-3C45-AF5C-8C9E935CDCC4}" type="datetimeFigureOut">
               <a:rPr lang="en-US" smtClean="0"/>
-              <a:t>9/12/20</a:t>
+              <a:t>10/11/20</a:t>
             </a:fld>
             <a:endParaRPr lang="en-US"/>
           </a:p>
@@ -3706,7 +3706,7 @@
           <p:cNvPr id="6" name="Footer Placeholder 5">
             <a:extLst>
               <a:ext uri="{FF2B5EF4-FFF2-40B4-BE49-F238E27FC236}">
-                <a16:creationId xmlns:a16="http://schemas.microsoft.com/office/drawing/2014/main" xmlns="" id="{372D67B0-27A7-A54A-B892-50C6C806E683}"/>
+                <a16:creationId xmlns="" xmlns:a16="http://schemas.microsoft.com/office/drawing/2014/main" id="{372D67B0-27A7-A54A-B892-50C6C806E683}"/>
               </a:ext>
             </a:extLst>
           </p:cNvPr>
@@ -3731,7 +3731,7 @@
           <p:cNvPr id="7" name="Slide Number Placeholder 6">
             <a:extLst>
               <a:ext uri="{FF2B5EF4-FFF2-40B4-BE49-F238E27FC236}">
-                <a16:creationId xmlns:a16="http://schemas.microsoft.com/office/drawing/2014/main" xmlns="" id="{5D966DFE-1DBD-0246-9710-04C6CE7F8069}"/>
+                <a16:creationId xmlns="" xmlns:a16="http://schemas.microsoft.com/office/drawing/2014/main" id="{5D966DFE-1DBD-0246-9710-04C6CE7F8069}"/>
               </a:ext>
             </a:extLst>
           </p:cNvPr>
@@ -3795,7 +3795,7 @@
           <p:cNvPr id="2" name="Title Placeholder 1">
             <a:extLst>
               <a:ext uri="{FF2B5EF4-FFF2-40B4-BE49-F238E27FC236}">
-                <a16:creationId xmlns:a16="http://schemas.microsoft.com/office/drawing/2014/main" xmlns="" id="{58F00D07-9BF3-524F-9861-7EE3E64CF9D2}"/>
+                <a16:creationId xmlns="" xmlns:a16="http://schemas.microsoft.com/office/drawing/2014/main" id="{58F00D07-9BF3-524F-9861-7EE3E64CF9D2}"/>
               </a:ext>
             </a:extLst>
           </p:cNvPr>
@@ -3833,7 +3833,7 @@
           <p:cNvPr id="3" name="Text Placeholder 2">
             <a:extLst>
               <a:ext uri="{FF2B5EF4-FFF2-40B4-BE49-F238E27FC236}">
-                <a16:creationId xmlns:a16="http://schemas.microsoft.com/office/drawing/2014/main" xmlns="" id="{57CFC79D-B75D-E444-AFA2-2FDDE97C1537}"/>
+                <a16:creationId xmlns="" xmlns:a16="http://schemas.microsoft.com/office/drawing/2014/main" id="{57CFC79D-B75D-E444-AFA2-2FDDE97C1537}"/>
               </a:ext>
             </a:extLst>
           </p:cNvPr>
@@ -3900,7 +3900,7 @@
           <p:cNvPr id="4" name="Date Placeholder 3">
             <a:extLst>
               <a:ext uri="{FF2B5EF4-FFF2-40B4-BE49-F238E27FC236}">
-                <a16:creationId xmlns:a16="http://schemas.microsoft.com/office/drawing/2014/main" xmlns="" id="{BCCC52BE-7B36-C045-B5BD-1AB9A7669974}"/>
+                <a16:creationId xmlns="" xmlns:a16="http://schemas.microsoft.com/office/drawing/2014/main" id="{BCCC52BE-7B36-C045-B5BD-1AB9A7669974}"/>
               </a:ext>
             </a:extLst>
           </p:cNvPr>
@@ -3936,7 +3936,7 @@
           <a:p>
             <a:fld id="{0B94BCDE-ACBC-3C45-AF5C-8C9E935CDCC4}" type="datetimeFigureOut">
               <a:rPr lang="en-US" smtClean="0"/>
-              <a:t>9/12/20</a:t>
+              <a:t>10/11/20</a:t>
             </a:fld>
             <a:endParaRPr lang="en-US"/>
           </a:p>
@@ -3947,7 +3947,7 @@
           <p:cNvPr id="5" name="Footer Placeholder 4">
             <a:extLst>
               <a:ext uri="{FF2B5EF4-FFF2-40B4-BE49-F238E27FC236}">
-                <a16:creationId xmlns:a16="http://schemas.microsoft.com/office/drawing/2014/main" xmlns="" id="{42214A43-0FEC-9648-AD3E-30891DC69DC9}"/>
+                <a16:creationId xmlns="" xmlns:a16="http://schemas.microsoft.com/office/drawing/2014/main" id="{42214A43-0FEC-9648-AD3E-30891DC69DC9}"/>
               </a:ext>
             </a:extLst>
           </p:cNvPr>
@@ -3990,7 +3990,7 @@
           <p:cNvPr id="6" name="Slide Number Placeholder 5">
             <a:extLst>
               <a:ext uri="{FF2B5EF4-FFF2-40B4-BE49-F238E27FC236}">
-                <a16:creationId xmlns:a16="http://schemas.microsoft.com/office/drawing/2014/main" xmlns="" id="{89295203-819E-0841-8B19-575BD76C8610}"/>
+                <a16:creationId xmlns="" xmlns:a16="http://schemas.microsoft.com/office/drawing/2014/main" id="{89295203-819E-0841-8B19-575BD76C8610}"/>
               </a:ext>
             </a:extLst>
           </p:cNvPr>
@@ -4386,15 +4386,7 @@
                 <a:ea typeface="Times New Roman" charset="0"/>
                 <a:cs typeface="Times New Roman" charset="0"/>
               </a:rPr>
-              <a:t>Blue Waters Petascale</a:t>
-            </a:r>
-            <a:r>
-              <a:rPr lang="en-US" sz="3600" b="1" dirty="0">
-                <a:latin typeface="Times New Roman" charset="0"/>
-                <a:ea typeface="Times New Roman" charset="0"/>
-                <a:cs typeface="Times New Roman" charset="0"/>
-              </a:rPr>
-              <a:t> Semester Curriculum v1.0</a:t>
+              <a:t>Blue Waters Petascale Semester Curriculum v1.0</a:t>
             </a:r>
             <a:r>
               <a:rPr lang="en-US" sz="3600" dirty="0">
@@ -4488,11 +4480,6 @@
               </a:rPr>
               <a:t>for the Shodor Education Foundation, Inc.</a:t>
             </a:r>
-            <a:endParaRPr lang="en-US" sz="3600" i="1" dirty="0">
-              <a:latin typeface="Times New Roman" charset="0"/>
-              <a:ea typeface="Times New Roman" charset="0"/>
-              <a:cs typeface="Times New Roman" charset="0"/>
-            </a:endParaRPr>
           </a:p>
         </p:txBody>
       </p:sp>
@@ -4531,7 +4518,7 @@
           <p:cNvPr id="2" name="Title 1">
             <a:extLst>
               <a:ext uri="{FF2B5EF4-FFF2-40B4-BE49-F238E27FC236}">
-                <a16:creationId xmlns:a16="http://schemas.microsoft.com/office/drawing/2014/main" xmlns="" id="{1338DCB2-012A-234F-AB76-62D1EDB80C0A}"/>
+                <a16:creationId xmlns="" xmlns:a16="http://schemas.microsoft.com/office/drawing/2014/main" id="{1338DCB2-012A-234F-AB76-62D1EDB80C0A}"/>
               </a:ext>
             </a:extLst>
           </p:cNvPr>
@@ -4559,7 +4546,7 @@
           <p:cNvPr id="5" name="Content Placeholder 4">
             <a:extLst>
               <a:ext uri="{FF2B5EF4-FFF2-40B4-BE49-F238E27FC236}">
-                <a16:creationId xmlns:a16="http://schemas.microsoft.com/office/drawing/2014/main" xmlns="" id="{F3A71BD2-D0B2-414D-B1FF-45412EF619E2}"/>
+                <a16:creationId xmlns="" xmlns:a16="http://schemas.microsoft.com/office/drawing/2014/main" id="{F3A71BD2-D0B2-414D-B1FF-45412EF619E2}"/>
               </a:ext>
             </a:extLst>
           </p:cNvPr>
@@ -4680,7 +4667,7 @@
           <p:cNvPr id="2" name="Title 1">
             <a:extLst>
               <a:ext uri="{FF2B5EF4-FFF2-40B4-BE49-F238E27FC236}">
-                <a16:creationId xmlns:a16="http://schemas.microsoft.com/office/drawing/2014/main" xmlns="" id="{1338DCB2-012A-234F-AB76-62D1EDB80C0A}"/>
+                <a16:creationId xmlns="" xmlns:a16="http://schemas.microsoft.com/office/drawing/2014/main" id="{1338DCB2-012A-234F-AB76-62D1EDB80C0A}"/>
               </a:ext>
             </a:extLst>
           </p:cNvPr>
@@ -4708,7 +4695,7 @@
           <p:cNvPr id="5" name="Content Placeholder 4">
             <a:extLst>
               <a:ext uri="{FF2B5EF4-FFF2-40B4-BE49-F238E27FC236}">
-                <a16:creationId xmlns:a16="http://schemas.microsoft.com/office/drawing/2014/main" xmlns="" id="{F3A71BD2-D0B2-414D-B1FF-45412EF619E2}"/>
+                <a16:creationId xmlns="" xmlns:a16="http://schemas.microsoft.com/office/drawing/2014/main" id="{F3A71BD2-D0B2-414D-B1FF-45412EF619E2}"/>
               </a:ext>
             </a:extLst>
           </p:cNvPr>
@@ -4829,7 +4816,7 @@
           <p:cNvPr id="2" name="Title 1">
             <a:extLst>
               <a:ext uri="{FF2B5EF4-FFF2-40B4-BE49-F238E27FC236}">
-                <a16:creationId xmlns:a16="http://schemas.microsoft.com/office/drawing/2014/main" xmlns="" id="{9310BD6E-7AF8-3E40-B0C8-3A167857CE3F}"/>
+                <a16:creationId xmlns="" xmlns:a16="http://schemas.microsoft.com/office/drawing/2014/main" id="{9310BD6E-7AF8-3E40-B0C8-3A167857CE3F}"/>
               </a:ext>
             </a:extLst>
           </p:cNvPr>
@@ -4857,7 +4844,7 @@
           <p:cNvPr id="3" name="Content Placeholder 2">
             <a:extLst>
               <a:ext uri="{FF2B5EF4-FFF2-40B4-BE49-F238E27FC236}">
-                <a16:creationId xmlns:a16="http://schemas.microsoft.com/office/drawing/2014/main" xmlns="" id="{78C9C2F7-DE85-7142-ACE9-D3F7C3D9044A}"/>
+                <a16:creationId xmlns="" xmlns:a16="http://schemas.microsoft.com/office/drawing/2014/main" id="{78C9C2F7-DE85-7142-ACE9-D3F7C3D9044A}"/>
               </a:ext>
             </a:extLst>
           </p:cNvPr>
@@ -4956,7 +4943,7 @@
         </p:nvSpPr>
         <p:spPr>
           <a:xfrm>
-            <a:off x="754744" y="0"/>
+            <a:off x="754743" y="0"/>
             <a:ext cx="10682515" cy="6858000"/>
           </a:xfrm>
         </p:spPr>
@@ -5003,7 +4990,23 @@
                 <a:ea typeface="Times New Roman" charset="0"/>
                 <a:cs typeface="Times New Roman" charset="0"/>
               </a:rPr>
-              <a:t>CC BY-NC 4.0. To view a copy of this license, visit </a:t>
+              <a:t>CC </a:t>
+            </a:r>
+            <a:r>
+              <a:rPr lang="en-US" sz="2800" dirty="0">
+                <a:latin typeface="Times New Roman" charset="0"/>
+                <a:ea typeface="Times New Roman" charset="0"/>
+                <a:cs typeface="Times New Roman" charset="0"/>
+              </a:rPr>
+              <a:t>BY-SA </a:t>
+            </a:r>
+            <a:r>
+              <a:rPr lang="en-US" sz="2800" dirty="0">
+                <a:latin typeface="Times New Roman" charset="0"/>
+                <a:ea typeface="Times New Roman" charset="0"/>
+                <a:cs typeface="Times New Roman" charset="0"/>
+              </a:rPr>
+              <a:t>4.0. To view a copy of this license, visit </a:t>
             </a:r>
             <a:r>
               <a:rPr lang="en-US" sz="2800" dirty="0">
@@ -5012,7 +5015,16 @@
                 <a:cs typeface="Times New Roman" charset="0"/>
                 <a:hlinkClick r:id="rId2"/>
               </a:rPr>
-              <a:t>https://creativecommons.org/licenses/by-nc/4.0</a:t>
+              <a:t>https://</a:t>
+            </a:r>
+            <a:r>
+              <a:rPr lang="en-US" sz="2800" dirty="0">
+                <a:latin typeface="Times New Roman" charset="0"/>
+                <a:ea typeface="Times New Roman" charset="0"/>
+                <a:cs typeface="Times New Roman" charset="0"/>
+                <a:hlinkClick r:id="rId2"/>
+              </a:rPr>
+              <a:t>creativecommons.org/licenses/by-sa/4.0</a:t>
             </a:r>
             <a:r>
               <a:rPr lang="en-US" sz="2800" dirty="0">
@@ -5166,7 +5178,7 @@
     </p:spTree>
     <p:extLst>
       <p:ext uri="{BB962C8B-B14F-4D97-AF65-F5344CB8AC3E}">
-        <p14:creationId xmlns:p14="http://schemas.microsoft.com/office/powerpoint/2010/main" val="1287284146"/>
+        <p14:creationId xmlns:p14="http://schemas.microsoft.com/office/powerpoint/2010/main" val="1594414941"/>
       </p:ext>
     </p:extLst>
   </p:cSld>
@@ -5198,7 +5210,7 @@
           <p:cNvPr id="2" name="Title 1">
             <a:extLst>
               <a:ext uri="{FF2B5EF4-FFF2-40B4-BE49-F238E27FC236}">
-                <a16:creationId xmlns:a16="http://schemas.microsoft.com/office/drawing/2014/main" xmlns="" id="{A71F8772-E007-2744-AB36-55986D9C1ED0}"/>
+                <a16:creationId xmlns="" xmlns:a16="http://schemas.microsoft.com/office/drawing/2014/main" id="{A71F8772-E007-2744-AB36-55986D9C1ED0}"/>
               </a:ext>
             </a:extLst>
           </p:cNvPr>
@@ -5230,7 +5242,7 @@
           <p:cNvPr id="3" name="Content Placeholder 2">
             <a:extLst>
               <a:ext uri="{FF2B5EF4-FFF2-40B4-BE49-F238E27FC236}">
-                <a16:creationId xmlns:a16="http://schemas.microsoft.com/office/drawing/2014/main" xmlns="" id="{20A868BF-350B-1C42-A701-F0A0A1201787}"/>
+                <a16:creationId xmlns="" xmlns:a16="http://schemas.microsoft.com/office/drawing/2014/main" id="{20A868BF-350B-1C42-A701-F0A0A1201787}"/>
               </a:ext>
             </a:extLst>
           </p:cNvPr>
@@ -5324,7 +5336,7 @@
           <p:cNvPr id="2" name="Title 1">
             <a:extLst>
               <a:ext uri="{FF2B5EF4-FFF2-40B4-BE49-F238E27FC236}">
-                <a16:creationId xmlns:a16="http://schemas.microsoft.com/office/drawing/2014/main" xmlns="" id="{78C2C170-0F45-0E41-A92F-6CB104E6F64D}"/>
+                <a16:creationId xmlns="" xmlns:a16="http://schemas.microsoft.com/office/drawing/2014/main" id="{78C2C170-0F45-0E41-A92F-6CB104E6F64D}"/>
               </a:ext>
             </a:extLst>
           </p:cNvPr>
@@ -5352,7 +5364,7 @@
           <p:cNvPr id="3" name="Content Placeholder 2">
             <a:extLst>
               <a:ext uri="{FF2B5EF4-FFF2-40B4-BE49-F238E27FC236}">
-                <a16:creationId xmlns:a16="http://schemas.microsoft.com/office/drawing/2014/main" xmlns="" id="{FF79AF44-FAAA-9B4B-8E76-94FBECECE87E}"/>
+                <a16:creationId xmlns="" xmlns:a16="http://schemas.microsoft.com/office/drawing/2014/main" id="{FF79AF44-FAAA-9B4B-8E76-94FBECECE87E}"/>
               </a:ext>
             </a:extLst>
           </p:cNvPr>
@@ -5441,7 +5453,7 @@
           <p:cNvPr id="4" name="image10.png">
             <a:extLst>
               <a:ext uri="{FF2B5EF4-FFF2-40B4-BE49-F238E27FC236}">
-                <a16:creationId xmlns:a16="http://schemas.microsoft.com/office/drawing/2014/main" xmlns="" id="{DD18FBAE-2B5B-F746-B5E5-D8873A01C80D}"/>
+                <a16:creationId xmlns="" xmlns:a16="http://schemas.microsoft.com/office/drawing/2014/main" id="{DD18FBAE-2B5B-F746-B5E5-D8873A01C80D}"/>
               </a:ext>
             </a:extLst>
           </p:cNvPr>
@@ -5501,7 +5513,7 @@
           <p:cNvPr id="2" name="Title 1">
             <a:extLst>
               <a:ext uri="{FF2B5EF4-FFF2-40B4-BE49-F238E27FC236}">
-                <a16:creationId xmlns:a16="http://schemas.microsoft.com/office/drawing/2014/main" xmlns="" id="{63DE7F6F-B83D-8C4C-A065-D0236CFAEE17}"/>
+                <a16:creationId xmlns="" xmlns:a16="http://schemas.microsoft.com/office/drawing/2014/main" id="{63DE7F6F-B83D-8C4C-A065-D0236CFAEE17}"/>
               </a:ext>
             </a:extLst>
           </p:cNvPr>
@@ -5529,7 +5541,7 @@
           <p:cNvPr id="3" name="Content Placeholder 2">
             <a:extLst>
               <a:ext uri="{FF2B5EF4-FFF2-40B4-BE49-F238E27FC236}">
-                <a16:creationId xmlns:a16="http://schemas.microsoft.com/office/drawing/2014/main" xmlns="" id="{4FD7A7DA-FA83-4949-94FB-1B37170BE315}"/>
+                <a16:creationId xmlns="" xmlns:a16="http://schemas.microsoft.com/office/drawing/2014/main" id="{4FD7A7DA-FA83-4949-94FB-1B37170BE315}"/>
               </a:ext>
             </a:extLst>
           </p:cNvPr>
@@ -5596,7 +5608,7 @@
           <p:cNvPr id="4" name="TextBox 3">
             <a:extLst>
               <a:ext uri="{FF2B5EF4-FFF2-40B4-BE49-F238E27FC236}">
-                <a16:creationId xmlns:a16="http://schemas.microsoft.com/office/drawing/2014/main" xmlns="" id="{EDE8A923-DC5E-2B4C-9ED7-BC202E5D21FA}"/>
+                <a16:creationId xmlns="" xmlns:a16="http://schemas.microsoft.com/office/drawing/2014/main" id="{EDE8A923-DC5E-2B4C-9ED7-BC202E5D21FA}"/>
               </a:ext>
             </a:extLst>
           </p:cNvPr>
@@ -5670,7 +5682,7 @@
           <p:cNvPr id="5" name="TextBox 4">
             <a:extLst>
               <a:ext uri="{FF2B5EF4-FFF2-40B4-BE49-F238E27FC236}">
-                <a16:creationId xmlns:a16="http://schemas.microsoft.com/office/drawing/2014/main" xmlns="" id="{6740D997-29F7-3647-9844-0224187D8916}"/>
+                <a16:creationId xmlns="" xmlns:a16="http://schemas.microsoft.com/office/drawing/2014/main" id="{6740D997-29F7-3647-9844-0224187D8916}"/>
               </a:ext>
             </a:extLst>
           </p:cNvPr>
@@ -5756,7 +5768,7 @@
           <p:cNvPr id="6" name="Right Arrow 5">
             <a:extLst>
               <a:ext uri="{FF2B5EF4-FFF2-40B4-BE49-F238E27FC236}">
-                <a16:creationId xmlns:a16="http://schemas.microsoft.com/office/drawing/2014/main" xmlns="" id="{FB07F196-5E58-1648-B1BB-D8994EEB300F}"/>
+                <a16:creationId xmlns="" xmlns:a16="http://schemas.microsoft.com/office/drawing/2014/main" id="{FB07F196-5E58-1648-B1BB-D8994EEB300F}"/>
               </a:ext>
             </a:extLst>
           </p:cNvPr>
@@ -5842,7 +5854,7 @@
           <p:cNvPr id="2" name="Title 1">
             <a:extLst>
               <a:ext uri="{FF2B5EF4-FFF2-40B4-BE49-F238E27FC236}">
-                <a16:creationId xmlns:a16="http://schemas.microsoft.com/office/drawing/2014/main" xmlns="" id="{922D3471-0360-C044-B6BA-991BFA3939A9}"/>
+                <a16:creationId xmlns="" xmlns:a16="http://schemas.microsoft.com/office/drawing/2014/main" id="{922D3471-0360-C044-B6BA-991BFA3939A9}"/>
               </a:ext>
             </a:extLst>
           </p:cNvPr>
@@ -5870,7 +5882,7 @@
           <p:cNvPr id="3" name="Content Placeholder 2">
             <a:extLst>
               <a:ext uri="{FF2B5EF4-FFF2-40B4-BE49-F238E27FC236}">
-                <a16:creationId xmlns:a16="http://schemas.microsoft.com/office/drawing/2014/main" xmlns="" id="{54E14010-9FBB-D64A-8108-3DB661BB5F45}"/>
+                <a16:creationId xmlns="" xmlns:a16="http://schemas.microsoft.com/office/drawing/2014/main" id="{54E14010-9FBB-D64A-8108-3DB661BB5F45}"/>
               </a:ext>
             </a:extLst>
           </p:cNvPr>
@@ -5967,7 +5979,7 @@
           <p:cNvPr id="5" name="TextBox 4">
             <a:extLst>
               <a:ext uri="{FF2B5EF4-FFF2-40B4-BE49-F238E27FC236}">
-                <a16:creationId xmlns:a16="http://schemas.microsoft.com/office/drawing/2014/main" xmlns="" id="{9D469FC4-2A24-A841-9FF3-4557BA4C03C3}"/>
+                <a16:creationId xmlns="" xmlns:a16="http://schemas.microsoft.com/office/drawing/2014/main" id="{9D469FC4-2A24-A841-9FF3-4557BA4C03C3}"/>
               </a:ext>
             </a:extLst>
           </p:cNvPr>
@@ -6041,7 +6053,7 @@
           <p:cNvPr id="6" name="TextBox 5">
             <a:extLst>
               <a:ext uri="{FF2B5EF4-FFF2-40B4-BE49-F238E27FC236}">
-                <a16:creationId xmlns:a16="http://schemas.microsoft.com/office/drawing/2014/main" xmlns="" id="{5CF569F4-0E58-8140-BBA2-9F6A0D71CFC3}"/>
+                <a16:creationId xmlns="" xmlns:a16="http://schemas.microsoft.com/office/drawing/2014/main" id="{5CF569F4-0E58-8140-BBA2-9F6A0D71CFC3}"/>
               </a:ext>
             </a:extLst>
           </p:cNvPr>
@@ -6153,7 +6165,7 @@
           <p:cNvPr id="2" name="Title 1">
             <a:extLst>
               <a:ext uri="{FF2B5EF4-FFF2-40B4-BE49-F238E27FC236}">
-                <a16:creationId xmlns:a16="http://schemas.microsoft.com/office/drawing/2014/main" xmlns="" id="{DCAB9D5F-399F-2447-8D5B-C6492D2B212C}"/>
+                <a16:creationId xmlns="" xmlns:a16="http://schemas.microsoft.com/office/drawing/2014/main" id="{DCAB9D5F-399F-2447-8D5B-C6492D2B212C}"/>
               </a:ext>
             </a:extLst>
           </p:cNvPr>
@@ -6181,7 +6193,7 @@
           <p:cNvPr id="3" name="Content Placeholder 2">
             <a:extLst>
               <a:ext uri="{FF2B5EF4-FFF2-40B4-BE49-F238E27FC236}">
-                <a16:creationId xmlns:a16="http://schemas.microsoft.com/office/drawing/2014/main" xmlns="" id="{F8FBDEEA-28B8-344C-B93C-39C5553D4EA3}"/>
+                <a16:creationId xmlns="" xmlns:a16="http://schemas.microsoft.com/office/drawing/2014/main" id="{F8FBDEEA-28B8-344C-B93C-39C5553D4EA3}"/>
               </a:ext>
             </a:extLst>
           </p:cNvPr>
@@ -6274,7 +6286,7 @@
           <p:cNvPr id="4" name="Content Placeholder 3">
             <a:extLst>
               <a:ext uri="{FF2B5EF4-FFF2-40B4-BE49-F238E27FC236}">
-                <a16:creationId xmlns:a16="http://schemas.microsoft.com/office/drawing/2014/main" xmlns="" id="{2C4912CA-C88B-6647-81CF-AF64FBD53C9F}"/>
+                <a16:creationId xmlns="" xmlns:a16="http://schemas.microsoft.com/office/drawing/2014/main" id="{2C4912CA-C88B-6647-81CF-AF64FBD53C9F}"/>
               </a:ext>
             </a:extLst>
           </p:cNvPr>
@@ -6412,7 +6424,7 @@
           <p:cNvPr id="2" name="Title 1">
             <a:extLst>
               <a:ext uri="{FF2B5EF4-FFF2-40B4-BE49-F238E27FC236}">
-                <a16:creationId xmlns:a16="http://schemas.microsoft.com/office/drawing/2014/main" xmlns="" id="{1338DCB2-012A-234F-AB76-62D1EDB80C0A}"/>
+                <a16:creationId xmlns="" xmlns:a16="http://schemas.microsoft.com/office/drawing/2014/main" id="{1338DCB2-012A-234F-AB76-62D1EDB80C0A}"/>
               </a:ext>
             </a:extLst>
           </p:cNvPr>
@@ -6440,7 +6452,7 @@
           <p:cNvPr id="5" name="Content Placeholder 4">
             <a:extLst>
               <a:ext uri="{FF2B5EF4-FFF2-40B4-BE49-F238E27FC236}">
-                <a16:creationId xmlns:a16="http://schemas.microsoft.com/office/drawing/2014/main" xmlns="" id="{F3A71BD2-D0B2-414D-B1FF-45412EF619E2}"/>
+                <a16:creationId xmlns="" xmlns:a16="http://schemas.microsoft.com/office/drawing/2014/main" id="{F3A71BD2-D0B2-414D-B1FF-45412EF619E2}"/>
               </a:ext>
             </a:extLst>
           </p:cNvPr>
@@ -6552,7 +6564,7 @@
           <p:cNvPr id="2" name="Title 1">
             <a:extLst>
               <a:ext uri="{FF2B5EF4-FFF2-40B4-BE49-F238E27FC236}">
-                <a16:creationId xmlns:a16="http://schemas.microsoft.com/office/drawing/2014/main" xmlns="" id="{1338DCB2-012A-234F-AB76-62D1EDB80C0A}"/>
+                <a16:creationId xmlns="" xmlns:a16="http://schemas.microsoft.com/office/drawing/2014/main" id="{1338DCB2-012A-234F-AB76-62D1EDB80C0A}"/>
               </a:ext>
             </a:extLst>
           </p:cNvPr>
@@ -6580,7 +6592,7 @@
           <p:cNvPr id="5" name="Content Placeholder 4">
             <a:extLst>
               <a:ext uri="{FF2B5EF4-FFF2-40B4-BE49-F238E27FC236}">
-                <a16:creationId xmlns:a16="http://schemas.microsoft.com/office/drawing/2014/main" xmlns="" id="{F3A71BD2-D0B2-414D-B1FF-45412EF619E2}"/>
+                <a16:creationId xmlns="" xmlns:a16="http://schemas.microsoft.com/office/drawing/2014/main" id="{F3A71BD2-D0B2-414D-B1FF-45412EF619E2}"/>
               </a:ext>
             </a:extLst>
           </p:cNvPr>
